--- a/HDRP.pptx
+++ b/HDRP.pptx
@@ -6,7 +6,7 @@
     <p:sldMasterId id="2147483881" r:id="rId5"/>
   </p:sldMasterIdLst>
   <p:notesMasterIdLst>
-    <p:notesMasterId r:id="rId17"/>
+    <p:notesMasterId r:id="rId18"/>
   </p:notesMasterIdLst>
   <p:sldIdLst>
     <p:sldId id="8454" r:id="rId6"/>
@@ -19,7 +19,8 @@
     <p:sldId id="8463" r:id="rId13"/>
     <p:sldId id="8462" r:id="rId14"/>
     <p:sldId id="8465" r:id="rId15"/>
-    <p:sldId id="8419" r:id="rId16"/>
+    <p:sldId id="8467" r:id="rId16"/>
+    <p:sldId id="8419" r:id="rId17"/>
   </p:sldIdLst>
   <p:sldSz cx="12192000" cy="6858000"/>
   <p:notesSz cx="6858000" cy="9144000"/>
@@ -234,7 +235,7 @@
           <a:p>
             <a:fld id="{2091BD93-2B17-0646-859D-7E9941F41A88}" type="datetimeFigureOut">
               <a:rPr lang="en-US" smtClean="0"/>
-              <a:t>11/16/2019</a:t>
+              <a:t>11/17/2019</a:t>
             </a:fld>
             <a:endParaRPr lang="en-US"/>
           </a:p>
@@ -8820,6 +8821,160 @@
           <a:chExt cx="0" cy="0"/>
         </a:xfrm>
       </p:grpSpPr>
+      <p:sp>
+        <p:nvSpPr>
+          <p:cNvPr id="2" name="Title 1">
+            <a:extLst>
+              <a:ext uri="{FF2B5EF4-FFF2-40B4-BE49-F238E27FC236}">
+                <a16:creationId xmlns:a16="http://schemas.microsoft.com/office/drawing/2014/main" id="{A18BB974-058F-4994-9A55-AEB0F682689A}"/>
+              </a:ext>
+            </a:extLst>
+          </p:cNvPr>
+          <p:cNvSpPr>
+            <a:spLocks noGrp="1"/>
+          </p:cNvSpPr>
+          <p:nvPr>
+            <p:ph type="title"/>
+          </p:nvPr>
+        </p:nvSpPr>
+        <p:spPr/>
+        <p:txBody>
+          <a:bodyPr/>
+          <a:lstStyle/>
+          <a:p>
+            <a:r>
+              <a:rPr lang="en-US" dirty="0"/>
+              <a:t>Basic </a:t>
+            </a:r>
+            <a:r>
+              <a:rPr lang="en-US" dirty="0" err="1"/>
+              <a:t>srp</a:t>
+            </a:r>
+            <a:r>
+              <a:rPr lang="en-US" dirty="0"/>
+              <a:t> logic</a:t>
+            </a:r>
+          </a:p>
+        </p:txBody>
+      </p:sp>
+      <p:sp>
+        <p:nvSpPr>
+          <p:cNvPr id="3" name="Text Placeholder 2">
+            <a:extLst>
+              <a:ext uri="{FF2B5EF4-FFF2-40B4-BE49-F238E27FC236}">
+                <a16:creationId xmlns:a16="http://schemas.microsoft.com/office/drawing/2014/main" id="{46818E35-48C1-4735-B242-67B6DF0015A3}"/>
+              </a:ext>
+            </a:extLst>
+          </p:cNvPr>
+          <p:cNvSpPr>
+            <a:spLocks noGrp="1"/>
+          </p:cNvSpPr>
+          <p:nvPr>
+            <p:ph type="body" sz="quarter" idx="10"/>
+          </p:nvPr>
+        </p:nvSpPr>
+        <p:spPr/>
+        <p:txBody>
+          <a:bodyPr/>
+          <a:lstStyle/>
+          <a:p>
+            <a:r>
+              <a:rPr lang="en-US" dirty="0" err="1"/>
+              <a:t>RenderPipeline.Render</a:t>
+            </a:r>
+            <a:r>
+              <a:rPr lang="en-US" dirty="0"/>
+              <a:t>()</a:t>
+            </a:r>
+          </a:p>
+          <a:p>
+            <a:pPr lvl="1"/>
+            <a:r>
+              <a:rPr lang="en-US" dirty="0"/>
+              <a:t>Culling via helper classes </a:t>
+            </a:r>
+          </a:p>
+          <a:p>
+            <a:pPr lvl="1"/>
+            <a:r>
+              <a:rPr lang="en-US" dirty="0"/>
+              <a:t>Populate command buffers to render non-culled objects</a:t>
+            </a:r>
+          </a:p>
+          <a:p>
+            <a:pPr lvl="1"/>
+            <a:r>
+              <a:rPr lang="en-US" dirty="0" err="1"/>
+              <a:t>Context.ExecuteCommandBuffer</a:t>
+            </a:r>
+            <a:r>
+              <a:rPr lang="en-US" dirty="0"/>
+              <a:t>() or .</a:t>
+            </a:r>
+            <a:r>
+              <a:rPr lang="en-US" dirty="0" err="1"/>
+              <a:t>ExecuteCommandBufferAsync</a:t>
+            </a:r>
+            <a:r>
+              <a:rPr lang="en-US" dirty="0"/>
+              <a:t>()</a:t>
+            </a:r>
+          </a:p>
+          <a:p>
+            <a:pPr lvl="1"/>
+            <a:r>
+              <a:rPr lang="en-US" dirty="0" err="1"/>
+              <a:t>Context.Submit</a:t>
+            </a:r>
+            <a:r>
+              <a:rPr lang="en-US" dirty="0"/>
+              <a:t>()</a:t>
+            </a:r>
+          </a:p>
+        </p:txBody>
+      </p:sp>
+    </p:spTree>
+    <p:extLst>
+      <p:ext uri="{BB962C8B-B14F-4D97-AF65-F5344CB8AC3E}">
+        <p14:creationId xmlns:p14="http://schemas.microsoft.com/office/powerpoint/2010/main" val="77811361"/>
+      </p:ext>
+    </p:extLst>
+  </p:cSld>
+  <p:clrMapOvr>
+    <a:masterClrMapping/>
+  </p:clrMapOvr>
+  <mc:AlternateContent xmlns:mc="http://schemas.openxmlformats.org/markup-compatibility/2006" xmlns:p14="http://schemas.microsoft.com/office/powerpoint/2010/main">
+    <mc:Choice Requires="p14">
+      <p:transition spd="med" p14:dur="700">
+        <p:fade/>
+      </p:transition>
+    </mc:Choice>
+    <mc:Fallback xmlns="">
+      <p:transition spd="med">
+        <p:fade/>
+      </p:transition>
+    </mc:Fallback>
+  </mc:AlternateContent>
+</p:sld>
+</file>
+
+<file path=ppt/slides/slide12.xml><?xml version="1.0" encoding="utf-8"?>
+<p:sld xmlns:a="http://schemas.openxmlformats.org/drawingml/2006/main" xmlns:r="http://schemas.openxmlformats.org/officeDocument/2006/relationships" xmlns:p="http://schemas.openxmlformats.org/presentationml/2006/main">
+  <p:cSld>
+    <p:spTree>
+      <p:nvGrpSpPr>
+        <p:cNvPr id="1" name=""/>
+        <p:cNvGrpSpPr/>
+        <p:nvPr/>
+      </p:nvGrpSpPr>
+      <p:grpSpPr>
+        <a:xfrm>
+          <a:off x="0" y="0"/>
+          <a:ext cx="0" cy="0"/>
+          <a:chOff x="0" y="0"/>
+          <a:chExt cx="0" cy="0"/>
+        </a:xfrm>
+      </p:grpSpPr>
     </p:spTree>
     <p:extLst>
       <p:ext uri="{BB962C8B-B14F-4D97-AF65-F5344CB8AC3E}">
@@ -9395,12 +9550,6 @@
           <a:p>
             <a:r>
               <a:rPr lang="en-US" dirty="0"/>
-              <a:t>HDRP inherits from SRP</a:t>
-            </a:r>
-          </a:p>
-          <a:p>
-            <a:r>
-              <a:rPr lang="en-US" dirty="0"/>
               <a:t>Simplest possible render pipeline system</a:t>
             </a:r>
           </a:p>
@@ -9413,7 +9562,7 @@
           <a:p>
             <a:r>
               <a:rPr lang="en-US" dirty="0"/>
-              <a:t>Basis for later HDRP-specific discussion</a:t>
+              <a:t>Basis for later HDRP-specific discussion (HDRP inherits from SRP)</a:t>
             </a:r>
           </a:p>
         </p:txBody>
@@ -10819,7 +10968,7 @@
         <p:spPr>
           <a:xfrm>
             <a:off x="548641" y="1596929"/>
-            <a:ext cx="6096000" cy="2862322"/>
+            <a:ext cx="6096000" cy="2308324"/>
           </a:xfrm>
           <a:prstGeom prst="rect">
             <a:avLst/>
@@ -10832,7 +10981,7 @@
           <a:lstStyle/>
           <a:p>
             <a:r>
-              <a:rPr lang="en-US" dirty="0"/>
+              <a:rPr lang="en-US" sz="1600" dirty="0"/>
               <a:t>Takeaways:</a:t>
             </a:r>
           </a:p>
@@ -10842,19 +10991,19 @@
               <a:buChar char="•"/>
             </a:pPr>
             <a:r>
-              <a:rPr lang="en-US" dirty="0"/>
+              <a:rPr lang="en-US" sz="1600" dirty="0"/>
               <a:t>Nothing is rendered outside of SRP class. Without the .</a:t>
             </a:r>
             <a:r>
-              <a:rPr lang="en-US" b="1" dirty="0" err="1"/>
+              <a:rPr lang="en-US" sz="1600" b="1" dirty="0" err="1"/>
               <a:t>drawSkybox</a:t>
             </a:r>
             <a:r>
-              <a:rPr lang="en-US" b="1" dirty="0"/>
+              <a:rPr lang="en-US" sz="1600" b="1" dirty="0"/>
               <a:t>() </a:t>
             </a:r>
             <a:r>
-              <a:rPr lang="en-US" dirty="0"/>
+              <a:rPr lang="en-US" sz="1600" dirty="0"/>
               <a:t>call, the viewport is completely blank.</a:t>
             </a:r>
           </a:p>
@@ -10864,15 +11013,15 @@
               <a:buChar char="•"/>
             </a:pPr>
             <a:r>
-              <a:rPr lang="en-US" dirty="0"/>
+              <a:rPr lang="en-US" sz="1600" dirty="0"/>
               <a:t>Render commands are buffered by </a:t>
             </a:r>
             <a:r>
-              <a:rPr lang="en-US" dirty="0" err="1"/>
+              <a:rPr lang="en-US" sz="1600" b="1" dirty="0" err="1"/>
               <a:t>ScriptableRenderContext</a:t>
             </a:r>
             <a:r>
-              <a:rPr lang="en-US" dirty="0"/>
+              <a:rPr lang="en-US" sz="1600" dirty="0"/>
               <a:t> object</a:t>
             </a:r>
           </a:p>
@@ -10882,7 +11031,7 @@
               <a:buChar char="•"/>
             </a:pPr>
             <a:r>
-              <a:rPr lang="en-US" dirty="0"/>
+              <a:rPr lang="en-US" sz="1600" dirty="0"/>
               <a:t>SRP is used all rendered views – editor, play, etc.</a:t>
             </a:r>
           </a:p>
@@ -10892,7 +11041,7 @@
               <a:buChar char="•"/>
             </a:pPr>
             <a:r>
-              <a:rPr lang="en-US" dirty="0"/>
+              <a:rPr lang="en-US" sz="1600" dirty="0"/>
               <a:t>Everything in the pipeline must be implemented in script.  </a:t>
             </a:r>
           </a:p>
@@ -10902,11 +11051,11 @@
               <a:buChar char="•"/>
             </a:pPr>
             <a:r>
-              <a:rPr lang="en-US" dirty="0" err="1"/>
+              <a:rPr lang="en-US" sz="1600" dirty="0" err="1"/>
               <a:t>GameObjects</a:t>
             </a:r>
             <a:r>
-              <a:rPr lang="en-US" dirty="0"/>
+              <a:rPr lang="en-US" sz="1600" dirty="0"/>
               <a:t>, materials, and other settings are available to the renderer. It’s up to the developer to decide how or if these are used. </a:t>
             </a:r>
           </a:p>
@@ -11039,7 +11188,7 @@
         <p:spPr>
           <a:xfrm>
             <a:off x="549275" y="1596929"/>
-            <a:ext cx="11056938" cy="840333"/>
+            <a:ext cx="11056938" cy="2438219"/>
           </a:xfrm>
         </p:spPr>
         <p:txBody>
@@ -11054,15 +11203,15 @@
           <a:p>
             <a:r>
               <a:rPr lang="en-US" dirty="0"/>
-              <a:t>Provides wrappers for </a:t>
+              <a:t>Provides wrappers for Unity </a:t>
             </a:r>
             <a:r>
               <a:rPr lang="en-US" dirty="0" err="1"/>
-              <a:t>GfxDevice</a:t>
-            </a:r>
-            <a:r>
-              <a:rPr lang="en-US" dirty="0"/>
-              <a:t> APIs. </a:t>
+              <a:t>RenderCommand</a:t>
+            </a:r>
+            <a:r>
+              <a:rPr lang="en-US" dirty="0"/>
+              <a:t> objects. </a:t>
             </a:r>
           </a:p>
           <a:p>
@@ -11094,9 +11243,10 @@
             </a:r>
           </a:p>
           <a:p>
-            <a:r>
-              <a:rPr lang="en-US" dirty="0"/>
-              <a:t>Brief sample of the interface:</a:t>
+            <a:pPr lvl="1"/>
+            <a:r>
+              <a:rPr lang="en-US" dirty="0"/>
+              <a:t>Etc.</a:t>
             </a:r>
           </a:p>
           <a:p>
@@ -12940,18 +13090,18 @@
 </file>
 
 <file path=customXml/item2.xml><?xml version="1.0" encoding="utf-8"?>
-<p:properties xmlns:p="http://schemas.microsoft.com/office/2006/metadata/properties" xmlns:xsi="http://www.w3.org/2001/XMLSchema-instance" xmlns:pc="http://schemas.microsoft.com/office/infopath/2007/PartnerControls">
-  <documentManagement/>
-</p:properties>
-</file>
-
-<file path=customXml/item3.xml><?xml version="1.0" encoding="utf-8"?>
 <?mso-contentType ?>
 <FormTemplates xmlns="http://schemas.microsoft.com/sharepoint/v3/contenttype/forms">
   <Display>DocumentLibraryForm</Display>
   <Edit>DocumentLibraryForm</Edit>
   <New>DocumentLibraryForm</New>
 </FormTemplates>
+</file>
+
+<file path=customXml/item3.xml><?xml version="1.0" encoding="utf-8"?>
+<p:properties xmlns:p="http://schemas.microsoft.com/office/2006/metadata/properties" xmlns:xsi="http://www.w3.org/2001/XMLSchema-instance" xmlns:pc="http://schemas.microsoft.com/office/infopath/2007/PartnerControls">
+  <documentManagement/>
+</p:properties>
 </file>
 
 <file path=customXml/itemProps1.xml><?xml version="1.0" encoding="utf-8"?>
@@ -12974,6 +13124,14 @@
 </file>
 
 <file path=customXml/itemProps2.xml><?xml version="1.0" encoding="utf-8"?>
+<ds:datastoreItem xmlns:ds="http://schemas.openxmlformats.org/officeDocument/2006/customXml" ds:itemID="{B855E1D5-2A74-43F1-8F2A-D6D26FB10819}">
+  <ds:schemaRefs>
+    <ds:schemaRef ds:uri="http://schemas.microsoft.com/sharepoint/v3/contenttype/forms"/>
+  </ds:schemaRefs>
+</ds:datastoreItem>
+</file>
+
+<file path=customXml/itemProps3.xml><?xml version="1.0" encoding="utf-8"?>
 <ds:datastoreItem xmlns:ds="http://schemas.openxmlformats.org/officeDocument/2006/customXml" ds:itemID="{E396BC82-30C7-491C-9E83-C9FC84CE0250}">
   <ds:schemaRefs>
     <ds:schemaRef ds:uri="http://purl.org/dc/dcmitype/"/>
@@ -12988,12 +13146,4 @@
     <ds:schemaRef ds:uri="7691373a-f030-4374-98b9-64678e3b8f7d"/>
   </ds:schemaRefs>
 </ds:datastoreItem>
-</file>
-
-<file path=customXml/itemProps3.xml><?xml version="1.0" encoding="utf-8"?>
-<ds:datastoreItem xmlns:ds="http://schemas.openxmlformats.org/officeDocument/2006/customXml" ds:itemID="{B855E1D5-2A74-43F1-8F2A-D6D26FB10819}">
-  <ds:schemaRefs>
-    <ds:schemaRef ds:uri="http://schemas.microsoft.com/sharepoint/v3/contenttype/forms"/>
-  </ds:schemaRefs>
-</ds:datastoreItem>
 </file>
--- a/HDRP.pptx
+++ b/HDRP.pptx
@@ -6,21 +6,25 @@
     <p:sldMasterId id="2147483881" r:id="rId5"/>
   </p:sldMasterIdLst>
   <p:notesMasterIdLst>
-    <p:notesMasterId r:id="rId18"/>
+    <p:notesMasterId r:id="rId22"/>
   </p:notesMasterIdLst>
   <p:sldIdLst>
     <p:sldId id="8454" r:id="rId6"/>
     <p:sldId id="8456" r:id="rId7"/>
     <p:sldId id="8459" r:id="rId8"/>
     <p:sldId id="8466" r:id="rId9"/>
-    <p:sldId id="8461" r:id="rId10"/>
-    <p:sldId id="8460" r:id="rId11"/>
-    <p:sldId id="8464" r:id="rId12"/>
-    <p:sldId id="8463" r:id="rId13"/>
-    <p:sldId id="8462" r:id="rId14"/>
+    <p:sldId id="8467" r:id="rId10"/>
+    <p:sldId id="8461" r:id="rId11"/>
+    <p:sldId id="8460" r:id="rId12"/>
+    <p:sldId id="8464" r:id="rId13"/>
+    <p:sldId id="8463" r:id="rId14"/>
     <p:sldId id="8465" r:id="rId15"/>
-    <p:sldId id="8467" r:id="rId16"/>
-    <p:sldId id="8419" r:id="rId17"/>
+    <p:sldId id="8462" r:id="rId16"/>
+    <p:sldId id="8468" r:id="rId17"/>
+    <p:sldId id="8471" r:id="rId18"/>
+    <p:sldId id="8469" r:id="rId19"/>
+    <p:sldId id="8470" r:id="rId20"/>
+    <p:sldId id="8419" r:id="rId21"/>
   </p:sldIdLst>
   <p:sldSz cx="12192000" cy="6858000"/>
   <p:notesSz cx="6858000" cy="9144000"/>
@@ -570,7 +574,7 @@
           <a:p>
             <a:fld id="{267AA8F3-DEF8-A047-9B8D-3E6344CC3BED}" type="slidenum">
               <a:rPr lang="en-US" smtClean="0"/>
-              <a:t>8</a:t>
+              <a:t>9</a:t>
             </a:fld>
             <a:endParaRPr lang="en-US"/>
           </a:p>
@@ -580,6 +584,109 @@
     <p:extLst>
       <p:ext uri="{BB962C8B-B14F-4D97-AF65-F5344CB8AC3E}">
         <p14:creationId xmlns:p14="http://schemas.microsoft.com/office/powerpoint/2010/main" val="1325898463"/>
+      </p:ext>
+    </p:extLst>
+  </p:cSld>
+  <p:clrMapOvr>
+    <a:masterClrMapping/>
+  </p:clrMapOvr>
+</p:notes>
+</file>
+
+<file path=ppt/notesSlides/notesSlide2.xml><?xml version="1.0" encoding="utf-8"?>
+<p:notes xmlns:a="http://schemas.openxmlformats.org/drawingml/2006/main" xmlns:r="http://schemas.openxmlformats.org/officeDocument/2006/relationships" xmlns:p="http://schemas.openxmlformats.org/presentationml/2006/main">
+  <p:cSld>
+    <p:spTree>
+      <p:nvGrpSpPr>
+        <p:cNvPr id="1" name=""/>
+        <p:cNvGrpSpPr/>
+        <p:nvPr/>
+      </p:nvGrpSpPr>
+      <p:grpSpPr>
+        <a:xfrm>
+          <a:off x="0" y="0"/>
+          <a:ext cx="0" cy="0"/>
+          <a:chOff x="0" y="0"/>
+          <a:chExt cx="0" cy="0"/>
+        </a:xfrm>
+      </p:grpSpPr>
+      <p:sp>
+        <p:nvSpPr>
+          <p:cNvPr id="2" name="Slide Image Placeholder 1"/>
+          <p:cNvSpPr>
+            <a:spLocks noGrp="1" noRot="1" noChangeAspect="1"/>
+          </p:cNvSpPr>
+          <p:nvPr>
+            <p:ph type="sldImg"/>
+          </p:nvPr>
+        </p:nvSpPr>
+        <p:spPr/>
+      </p:sp>
+      <p:sp>
+        <p:nvSpPr>
+          <p:cNvPr id="3" name="Notes Placeholder 2"/>
+          <p:cNvSpPr>
+            <a:spLocks noGrp="1"/>
+          </p:cNvSpPr>
+          <p:nvPr>
+            <p:ph type="body" idx="1"/>
+          </p:nvPr>
+        </p:nvSpPr>
+        <p:spPr/>
+        <p:txBody>
+          <a:bodyPr/>
+          <a:lstStyle/>
+          <a:p>
+            <a:r>
+              <a:rPr lang="en-US" dirty="0"/>
+              <a:t>Just a sample of the </a:t>
+            </a:r>
+            <a:r>
+              <a:rPr lang="en-US" dirty="0" err="1"/>
+              <a:t>CommandBuffer</a:t>
+            </a:r>
+            <a:r>
+              <a:rPr lang="en-US" dirty="0"/>
+              <a:t> class interface. MANY </a:t>
+            </a:r>
+            <a:r>
+              <a:rPr lang="en-US" dirty="0" err="1"/>
+              <a:t>MANY</a:t>
+            </a:r>
+            <a:r>
+              <a:rPr lang="en-US" dirty="0"/>
+              <a:t> overrides and other methods removed so it’ll fit on a slide. </a:t>
+            </a:r>
+          </a:p>
+        </p:txBody>
+      </p:sp>
+      <p:sp>
+        <p:nvSpPr>
+          <p:cNvPr id="4" name="Slide Number Placeholder 3"/>
+          <p:cNvSpPr>
+            <a:spLocks noGrp="1"/>
+          </p:cNvSpPr>
+          <p:nvPr>
+            <p:ph type="sldNum" sz="quarter" idx="5"/>
+          </p:nvPr>
+        </p:nvSpPr>
+        <p:spPr/>
+        <p:txBody>
+          <a:bodyPr/>
+          <a:lstStyle/>
+          <a:p>
+            <a:fld id="{267AA8F3-DEF8-A047-9B8D-3E6344CC3BED}" type="slidenum">
+              <a:rPr lang="en-US" smtClean="0"/>
+              <a:t>11</a:t>
+            </a:fld>
+            <a:endParaRPr lang="en-US"/>
+          </a:p>
+        </p:txBody>
+      </p:sp>
+    </p:spTree>
+    <p:extLst>
+      <p:ext uri="{BB962C8B-B14F-4D97-AF65-F5344CB8AC3E}">
+        <p14:creationId xmlns:p14="http://schemas.microsoft.com/office/powerpoint/2010/main" val="2597101382"/>
       </p:ext>
     </p:extLst>
   </p:cSld>
@@ -8261,7 +8368,7 @@
         </p:nvSpPr>
         <p:spPr>
           <a:xfrm>
-            <a:off x="548641" y="1803727"/>
+            <a:off x="548641" y="3643816"/>
             <a:ext cx="4703144" cy="2554545"/>
           </a:xfrm>
           <a:prstGeom prst="rect">
@@ -8776,6 +8883,72 @@
               <a:t>    }</a:t>
             </a:r>
             <a:endParaRPr lang="en-US" sz="1000" dirty="0"/>
+          </a:p>
+        </p:txBody>
+      </p:sp>
+      <p:sp>
+        <p:nvSpPr>
+          <p:cNvPr id="3" name="Rectangle 2">
+            <a:extLst>
+              <a:ext uri="{FF2B5EF4-FFF2-40B4-BE49-F238E27FC236}">
+                <a16:creationId xmlns:a16="http://schemas.microsoft.com/office/drawing/2014/main" id="{8C4E1E7C-918B-4A0A-A995-EC07D971751D}"/>
+              </a:ext>
+            </a:extLst>
+          </p:cNvPr>
+          <p:cNvSpPr/>
+          <p:nvPr/>
+        </p:nvSpPr>
+        <p:spPr>
+          <a:xfrm>
+            <a:off x="548640" y="1803727"/>
+            <a:ext cx="4610381" cy="1200329"/>
+          </a:xfrm>
+          <a:prstGeom prst="rect">
+            <a:avLst/>
+          </a:prstGeom>
+        </p:spPr>
+        <p:txBody>
+          <a:bodyPr wrap="square">
+            <a:spAutoFit/>
+          </a:bodyPr>
+          <a:lstStyle/>
+          <a:p>
+            <a:pPr marL="285750" indent="-285750">
+              <a:buFont typeface="Arial" panose="020B0604020202020204" pitchFamily="34" charset="0"/>
+              <a:buChar char="•"/>
+            </a:pPr>
+            <a:r>
+              <a:rPr lang="en-US" dirty="0"/>
+              <a:t>Provides more native API-like methods</a:t>
+            </a:r>
+          </a:p>
+          <a:p>
+            <a:pPr marL="285750" indent="-285750">
+              <a:buFont typeface="Arial" panose="020B0604020202020204" pitchFamily="34" charset="0"/>
+              <a:buChar char="•"/>
+            </a:pPr>
+            <a:r>
+              <a:rPr lang="en-US" dirty="0"/>
+              <a:t>Used to populate context command queue</a:t>
+            </a:r>
+          </a:p>
+          <a:p>
+            <a:pPr marL="285750" indent="-285750">
+              <a:buFont typeface="Arial" panose="020B0604020202020204" pitchFamily="34" charset="0"/>
+              <a:buChar char="•"/>
+            </a:pPr>
+            <a:r>
+              <a:rPr lang="en-US" dirty="0"/>
+              <a:t>Engine </a:t>
+            </a:r>
+            <a:r>
+              <a:rPr lang="en-US" dirty="0" err="1"/>
+              <a:t>internall</a:t>
+            </a:r>
+            <a:r>
+              <a:rPr lang="en-US" dirty="0"/>
+              <a:t> translates to API-specific calls in render thread.</a:t>
+            </a:r>
           </a:p>
         </p:txBody>
       </p:sp>
@@ -8826,7 +8999,7 @@
           <p:cNvPr id="2" name="Title 1">
             <a:extLst>
               <a:ext uri="{FF2B5EF4-FFF2-40B4-BE49-F238E27FC236}">
-                <a16:creationId xmlns:a16="http://schemas.microsoft.com/office/drawing/2014/main" id="{A18BB974-058F-4994-9A55-AEB0F682689A}"/>
+                <a16:creationId xmlns:a16="http://schemas.microsoft.com/office/drawing/2014/main" id="{53E2A4A1-C030-48B9-9A43-CDB7BB23B221}"/>
               </a:ext>
             </a:extLst>
           </p:cNvPr>
@@ -8844,15 +9017,15 @@
           <a:p>
             <a:r>
               <a:rPr lang="en-US" dirty="0"/>
-              <a:t>Basic </a:t>
+              <a:t>Simple </a:t>
             </a:r>
             <a:r>
               <a:rPr lang="en-US" dirty="0" err="1"/>
-              <a:t>srp</a:t>
-            </a:r>
-            <a:r>
-              <a:rPr lang="en-US" dirty="0"/>
-              <a:t> logic</a:t>
+              <a:t>rp</a:t>
+            </a:r>
+            <a:r>
+              <a:rPr lang="en-US" dirty="0"/>
+              <a:t> – Command buffers</a:t>
             </a:r>
           </a:p>
         </p:txBody>
@@ -8862,7 +9035,7 @@
           <p:cNvPr id="3" name="Text Placeholder 2">
             <a:extLst>
               <a:ext uri="{FF2B5EF4-FFF2-40B4-BE49-F238E27FC236}">
-                <a16:creationId xmlns:a16="http://schemas.microsoft.com/office/drawing/2014/main" id="{46818E35-48C1-4735-B242-67B6DF0015A3}"/>
+                <a16:creationId xmlns:a16="http://schemas.microsoft.com/office/drawing/2014/main" id="{C5502DA1-5E40-4DF7-BCBC-3406E615B412}"/>
               </a:ext>
             </a:extLst>
           </p:cNvPr>
@@ -8873,70 +9046,769 @@
             <p:ph type="body" sz="quarter" idx="10"/>
           </p:nvPr>
         </p:nvSpPr>
-        <p:spPr/>
+        <p:spPr>
+          <a:xfrm>
+            <a:off x="549275" y="1596929"/>
+            <a:ext cx="11056938" cy="2438219"/>
+          </a:xfrm>
+        </p:spPr>
         <p:txBody>
           <a:bodyPr/>
           <a:lstStyle/>
           <a:p>
             <a:r>
+              <a:rPr lang="en-US" dirty="0"/>
+              <a:t>Discrete collections of grouped commands</a:t>
+            </a:r>
+          </a:p>
+          <a:p>
+            <a:r>
+              <a:rPr lang="en-US" dirty="0"/>
+              <a:t>Provides wrappers for Unity </a:t>
+            </a:r>
+            <a:r>
               <a:rPr lang="en-US" dirty="0" err="1"/>
-              <a:t>RenderPipeline.Render</a:t>
-            </a:r>
-            <a:r>
-              <a:rPr lang="en-US" dirty="0"/>
-              <a:t>()</a:t>
+              <a:t>RenderCommand</a:t>
+            </a:r>
+            <a:r>
+              <a:rPr lang="en-US" dirty="0"/>
+              <a:t> objects. </a:t>
             </a:r>
           </a:p>
           <a:p>
             <a:pPr lvl="1"/>
             <a:r>
               <a:rPr lang="en-US" dirty="0"/>
-              <a:t>Culling via helper classes </a:t>
+              <a:t>Draw</a:t>
             </a:r>
           </a:p>
           <a:p>
             <a:pPr lvl="1"/>
             <a:r>
               <a:rPr lang="en-US" dirty="0"/>
-              <a:t>Populate command buffers to render non-culled objects</a:t>
+              <a:t>Dispatch</a:t>
             </a:r>
           </a:p>
           <a:p>
             <a:pPr lvl="1"/>
             <a:r>
-              <a:rPr lang="en-US" dirty="0" err="1"/>
-              <a:t>Context.ExecuteCommandBuffer</a:t>
-            </a:r>
-            <a:r>
-              <a:rPr lang="en-US" dirty="0"/>
-              <a:t>() or .</a:t>
-            </a:r>
-            <a:r>
-              <a:rPr lang="en-US" dirty="0" err="1"/>
-              <a:t>ExecuteCommandBufferAsync</a:t>
-            </a:r>
-            <a:r>
-              <a:rPr lang="en-US" dirty="0"/>
-              <a:t>()</a:t>
+              <a:rPr lang="en-US" dirty="0"/>
+              <a:t>Fences</a:t>
             </a:r>
           </a:p>
           <a:p>
             <a:pPr lvl="1"/>
             <a:r>
-              <a:rPr lang="en-US" dirty="0" err="1"/>
-              <a:t>Context.Submit</a:t>
-            </a:r>
-            <a:r>
-              <a:rPr lang="en-US" dirty="0"/>
-              <a:t>()</a:t>
-            </a:r>
+              <a:rPr lang="en-US" dirty="0"/>
+              <a:t>Raytracing</a:t>
+            </a:r>
+          </a:p>
+          <a:p>
+            <a:pPr lvl="1"/>
+            <a:r>
+              <a:rPr lang="en-US" dirty="0"/>
+              <a:t>Etc.</a:t>
+            </a:r>
+          </a:p>
+          <a:p>
+            <a:pPr lvl="1"/>
+            <a:endParaRPr lang="en-US" dirty="0"/>
+          </a:p>
+          <a:p>
+            <a:pPr marL="0" indent="0">
+              <a:buNone/>
+            </a:pPr>
+            <a:endParaRPr lang="en-US" dirty="0"/>
+          </a:p>
+        </p:txBody>
+      </p:sp>
+      <p:sp>
+        <p:nvSpPr>
+          <p:cNvPr id="4" name="Rectangle 3">
+            <a:extLst>
+              <a:ext uri="{FF2B5EF4-FFF2-40B4-BE49-F238E27FC236}">
+                <a16:creationId xmlns:a16="http://schemas.microsoft.com/office/drawing/2014/main" id="{343C6962-3336-4089-88F8-9D6FD83D81C5}"/>
+              </a:ext>
+            </a:extLst>
+          </p:cNvPr>
+          <p:cNvSpPr/>
+          <p:nvPr/>
+        </p:nvSpPr>
+        <p:spPr>
+          <a:xfrm>
+            <a:off x="548641" y="4035148"/>
+            <a:ext cx="10840598" cy="2031325"/>
+          </a:xfrm>
+          <a:prstGeom prst="rect">
+            <a:avLst/>
+          </a:prstGeom>
+        </p:spPr>
+        <p:txBody>
+          <a:bodyPr wrap="square">
+            <a:spAutoFit/>
+          </a:bodyPr>
+          <a:lstStyle/>
+          <a:p>
+            <a:r>
+              <a:rPr lang="en-US" sz="1400" dirty="0">
+                <a:solidFill>
+                  <a:srgbClr val="0000FF"/>
+                </a:solidFill>
+                <a:latin typeface="Consolas" panose="020B0609020204030204" pitchFamily="49" charset="0"/>
+              </a:rPr>
+              <a:t>public</a:t>
+            </a:r>
+            <a:r>
+              <a:rPr lang="en-US" sz="1400" dirty="0">
+                <a:solidFill>
+                  <a:srgbClr val="000000"/>
+                </a:solidFill>
+                <a:latin typeface="Consolas" panose="020B0609020204030204" pitchFamily="49" charset="0"/>
+              </a:rPr>
+              <a:t> </a:t>
+            </a:r>
+            <a:r>
+              <a:rPr lang="en-US" sz="1400" dirty="0">
+                <a:solidFill>
+                  <a:srgbClr val="0000FF"/>
+                </a:solidFill>
+                <a:latin typeface="Consolas" panose="020B0609020204030204" pitchFamily="49" charset="0"/>
+              </a:rPr>
+              <a:t>void</a:t>
+            </a:r>
+            <a:r>
+              <a:rPr lang="en-US" sz="1400" dirty="0">
+                <a:solidFill>
+                  <a:srgbClr val="000000"/>
+                </a:solidFill>
+                <a:latin typeface="Consolas" panose="020B0609020204030204" pitchFamily="49" charset="0"/>
+              </a:rPr>
+              <a:t> </a:t>
+            </a:r>
+            <a:r>
+              <a:rPr lang="en-US" sz="1400" dirty="0" err="1">
+                <a:solidFill>
+                  <a:srgbClr val="000000"/>
+                </a:solidFill>
+                <a:latin typeface="Consolas" panose="020B0609020204030204" pitchFamily="49" charset="0"/>
+              </a:rPr>
+              <a:t>DrawProceduralIndirect</a:t>
+            </a:r>
+            <a:r>
+              <a:rPr lang="en-US" sz="1400" dirty="0">
+                <a:solidFill>
+                  <a:srgbClr val="000000"/>
+                </a:solidFill>
+                <a:latin typeface="Consolas" panose="020B0609020204030204" pitchFamily="49" charset="0"/>
+              </a:rPr>
+              <a:t>(Matrix4x4 matrix, Material </a:t>
+            </a:r>
+            <a:r>
+              <a:rPr lang="en-US" sz="1400" dirty="0" err="1">
+                <a:solidFill>
+                  <a:srgbClr val="000000"/>
+                </a:solidFill>
+                <a:latin typeface="Consolas" panose="020B0609020204030204" pitchFamily="49" charset="0"/>
+              </a:rPr>
+              <a:t>material</a:t>
+            </a:r>
+            <a:r>
+              <a:rPr lang="en-US" sz="1400" dirty="0">
+                <a:solidFill>
+                  <a:srgbClr val="000000"/>
+                </a:solidFill>
+                <a:latin typeface="Consolas" panose="020B0609020204030204" pitchFamily="49" charset="0"/>
+              </a:rPr>
+              <a:t>, </a:t>
+            </a:r>
+            <a:r>
+              <a:rPr lang="en-US" sz="1400" dirty="0">
+                <a:solidFill>
+                  <a:srgbClr val="0000FF"/>
+                </a:solidFill>
+                <a:latin typeface="Consolas" panose="020B0609020204030204" pitchFamily="49" charset="0"/>
+              </a:rPr>
+              <a:t>int</a:t>
+            </a:r>
+            <a:r>
+              <a:rPr lang="en-US" sz="1400" dirty="0">
+                <a:solidFill>
+                  <a:srgbClr val="000000"/>
+                </a:solidFill>
+                <a:latin typeface="Consolas" panose="020B0609020204030204" pitchFamily="49" charset="0"/>
+              </a:rPr>
+              <a:t> </a:t>
+            </a:r>
+            <a:r>
+              <a:rPr lang="en-US" sz="1400" dirty="0" err="1">
+                <a:solidFill>
+                  <a:srgbClr val="000000"/>
+                </a:solidFill>
+                <a:latin typeface="Consolas" panose="020B0609020204030204" pitchFamily="49" charset="0"/>
+              </a:rPr>
+              <a:t>shaderPass</a:t>
+            </a:r>
+            <a:r>
+              <a:rPr lang="en-US" sz="1400" dirty="0">
+                <a:solidFill>
+                  <a:srgbClr val="000000"/>
+                </a:solidFill>
+                <a:latin typeface="Consolas" panose="020B0609020204030204" pitchFamily="49" charset="0"/>
+              </a:rPr>
+              <a:t>, </a:t>
+            </a:r>
+            <a:r>
+              <a:rPr lang="en-US" sz="1400" dirty="0" err="1">
+                <a:solidFill>
+                  <a:srgbClr val="000000"/>
+                </a:solidFill>
+                <a:latin typeface="Consolas" panose="020B0609020204030204" pitchFamily="49" charset="0"/>
+              </a:rPr>
+              <a:t>MeshTopology</a:t>
+            </a:r>
+            <a:r>
+              <a:rPr lang="en-US" sz="1400" dirty="0">
+                <a:solidFill>
+                  <a:srgbClr val="000000"/>
+                </a:solidFill>
+                <a:latin typeface="Consolas" panose="020B0609020204030204" pitchFamily="49" charset="0"/>
+              </a:rPr>
+              <a:t> topology, </a:t>
+            </a:r>
+            <a:r>
+              <a:rPr lang="en-US" sz="1400" dirty="0" err="1">
+                <a:solidFill>
+                  <a:srgbClr val="000000"/>
+                </a:solidFill>
+                <a:latin typeface="Consolas" panose="020B0609020204030204" pitchFamily="49" charset="0"/>
+              </a:rPr>
+              <a:t>ComputeBuffer</a:t>
+            </a:r>
+            <a:r>
+              <a:rPr lang="en-US" sz="1400" dirty="0">
+                <a:solidFill>
+                  <a:srgbClr val="000000"/>
+                </a:solidFill>
+                <a:latin typeface="Consolas" panose="020B0609020204030204" pitchFamily="49" charset="0"/>
+              </a:rPr>
+              <a:t> </a:t>
+            </a:r>
+            <a:r>
+              <a:rPr lang="en-US" sz="1400" dirty="0" err="1">
+                <a:solidFill>
+                  <a:srgbClr val="000000"/>
+                </a:solidFill>
+                <a:latin typeface="Consolas" panose="020B0609020204030204" pitchFamily="49" charset="0"/>
+              </a:rPr>
+              <a:t>bufferWithArgs</a:t>
+            </a:r>
+            <a:r>
+              <a:rPr lang="en-US" sz="1400" dirty="0">
+                <a:solidFill>
+                  <a:srgbClr val="000000"/>
+                </a:solidFill>
+                <a:latin typeface="Consolas" panose="020B0609020204030204" pitchFamily="49" charset="0"/>
+              </a:rPr>
+              <a:t>, </a:t>
+            </a:r>
+            <a:r>
+              <a:rPr lang="en-US" sz="1400" dirty="0">
+                <a:solidFill>
+                  <a:srgbClr val="0000FF"/>
+                </a:solidFill>
+                <a:latin typeface="Consolas" panose="020B0609020204030204" pitchFamily="49" charset="0"/>
+              </a:rPr>
+              <a:t>int</a:t>
+            </a:r>
+            <a:r>
+              <a:rPr lang="en-US" sz="1400" dirty="0">
+                <a:solidFill>
+                  <a:srgbClr val="000000"/>
+                </a:solidFill>
+                <a:latin typeface="Consolas" panose="020B0609020204030204" pitchFamily="49" charset="0"/>
+              </a:rPr>
+              <a:t> </a:t>
+            </a:r>
+            <a:r>
+              <a:rPr lang="en-US" sz="1400" dirty="0" err="1">
+                <a:solidFill>
+                  <a:srgbClr val="000000"/>
+                </a:solidFill>
+                <a:latin typeface="Consolas" panose="020B0609020204030204" pitchFamily="49" charset="0"/>
+              </a:rPr>
+              <a:t>argsOffset</a:t>
+            </a:r>
+            <a:r>
+              <a:rPr lang="en-US" sz="1400" dirty="0">
+                <a:solidFill>
+                  <a:srgbClr val="000000"/>
+                </a:solidFill>
+                <a:latin typeface="Consolas" panose="020B0609020204030204" pitchFamily="49" charset="0"/>
+              </a:rPr>
+              <a:t>, </a:t>
+            </a:r>
+            <a:r>
+              <a:rPr lang="en-US" sz="1400" dirty="0" err="1">
+                <a:solidFill>
+                  <a:srgbClr val="000000"/>
+                </a:solidFill>
+                <a:latin typeface="Consolas" panose="020B0609020204030204" pitchFamily="49" charset="0"/>
+              </a:rPr>
+              <a:t>MaterialPropertyBlock</a:t>
+            </a:r>
+            <a:r>
+              <a:rPr lang="en-US" sz="1400" dirty="0">
+                <a:solidFill>
+                  <a:srgbClr val="000000"/>
+                </a:solidFill>
+                <a:latin typeface="Consolas" panose="020B0609020204030204" pitchFamily="49" charset="0"/>
+              </a:rPr>
+              <a:t> properties);</a:t>
+            </a:r>
+          </a:p>
+          <a:p>
+            <a:endParaRPr lang="en-US" sz="1400" dirty="0">
+              <a:solidFill>
+                <a:srgbClr val="0000FF"/>
+              </a:solidFill>
+              <a:latin typeface="Consolas" panose="020B0609020204030204" pitchFamily="49" charset="0"/>
+            </a:endParaRPr>
+          </a:p>
+          <a:p>
+            <a:r>
+              <a:rPr lang="en-US" sz="1400" dirty="0">
+                <a:solidFill>
+                  <a:srgbClr val="0000FF"/>
+                </a:solidFill>
+                <a:latin typeface="Consolas" panose="020B0609020204030204" pitchFamily="49" charset="0"/>
+              </a:rPr>
+              <a:t>public</a:t>
+            </a:r>
+            <a:r>
+              <a:rPr lang="en-US" sz="1400" dirty="0">
+                <a:solidFill>
+                  <a:srgbClr val="000000"/>
+                </a:solidFill>
+                <a:latin typeface="Consolas" panose="020B0609020204030204" pitchFamily="49" charset="0"/>
+              </a:rPr>
+              <a:t> </a:t>
+            </a:r>
+            <a:r>
+              <a:rPr lang="en-US" sz="1400" dirty="0">
+                <a:solidFill>
+                  <a:srgbClr val="0000FF"/>
+                </a:solidFill>
+                <a:latin typeface="Consolas" panose="020B0609020204030204" pitchFamily="49" charset="0"/>
+              </a:rPr>
+              <a:t>void</a:t>
+            </a:r>
+            <a:r>
+              <a:rPr lang="en-US" sz="1400" dirty="0">
+                <a:solidFill>
+                  <a:srgbClr val="000000"/>
+                </a:solidFill>
+                <a:latin typeface="Consolas" panose="020B0609020204030204" pitchFamily="49" charset="0"/>
+              </a:rPr>
+              <a:t> </a:t>
+            </a:r>
+            <a:r>
+              <a:rPr lang="en-US" sz="1400" dirty="0" err="1">
+                <a:solidFill>
+                  <a:srgbClr val="000000"/>
+                </a:solidFill>
+                <a:latin typeface="Consolas" panose="020B0609020204030204" pitchFamily="49" charset="0"/>
+              </a:rPr>
+              <a:t>GenerateMips</a:t>
+            </a:r>
+            <a:r>
+              <a:rPr lang="en-US" sz="1400" dirty="0">
+                <a:solidFill>
+                  <a:srgbClr val="000000"/>
+                </a:solidFill>
+                <a:latin typeface="Consolas" panose="020B0609020204030204" pitchFamily="49" charset="0"/>
+              </a:rPr>
+              <a:t>(</a:t>
+            </a:r>
+            <a:r>
+              <a:rPr lang="en-US" sz="1400" dirty="0" err="1">
+                <a:solidFill>
+                  <a:srgbClr val="000000"/>
+                </a:solidFill>
+                <a:latin typeface="Consolas" panose="020B0609020204030204" pitchFamily="49" charset="0"/>
+              </a:rPr>
+              <a:t>RenderTexture</a:t>
+            </a:r>
+            <a:r>
+              <a:rPr lang="en-US" sz="1400" dirty="0">
+                <a:solidFill>
+                  <a:srgbClr val="000000"/>
+                </a:solidFill>
+                <a:latin typeface="Consolas" panose="020B0609020204030204" pitchFamily="49" charset="0"/>
+              </a:rPr>
+              <a:t> rt);</a:t>
+            </a:r>
+          </a:p>
+          <a:p>
+            <a:endParaRPr lang="en-US" sz="1400" dirty="0">
+              <a:solidFill>
+                <a:srgbClr val="0000FF"/>
+              </a:solidFill>
+              <a:latin typeface="Consolas" panose="020B0609020204030204" pitchFamily="49" charset="0"/>
+            </a:endParaRPr>
+          </a:p>
+          <a:p>
+            <a:r>
+              <a:rPr lang="en-US" sz="1400" dirty="0">
+                <a:solidFill>
+                  <a:srgbClr val="0000FF"/>
+                </a:solidFill>
+                <a:latin typeface="Consolas" panose="020B0609020204030204" pitchFamily="49" charset="0"/>
+              </a:rPr>
+              <a:t>public</a:t>
+            </a:r>
+            <a:r>
+              <a:rPr lang="en-US" sz="1400" dirty="0">
+                <a:solidFill>
+                  <a:srgbClr val="000000"/>
+                </a:solidFill>
+                <a:latin typeface="Consolas" panose="020B0609020204030204" pitchFamily="49" charset="0"/>
+              </a:rPr>
+              <a:t> </a:t>
+            </a:r>
+            <a:r>
+              <a:rPr lang="en-US" sz="1400" dirty="0">
+                <a:solidFill>
+                  <a:srgbClr val="0000FF"/>
+                </a:solidFill>
+                <a:latin typeface="Consolas" panose="020B0609020204030204" pitchFamily="49" charset="0"/>
+              </a:rPr>
+              <a:t>void</a:t>
+            </a:r>
+            <a:r>
+              <a:rPr lang="en-US" sz="1400" dirty="0">
+                <a:solidFill>
+                  <a:srgbClr val="000000"/>
+                </a:solidFill>
+                <a:latin typeface="Consolas" panose="020B0609020204030204" pitchFamily="49" charset="0"/>
+              </a:rPr>
+              <a:t> </a:t>
+            </a:r>
+            <a:r>
+              <a:rPr lang="en-US" sz="1400" dirty="0" err="1">
+                <a:solidFill>
+                  <a:srgbClr val="000000"/>
+                </a:solidFill>
+                <a:latin typeface="Consolas" panose="020B0609020204030204" pitchFamily="49" charset="0"/>
+              </a:rPr>
+              <a:t>RequestAsyncReadback</a:t>
+            </a:r>
+            <a:r>
+              <a:rPr lang="en-US" sz="1400" dirty="0">
+                <a:solidFill>
+                  <a:srgbClr val="000000"/>
+                </a:solidFill>
+                <a:latin typeface="Consolas" panose="020B0609020204030204" pitchFamily="49" charset="0"/>
+              </a:rPr>
+              <a:t>(</a:t>
+            </a:r>
+            <a:r>
+              <a:rPr lang="en-US" sz="1400" dirty="0" err="1">
+                <a:solidFill>
+                  <a:srgbClr val="000000"/>
+                </a:solidFill>
+                <a:latin typeface="Consolas" panose="020B0609020204030204" pitchFamily="49" charset="0"/>
+              </a:rPr>
+              <a:t>ComputeBuffer</a:t>
+            </a:r>
+            <a:r>
+              <a:rPr lang="en-US" sz="1400" dirty="0">
+                <a:solidFill>
+                  <a:srgbClr val="000000"/>
+                </a:solidFill>
+                <a:latin typeface="Consolas" panose="020B0609020204030204" pitchFamily="49" charset="0"/>
+              </a:rPr>
+              <a:t> </a:t>
+            </a:r>
+            <a:r>
+              <a:rPr lang="en-US" sz="1400" dirty="0" err="1">
+                <a:solidFill>
+                  <a:srgbClr val="000000"/>
+                </a:solidFill>
+                <a:latin typeface="Consolas" panose="020B0609020204030204" pitchFamily="49" charset="0"/>
+              </a:rPr>
+              <a:t>src</a:t>
+            </a:r>
+            <a:r>
+              <a:rPr lang="en-US" sz="1400" dirty="0">
+                <a:solidFill>
+                  <a:srgbClr val="000000"/>
+                </a:solidFill>
+                <a:latin typeface="Consolas" panose="020B0609020204030204" pitchFamily="49" charset="0"/>
+              </a:rPr>
+              <a:t>, </a:t>
+            </a:r>
+            <a:r>
+              <a:rPr lang="en-US" sz="1400" dirty="0">
+                <a:solidFill>
+                  <a:srgbClr val="0000FF"/>
+                </a:solidFill>
+                <a:latin typeface="Consolas" panose="020B0609020204030204" pitchFamily="49" charset="0"/>
+              </a:rPr>
+              <a:t>int</a:t>
+            </a:r>
+            <a:r>
+              <a:rPr lang="en-US" sz="1400" dirty="0">
+                <a:solidFill>
+                  <a:srgbClr val="000000"/>
+                </a:solidFill>
+                <a:latin typeface="Consolas" panose="020B0609020204030204" pitchFamily="49" charset="0"/>
+              </a:rPr>
+              <a:t> size, </a:t>
+            </a:r>
+            <a:r>
+              <a:rPr lang="en-US" sz="1400" dirty="0">
+                <a:solidFill>
+                  <a:srgbClr val="0000FF"/>
+                </a:solidFill>
+                <a:latin typeface="Consolas" panose="020B0609020204030204" pitchFamily="49" charset="0"/>
+              </a:rPr>
+              <a:t>int</a:t>
+            </a:r>
+            <a:r>
+              <a:rPr lang="en-US" sz="1400" dirty="0">
+                <a:solidFill>
+                  <a:srgbClr val="000000"/>
+                </a:solidFill>
+                <a:latin typeface="Consolas" panose="020B0609020204030204" pitchFamily="49" charset="0"/>
+              </a:rPr>
+              <a:t> offset, Action&lt;</a:t>
+            </a:r>
+            <a:r>
+              <a:rPr lang="en-US" sz="1400" dirty="0" err="1">
+                <a:solidFill>
+                  <a:srgbClr val="000000"/>
+                </a:solidFill>
+                <a:latin typeface="Consolas" panose="020B0609020204030204" pitchFamily="49" charset="0"/>
+              </a:rPr>
+              <a:t>AsyncGPUReadbackRequest</a:t>
+            </a:r>
+            <a:r>
+              <a:rPr lang="en-US" sz="1400" dirty="0">
+                <a:solidFill>
+                  <a:srgbClr val="000000"/>
+                </a:solidFill>
+                <a:latin typeface="Consolas" panose="020B0609020204030204" pitchFamily="49" charset="0"/>
+              </a:rPr>
+              <a:t>&gt; callback);</a:t>
+            </a:r>
+          </a:p>
+          <a:p>
+            <a:r>
+              <a:rPr lang="en-US" sz="1400" dirty="0">
+                <a:solidFill>
+                  <a:srgbClr val="0000FF"/>
+                </a:solidFill>
+                <a:latin typeface="Consolas" panose="020B0609020204030204" pitchFamily="49" charset="0"/>
+              </a:rPr>
+              <a:t>public</a:t>
+            </a:r>
+            <a:r>
+              <a:rPr lang="en-US" sz="1400" dirty="0">
+                <a:solidFill>
+                  <a:srgbClr val="000000"/>
+                </a:solidFill>
+                <a:latin typeface="Consolas" panose="020B0609020204030204" pitchFamily="49" charset="0"/>
+              </a:rPr>
+              <a:t> </a:t>
+            </a:r>
+            <a:r>
+              <a:rPr lang="en-US" sz="1400" dirty="0">
+                <a:solidFill>
+                  <a:srgbClr val="0000FF"/>
+                </a:solidFill>
+                <a:latin typeface="Consolas" panose="020B0609020204030204" pitchFamily="49" charset="0"/>
+              </a:rPr>
+              <a:t>void</a:t>
+            </a:r>
+            <a:r>
+              <a:rPr lang="en-US" sz="1400" dirty="0">
+                <a:solidFill>
+                  <a:srgbClr val="000000"/>
+                </a:solidFill>
+                <a:latin typeface="Consolas" panose="020B0609020204030204" pitchFamily="49" charset="0"/>
+              </a:rPr>
+              <a:t> </a:t>
+            </a:r>
+            <a:r>
+              <a:rPr lang="en-US" sz="1400" dirty="0" err="1">
+                <a:solidFill>
+                  <a:srgbClr val="000000"/>
+                </a:solidFill>
+                <a:latin typeface="Consolas" panose="020B0609020204030204" pitchFamily="49" charset="0"/>
+              </a:rPr>
+              <a:t>SetComputeBufferParam</a:t>
+            </a:r>
+            <a:r>
+              <a:rPr lang="en-US" sz="1400" dirty="0">
+                <a:solidFill>
+                  <a:srgbClr val="000000"/>
+                </a:solidFill>
+                <a:latin typeface="Consolas" panose="020B0609020204030204" pitchFamily="49" charset="0"/>
+              </a:rPr>
+              <a:t>([</a:t>
+            </a:r>
+            <a:r>
+              <a:rPr lang="en-US" sz="1400" dirty="0" err="1">
+                <a:solidFill>
+                  <a:srgbClr val="000000"/>
+                </a:solidFill>
+                <a:latin typeface="Consolas" panose="020B0609020204030204" pitchFamily="49" charset="0"/>
+              </a:rPr>
+              <a:t>NotNull</a:t>
+            </a:r>
+            <a:r>
+              <a:rPr lang="en-US" sz="1400" dirty="0">
+                <a:solidFill>
+                  <a:srgbClr val="000000"/>
+                </a:solidFill>
+                <a:latin typeface="Consolas" panose="020B0609020204030204" pitchFamily="49" charset="0"/>
+              </a:rPr>
+              <a:t>] </a:t>
+            </a:r>
+            <a:r>
+              <a:rPr lang="en-US" sz="1400" dirty="0" err="1">
+                <a:solidFill>
+                  <a:srgbClr val="000000"/>
+                </a:solidFill>
+                <a:latin typeface="Consolas" panose="020B0609020204030204" pitchFamily="49" charset="0"/>
+              </a:rPr>
+              <a:t>ComputeShader</a:t>
+            </a:r>
+            <a:r>
+              <a:rPr lang="en-US" sz="1400" dirty="0">
+                <a:solidFill>
+                  <a:srgbClr val="000000"/>
+                </a:solidFill>
+                <a:latin typeface="Consolas" panose="020B0609020204030204" pitchFamily="49" charset="0"/>
+              </a:rPr>
+              <a:t> </a:t>
+            </a:r>
+            <a:r>
+              <a:rPr lang="en-US" sz="1400" dirty="0" err="1">
+                <a:solidFill>
+                  <a:srgbClr val="000000"/>
+                </a:solidFill>
+                <a:latin typeface="Consolas" panose="020B0609020204030204" pitchFamily="49" charset="0"/>
+              </a:rPr>
+              <a:t>computeShader</a:t>
+            </a:r>
+            <a:r>
+              <a:rPr lang="en-US" sz="1400" dirty="0">
+                <a:solidFill>
+                  <a:srgbClr val="000000"/>
+                </a:solidFill>
+                <a:latin typeface="Consolas" panose="020B0609020204030204" pitchFamily="49" charset="0"/>
+              </a:rPr>
+              <a:t>, </a:t>
+            </a:r>
+            <a:r>
+              <a:rPr lang="en-US" sz="1400" dirty="0">
+                <a:solidFill>
+                  <a:srgbClr val="0000FF"/>
+                </a:solidFill>
+                <a:latin typeface="Consolas" panose="020B0609020204030204" pitchFamily="49" charset="0"/>
+              </a:rPr>
+              <a:t>int</a:t>
+            </a:r>
+            <a:r>
+              <a:rPr lang="en-US" sz="1400" dirty="0">
+                <a:solidFill>
+                  <a:srgbClr val="000000"/>
+                </a:solidFill>
+                <a:latin typeface="Consolas" panose="020B0609020204030204" pitchFamily="49" charset="0"/>
+              </a:rPr>
+              <a:t> </a:t>
+            </a:r>
+            <a:r>
+              <a:rPr lang="en-US" sz="1400" dirty="0" err="1">
+                <a:solidFill>
+                  <a:srgbClr val="000000"/>
+                </a:solidFill>
+                <a:latin typeface="Consolas" panose="020B0609020204030204" pitchFamily="49" charset="0"/>
+              </a:rPr>
+              <a:t>kernelIndex</a:t>
+            </a:r>
+            <a:r>
+              <a:rPr lang="en-US" sz="1400" dirty="0">
+                <a:solidFill>
+                  <a:srgbClr val="000000"/>
+                </a:solidFill>
+                <a:latin typeface="Consolas" panose="020B0609020204030204" pitchFamily="49" charset="0"/>
+              </a:rPr>
+              <a:t>, </a:t>
+            </a:r>
+            <a:r>
+              <a:rPr lang="en-US" sz="1400" dirty="0">
+                <a:solidFill>
+                  <a:srgbClr val="0000FF"/>
+                </a:solidFill>
+                <a:latin typeface="Consolas" panose="020B0609020204030204" pitchFamily="49" charset="0"/>
+              </a:rPr>
+              <a:t>int</a:t>
+            </a:r>
+            <a:r>
+              <a:rPr lang="en-US" sz="1400" dirty="0">
+                <a:solidFill>
+                  <a:srgbClr val="000000"/>
+                </a:solidFill>
+                <a:latin typeface="Consolas" panose="020B0609020204030204" pitchFamily="49" charset="0"/>
+              </a:rPr>
+              <a:t> </a:t>
+            </a:r>
+            <a:r>
+              <a:rPr lang="en-US" sz="1400" dirty="0" err="1">
+                <a:solidFill>
+                  <a:srgbClr val="000000"/>
+                </a:solidFill>
+                <a:latin typeface="Consolas" panose="020B0609020204030204" pitchFamily="49" charset="0"/>
+              </a:rPr>
+              <a:t>nameID</a:t>
+            </a:r>
+            <a:r>
+              <a:rPr lang="en-US" sz="1400" dirty="0">
+                <a:solidFill>
+                  <a:srgbClr val="000000"/>
+                </a:solidFill>
+                <a:latin typeface="Consolas" panose="020B0609020204030204" pitchFamily="49" charset="0"/>
+              </a:rPr>
+              <a:t>, </a:t>
+            </a:r>
+            <a:r>
+              <a:rPr lang="en-US" sz="1400" dirty="0" err="1">
+                <a:solidFill>
+                  <a:srgbClr val="000000"/>
+                </a:solidFill>
+                <a:latin typeface="Consolas" panose="020B0609020204030204" pitchFamily="49" charset="0"/>
+              </a:rPr>
+              <a:t>ComputeBuffer</a:t>
+            </a:r>
+            <a:r>
+              <a:rPr lang="en-US" sz="1400" dirty="0">
+                <a:solidFill>
+                  <a:srgbClr val="000000"/>
+                </a:solidFill>
+                <a:latin typeface="Consolas" panose="020B0609020204030204" pitchFamily="49" charset="0"/>
+              </a:rPr>
+              <a:t> buffer);</a:t>
+            </a:r>
+            <a:endParaRPr lang="en-US" sz="1400" dirty="0"/>
           </a:p>
         </p:txBody>
       </p:sp>
     </p:spTree>
     <p:extLst>
       <p:ext uri="{BB962C8B-B14F-4D97-AF65-F5344CB8AC3E}">
-        <p14:creationId xmlns:p14="http://schemas.microsoft.com/office/powerpoint/2010/main" val="77811361"/>
+        <p14:creationId xmlns:p14="http://schemas.microsoft.com/office/powerpoint/2010/main" val="1650590320"/>
       </p:ext>
     </p:extLst>
   </p:cSld>
@@ -8959,6 +9831,2784 @@
 </file>
 
 <file path=ppt/slides/slide12.xml><?xml version="1.0" encoding="utf-8"?>
+<p:sld xmlns:a="http://schemas.openxmlformats.org/drawingml/2006/main" xmlns:r="http://schemas.openxmlformats.org/officeDocument/2006/relationships" xmlns:p="http://schemas.openxmlformats.org/presentationml/2006/main">
+  <p:cSld>
+    <p:spTree>
+      <p:nvGrpSpPr>
+        <p:cNvPr id="1" name=""/>
+        <p:cNvGrpSpPr/>
+        <p:nvPr/>
+      </p:nvGrpSpPr>
+      <p:grpSpPr>
+        <a:xfrm>
+          <a:off x="0" y="0"/>
+          <a:ext cx="0" cy="0"/>
+          <a:chOff x="0" y="0"/>
+          <a:chExt cx="0" cy="0"/>
+        </a:xfrm>
+      </p:grpSpPr>
+      <p:sp>
+        <p:nvSpPr>
+          <p:cNvPr id="2" name="Title 1">
+            <a:extLst>
+              <a:ext uri="{FF2B5EF4-FFF2-40B4-BE49-F238E27FC236}">
+                <a16:creationId xmlns:a16="http://schemas.microsoft.com/office/drawing/2014/main" id="{709B02BF-92D6-41E0-BE82-E4961CDE0D8E}"/>
+              </a:ext>
+            </a:extLst>
+          </p:cNvPr>
+          <p:cNvSpPr>
+            <a:spLocks noGrp="1"/>
+          </p:cNvSpPr>
+          <p:nvPr>
+            <p:ph type="title"/>
+          </p:nvPr>
+        </p:nvSpPr>
+        <p:spPr/>
+        <p:txBody>
+          <a:bodyPr/>
+          <a:lstStyle/>
+          <a:p>
+            <a:r>
+              <a:rPr lang="en-US" dirty="0"/>
+              <a:t>Simple RP - Geometry</a:t>
+            </a:r>
+          </a:p>
+        </p:txBody>
+      </p:sp>
+      <p:pic>
+        <p:nvPicPr>
+          <p:cNvPr id="4" name="Picture 3">
+            <a:extLst>
+              <a:ext uri="{FF2B5EF4-FFF2-40B4-BE49-F238E27FC236}">
+                <a16:creationId xmlns:a16="http://schemas.microsoft.com/office/drawing/2014/main" id="{02D93801-EF85-4BF6-966D-E4C8D2EBF2BD}"/>
+              </a:ext>
+            </a:extLst>
+          </p:cNvPr>
+          <p:cNvPicPr>
+            <a:picLocks noChangeAspect="1"/>
+          </p:cNvPicPr>
+          <p:nvPr/>
+        </p:nvPicPr>
+        <p:blipFill>
+          <a:blip r:embed="rId2"/>
+          <a:stretch>
+            <a:fillRect/>
+          </a:stretch>
+        </p:blipFill>
+        <p:spPr>
+          <a:xfrm>
+            <a:off x="7667371" y="1345751"/>
+            <a:ext cx="4136032" cy="3164160"/>
+          </a:xfrm>
+          <a:prstGeom prst="rect">
+            <a:avLst/>
+          </a:prstGeom>
+        </p:spPr>
+      </p:pic>
+      <p:sp>
+        <p:nvSpPr>
+          <p:cNvPr id="5" name="Rectangle 4">
+            <a:extLst>
+              <a:ext uri="{FF2B5EF4-FFF2-40B4-BE49-F238E27FC236}">
+                <a16:creationId xmlns:a16="http://schemas.microsoft.com/office/drawing/2014/main" id="{57756086-F744-4CF1-9A5B-1AA33C16EE97}"/>
+              </a:ext>
+            </a:extLst>
+          </p:cNvPr>
+          <p:cNvSpPr/>
+          <p:nvPr/>
+        </p:nvSpPr>
+        <p:spPr>
+          <a:xfrm>
+            <a:off x="548640" y="1412682"/>
+            <a:ext cx="8334087" cy="5016758"/>
+          </a:xfrm>
+          <a:prstGeom prst="rect">
+            <a:avLst/>
+          </a:prstGeom>
+        </p:spPr>
+        <p:txBody>
+          <a:bodyPr wrap="square">
+            <a:spAutoFit/>
+          </a:bodyPr>
+          <a:lstStyle/>
+          <a:p>
+            <a:r>
+              <a:rPr lang="en-US" sz="800" dirty="0">
+                <a:solidFill>
+                  <a:srgbClr val="000000"/>
+                </a:solidFill>
+                <a:latin typeface="Consolas" panose="020B0609020204030204" pitchFamily="49" charset="0"/>
+              </a:rPr>
+              <a:t> </a:t>
+            </a:r>
+            <a:r>
+              <a:rPr lang="en-US" sz="800" dirty="0">
+                <a:solidFill>
+                  <a:srgbClr val="0000FF"/>
+                </a:solidFill>
+                <a:latin typeface="Consolas" panose="020B0609020204030204" pitchFamily="49" charset="0"/>
+              </a:rPr>
+              <a:t>protected</a:t>
+            </a:r>
+            <a:r>
+              <a:rPr lang="en-US" sz="800" dirty="0">
+                <a:solidFill>
+                  <a:srgbClr val="000000"/>
+                </a:solidFill>
+                <a:latin typeface="Consolas" panose="020B0609020204030204" pitchFamily="49" charset="0"/>
+              </a:rPr>
+              <a:t> </a:t>
+            </a:r>
+            <a:r>
+              <a:rPr lang="en-US" sz="800" dirty="0">
+                <a:solidFill>
+                  <a:srgbClr val="0000FF"/>
+                </a:solidFill>
+                <a:latin typeface="Consolas" panose="020B0609020204030204" pitchFamily="49" charset="0"/>
+              </a:rPr>
+              <a:t>override</a:t>
+            </a:r>
+            <a:r>
+              <a:rPr lang="en-US" sz="800" dirty="0">
+                <a:solidFill>
+                  <a:srgbClr val="000000"/>
+                </a:solidFill>
+                <a:latin typeface="Consolas" panose="020B0609020204030204" pitchFamily="49" charset="0"/>
+              </a:rPr>
+              <a:t> </a:t>
+            </a:r>
+            <a:r>
+              <a:rPr lang="en-US" sz="800" dirty="0">
+                <a:solidFill>
+                  <a:srgbClr val="0000FF"/>
+                </a:solidFill>
+                <a:latin typeface="Consolas" panose="020B0609020204030204" pitchFamily="49" charset="0"/>
+              </a:rPr>
+              <a:t>void</a:t>
+            </a:r>
+            <a:r>
+              <a:rPr lang="en-US" sz="800" dirty="0">
+                <a:solidFill>
+                  <a:srgbClr val="000000"/>
+                </a:solidFill>
+                <a:latin typeface="Consolas" panose="020B0609020204030204" pitchFamily="49" charset="0"/>
+              </a:rPr>
+              <a:t> Render(</a:t>
+            </a:r>
+            <a:r>
+              <a:rPr lang="en-US" sz="800" dirty="0" err="1">
+                <a:solidFill>
+                  <a:srgbClr val="000000"/>
+                </a:solidFill>
+                <a:latin typeface="Consolas" panose="020B0609020204030204" pitchFamily="49" charset="0"/>
+              </a:rPr>
+              <a:t>ScriptableRenderContext</a:t>
+            </a:r>
+            <a:r>
+              <a:rPr lang="en-US" sz="800" dirty="0">
+                <a:solidFill>
+                  <a:srgbClr val="000000"/>
+                </a:solidFill>
+                <a:latin typeface="Consolas" panose="020B0609020204030204" pitchFamily="49" charset="0"/>
+              </a:rPr>
+              <a:t> context, Camera[] cameras)</a:t>
+            </a:r>
+          </a:p>
+          <a:p>
+            <a:r>
+              <a:rPr lang="en-US" sz="800" dirty="0">
+                <a:solidFill>
+                  <a:srgbClr val="000000"/>
+                </a:solidFill>
+                <a:latin typeface="Consolas" panose="020B0609020204030204" pitchFamily="49" charset="0"/>
+              </a:rPr>
+              <a:t>    {</a:t>
+            </a:r>
+          </a:p>
+          <a:p>
+            <a:r>
+              <a:rPr lang="en-US" sz="800" dirty="0">
+                <a:solidFill>
+                  <a:srgbClr val="000000"/>
+                </a:solidFill>
+                <a:latin typeface="Consolas" panose="020B0609020204030204" pitchFamily="49" charset="0"/>
+              </a:rPr>
+              <a:t>        </a:t>
+            </a:r>
+            <a:r>
+              <a:rPr lang="en-US" sz="800" dirty="0" err="1">
+                <a:solidFill>
+                  <a:srgbClr val="000000"/>
+                </a:solidFill>
+                <a:latin typeface="Consolas" panose="020B0609020204030204" pitchFamily="49" charset="0"/>
+              </a:rPr>
+              <a:t>BeginFrameRendering</a:t>
+            </a:r>
+            <a:r>
+              <a:rPr lang="en-US" sz="800" dirty="0">
+                <a:solidFill>
+                  <a:srgbClr val="000000"/>
+                </a:solidFill>
+                <a:latin typeface="Consolas" panose="020B0609020204030204" pitchFamily="49" charset="0"/>
+              </a:rPr>
+              <a:t>(context, cameras);</a:t>
+            </a:r>
+          </a:p>
+          <a:p>
+            <a:r>
+              <a:rPr lang="en-US" sz="800" dirty="0">
+                <a:solidFill>
+                  <a:srgbClr val="000000"/>
+                </a:solidFill>
+                <a:latin typeface="Consolas" panose="020B0609020204030204" pitchFamily="49" charset="0"/>
+              </a:rPr>
+              <a:t>        </a:t>
+            </a:r>
+            <a:r>
+              <a:rPr lang="en-US" sz="800" dirty="0" err="1">
+                <a:solidFill>
+                  <a:srgbClr val="000000"/>
+                </a:solidFill>
+                <a:latin typeface="Consolas" panose="020B0609020204030204" pitchFamily="49" charset="0"/>
+              </a:rPr>
+              <a:t>ScriptableCullingParameters</a:t>
+            </a:r>
+            <a:r>
+              <a:rPr lang="en-US" sz="800" dirty="0">
+                <a:solidFill>
+                  <a:srgbClr val="000000"/>
+                </a:solidFill>
+                <a:latin typeface="Consolas" panose="020B0609020204030204" pitchFamily="49" charset="0"/>
+              </a:rPr>
+              <a:t> </a:t>
+            </a:r>
+            <a:r>
+              <a:rPr lang="en-US" sz="800" dirty="0" err="1">
+                <a:solidFill>
+                  <a:srgbClr val="000000"/>
+                </a:solidFill>
+                <a:latin typeface="Consolas" panose="020B0609020204030204" pitchFamily="49" charset="0"/>
+              </a:rPr>
+              <a:t>cullParams</a:t>
+            </a:r>
+            <a:r>
+              <a:rPr lang="en-US" sz="800" dirty="0">
+                <a:solidFill>
+                  <a:srgbClr val="000000"/>
+                </a:solidFill>
+                <a:latin typeface="Consolas" panose="020B0609020204030204" pitchFamily="49" charset="0"/>
+              </a:rPr>
+              <a:t>;</a:t>
+            </a:r>
+          </a:p>
+          <a:p>
+            <a:r>
+              <a:rPr lang="en-US" sz="800" dirty="0">
+                <a:solidFill>
+                  <a:srgbClr val="000000"/>
+                </a:solidFill>
+                <a:latin typeface="Consolas" panose="020B0609020204030204" pitchFamily="49" charset="0"/>
+              </a:rPr>
+              <a:t>        </a:t>
+            </a:r>
+            <a:r>
+              <a:rPr lang="en-US" sz="800" dirty="0">
+                <a:solidFill>
+                  <a:srgbClr val="0000FF"/>
+                </a:solidFill>
+                <a:latin typeface="Consolas" panose="020B0609020204030204" pitchFamily="49" charset="0"/>
+              </a:rPr>
+              <a:t>var</a:t>
+            </a:r>
+            <a:r>
+              <a:rPr lang="en-US" sz="800" dirty="0">
+                <a:solidFill>
+                  <a:srgbClr val="000000"/>
+                </a:solidFill>
+                <a:latin typeface="Consolas" panose="020B0609020204030204" pitchFamily="49" charset="0"/>
+              </a:rPr>
+              <a:t> </a:t>
+            </a:r>
+            <a:r>
+              <a:rPr lang="en-US" sz="800" dirty="0" err="1">
+                <a:solidFill>
+                  <a:srgbClr val="000000"/>
+                </a:solidFill>
+                <a:latin typeface="Consolas" panose="020B0609020204030204" pitchFamily="49" charset="0"/>
+              </a:rPr>
+              <a:t>clearColor</a:t>
+            </a:r>
+            <a:r>
+              <a:rPr lang="en-US" sz="800" dirty="0">
+                <a:solidFill>
+                  <a:srgbClr val="000000"/>
+                </a:solidFill>
+                <a:latin typeface="Consolas" panose="020B0609020204030204" pitchFamily="49" charset="0"/>
+              </a:rPr>
+              <a:t> = </a:t>
+            </a:r>
+            <a:r>
+              <a:rPr lang="en-US" sz="800" dirty="0">
+                <a:solidFill>
+                  <a:srgbClr val="0000FF"/>
+                </a:solidFill>
+                <a:latin typeface="Consolas" panose="020B0609020204030204" pitchFamily="49" charset="0"/>
+              </a:rPr>
+              <a:t>new</a:t>
+            </a:r>
+            <a:r>
+              <a:rPr lang="en-US" sz="800" dirty="0">
+                <a:solidFill>
+                  <a:srgbClr val="000000"/>
+                </a:solidFill>
+                <a:latin typeface="Consolas" panose="020B0609020204030204" pitchFamily="49" charset="0"/>
+              </a:rPr>
+              <a:t> Color(0, 0, 0.1f);</a:t>
+            </a:r>
+          </a:p>
+          <a:p>
+            <a:r>
+              <a:rPr lang="en-US" sz="800" dirty="0">
+                <a:solidFill>
+                  <a:srgbClr val="000000"/>
+                </a:solidFill>
+                <a:latin typeface="Consolas" panose="020B0609020204030204" pitchFamily="49" charset="0"/>
+              </a:rPr>
+              <a:t>        </a:t>
+            </a:r>
+            <a:r>
+              <a:rPr lang="en-US" sz="800" dirty="0">
+                <a:solidFill>
+                  <a:srgbClr val="0000FF"/>
+                </a:solidFill>
+                <a:latin typeface="Consolas" panose="020B0609020204030204" pitchFamily="49" charset="0"/>
+              </a:rPr>
+              <a:t>foreach</a:t>
+            </a:r>
+            <a:r>
+              <a:rPr lang="en-US" sz="800" dirty="0">
+                <a:solidFill>
+                  <a:srgbClr val="000000"/>
+                </a:solidFill>
+                <a:latin typeface="Consolas" panose="020B0609020204030204" pitchFamily="49" charset="0"/>
+              </a:rPr>
+              <a:t> (var camera </a:t>
+            </a:r>
+            <a:r>
+              <a:rPr lang="en-US" sz="800" dirty="0">
+                <a:solidFill>
+                  <a:srgbClr val="0000FF"/>
+                </a:solidFill>
+                <a:latin typeface="Consolas" panose="020B0609020204030204" pitchFamily="49" charset="0"/>
+              </a:rPr>
+              <a:t>in</a:t>
+            </a:r>
+            <a:r>
+              <a:rPr lang="en-US" sz="800" dirty="0">
+                <a:solidFill>
+                  <a:srgbClr val="000000"/>
+                </a:solidFill>
+                <a:latin typeface="Consolas" panose="020B0609020204030204" pitchFamily="49" charset="0"/>
+              </a:rPr>
+              <a:t> cameras)</a:t>
+            </a:r>
+          </a:p>
+          <a:p>
+            <a:r>
+              <a:rPr lang="en-US" sz="800" dirty="0">
+                <a:solidFill>
+                  <a:srgbClr val="000000"/>
+                </a:solidFill>
+                <a:latin typeface="Consolas" panose="020B0609020204030204" pitchFamily="49" charset="0"/>
+              </a:rPr>
+              <a:t>        {</a:t>
+            </a:r>
+          </a:p>
+          <a:p>
+            <a:r>
+              <a:rPr lang="en-US" sz="800" dirty="0">
+                <a:solidFill>
+                  <a:srgbClr val="000000"/>
+                </a:solidFill>
+                <a:latin typeface="Consolas" panose="020B0609020204030204" pitchFamily="49" charset="0"/>
+              </a:rPr>
+              <a:t>            </a:t>
+            </a:r>
+            <a:r>
+              <a:rPr lang="en-US" sz="800" dirty="0">
+                <a:solidFill>
+                  <a:srgbClr val="0000FF"/>
+                </a:solidFill>
+                <a:latin typeface="Consolas" panose="020B0609020204030204" pitchFamily="49" charset="0"/>
+              </a:rPr>
+              <a:t>if</a:t>
+            </a:r>
+            <a:r>
+              <a:rPr lang="en-US" sz="800" dirty="0">
+                <a:solidFill>
+                  <a:srgbClr val="000000"/>
+                </a:solidFill>
+                <a:latin typeface="Consolas" panose="020B0609020204030204" pitchFamily="49" charset="0"/>
+              </a:rPr>
+              <a:t> (!</a:t>
+            </a:r>
+            <a:r>
+              <a:rPr lang="en-US" sz="800" dirty="0" err="1">
+                <a:solidFill>
+                  <a:srgbClr val="000000"/>
+                </a:solidFill>
+                <a:latin typeface="Consolas" panose="020B0609020204030204" pitchFamily="49" charset="0"/>
+              </a:rPr>
+              <a:t>camera.TryGetCullingParameters</a:t>
+            </a:r>
+            <a:r>
+              <a:rPr lang="en-US" sz="800" dirty="0">
+                <a:solidFill>
+                  <a:srgbClr val="000000"/>
+                </a:solidFill>
+                <a:latin typeface="Consolas" panose="020B0609020204030204" pitchFamily="49" charset="0"/>
+              </a:rPr>
+              <a:t>(</a:t>
+            </a:r>
+            <a:r>
+              <a:rPr lang="en-US" sz="800" dirty="0">
+                <a:solidFill>
+                  <a:srgbClr val="0000FF"/>
+                </a:solidFill>
+                <a:latin typeface="Consolas" panose="020B0609020204030204" pitchFamily="49" charset="0"/>
+              </a:rPr>
+              <a:t>out</a:t>
+            </a:r>
+            <a:r>
+              <a:rPr lang="en-US" sz="800" dirty="0">
+                <a:solidFill>
+                  <a:srgbClr val="000000"/>
+                </a:solidFill>
+                <a:latin typeface="Consolas" panose="020B0609020204030204" pitchFamily="49" charset="0"/>
+              </a:rPr>
+              <a:t> </a:t>
+            </a:r>
+            <a:r>
+              <a:rPr lang="en-US" sz="800" dirty="0" err="1">
+                <a:solidFill>
+                  <a:srgbClr val="000000"/>
+                </a:solidFill>
+                <a:latin typeface="Consolas" panose="020B0609020204030204" pitchFamily="49" charset="0"/>
+              </a:rPr>
+              <a:t>cullParams</a:t>
+            </a:r>
+            <a:r>
+              <a:rPr lang="en-US" sz="800" dirty="0">
+                <a:solidFill>
+                  <a:srgbClr val="000000"/>
+                </a:solidFill>
+                <a:latin typeface="Consolas" panose="020B0609020204030204" pitchFamily="49" charset="0"/>
+              </a:rPr>
+              <a:t>))</a:t>
+            </a:r>
+          </a:p>
+          <a:p>
+            <a:r>
+              <a:rPr lang="en-US" sz="800" dirty="0">
+                <a:solidFill>
+                  <a:srgbClr val="000000"/>
+                </a:solidFill>
+                <a:latin typeface="Consolas" panose="020B0609020204030204" pitchFamily="49" charset="0"/>
+              </a:rPr>
+              <a:t>                </a:t>
+            </a:r>
+            <a:r>
+              <a:rPr lang="en-US" sz="800" dirty="0">
+                <a:solidFill>
+                  <a:srgbClr val="0000FF"/>
+                </a:solidFill>
+                <a:latin typeface="Consolas" panose="020B0609020204030204" pitchFamily="49" charset="0"/>
+              </a:rPr>
+              <a:t>continue</a:t>
+            </a:r>
+            <a:r>
+              <a:rPr lang="en-US" sz="800" dirty="0">
+                <a:solidFill>
+                  <a:srgbClr val="000000"/>
+                </a:solidFill>
+                <a:latin typeface="Consolas" panose="020B0609020204030204" pitchFamily="49" charset="0"/>
+              </a:rPr>
+              <a:t>;</a:t>
+            </a:r>
+          </a:p>
+          <a:p>
+            <a:r>
+              <a:rPr lang="en-US" sz="800" dirty="0">
+                <a:solidFill>
+                  <a:srgbClr val="000000"/>
+                </a:solidFill>
+                <a:latin typeface="Consolas" panose="020B0609020204030204" pitchFamily="49" charset="0"/>
+              </a:rPr>
+              <a:t>            </a:t>
+            </a:r>
+            <a:r>
+              <a:rPr lang="en-US" sz="800" dirty="0">
+                <a:solidFill>
+                  <a:srgbClr val="008000"/>
+                </a:solidFill>
+                <a:latin typeface="Consolas" panose="020B0609020204030204" pitchFamily="49" charset="0"/>
+              </a:rPr>
+              <a:t>// notify engine and plugins that this camera is starting to render.</a:t>
+            </a:r>
+            <a:endParaRPr lang="en-US" sz="800" dirty="0">
+              <a:solidFill>
+                <a:srgbClr val="000000"/>
+              </a:solidFill>
+              <a:latin typeface="Consolas" panose="020B0609020204030204" pitchFamily="49" charset="0"/>
+            </a:endParaRPr>
+          </a:p>
+          <a:p>
+            <a:r>
+              <a:rPr lang="en-US" sz="800" dirty="0">
+                <a:solidFill>
+                  <a:srgbClr val="000000"/>
+                </a:solidFill>
+                <a:latin typeface="Consolas" panose="020B0609020204030204" pitchFamily="49" charset="0"/>
+              </a:rPr>
+              <a:t>            </a:t>
+            </a:r>
+            <a:r>
+              <a:rPr lang="en-US" sz="800" dirty="0" err="1">
+                <a:solidFill>
+                  <a:srgbClr val="000000"/>
+                </a:solidFill>
+                <a:latin typeface="Consolas" panose="020B0609020204030204" pitchFamily="49" charset="0"/>
+              </a:rPr>
+              <a:t>BeginCameraRendering</a:t>
+            </a:r>
+            <a:r>
+              <a:rPr lang="en-US" sz="800" dirty="0">
+                <a:solidFill>
+                  <a:srgbClr val="000000"/>
+                </a:solidFill>
+                <a:latin typeface="Consolas" panose="020B0609020204030204" pitchFamily="49" charset="0"/>
+              </a:rPr>
+              <a:t>(context, camera);</a:t>
+            </a:r>
+          </a:p>
+          <a:p>
+            <a:r>
+              <a:rPr lang="en-US" sz="800" dirty="0">
+                <a:solidFill>
+                  <a:srgbClr val="000000"/>
+                </a:solidFill>
+                <a:latin typeface="Consolas" panose="020B0609020204030204" pitchFamily="49" charset="0"/>
+              </a:rPr>
+              <a:t>            </a:t>
+            </a:r>
+            <a:r>
+              <a:rPr lang="en-US" sz="800" dirty="0">
+                <a:solidFill>
+                  <a:srgbClr val="008000"/>
+                </a:solidFill>
+                <a:latin typeface="Consolas" panose="020B0609020204030204" pitchFamily="49" charset="0"/>
+              </a:rPr>
+              <a:t>// configure view matrix, clipping, etc.</a:t>
+            </a:r>
+            <a:endParaRPr lang="en-US" sz="800" dirty="0">
+              <a:solidFill>
+                <a:srgbClr val="000000"/>
+              </a:solidFill>
+              <a:latin typeface="Consolas" panose="020B0609020204030204" pitchFamily="49" charset="0"/>
+            </a:endParaRPr>
+          </a:p>
+          <a:p>
+            <a:r>
+              <a:rPr lang="en-US" sz="800" dirty="0">
+                <a:solidFill>
+                  <a:srgbClr val="000000"/>
+                </a:solidFill>
+                <a:latin typeface="Consolas" panose="020B0609020204030204" pitchFamily="49" charset="0"/>
+              </a:rPr>
+              <a:t>            </a:t>
+            </a:r>
+            <a:r>
+              <a:rPr lang="en-US" sz="800" dirty="0" err="1">
+                <a:solidFill>
+                  <a:srgbClr val="000000"/>
+                </a:solidFill>
+                <a:latin typeface="Consolas" panose="020B0609020204030204" pitchFamily="49" charset="0"/>
+              </a:rPr>
+              <a:t>context.SetupCameraProperties</a:t>
+            </a:r>
+            <a:r>
+              <a:rPr lang="en-US" sz="800" dirty="0">
+                <a:solidFill>
+                  <a:srgbClr val="000000"/>
+                </a:solidFill>
+                <a:latin typeface="Consolas" panose="020B0609020204030204" pitchFamily="49" charset="0"/>
+              </a:rPr>
+              <a:t>(camera);</a:t>
+            </a:r>
+          </a:p>
+          <a:p>
+            <a:r>
+              <a:rPr lang="en-US" sz="800" dirty="0">
+                <a:solidFill>
+                  <a:srgbClr val="000000"/>
+                </a:solidFill>
+                <a:latin typeface="Consolas" panose="020B0609020204030204" pitchFamily="49" charset="0"/>
+              </a:rPr>
+              <a:t>            {</a:t>
+            </a:r>
+          </a:p>
+          <a:p>
+            <a:r>
+              <a:rPr lang="en-US" sz="800" dirty="0">
+                <a:solidFill>
+                  <a:srgbClr val="000000"/>
+                </a:solidFill>
+                <a:latin typeface="Consolas" panose="020B0609020204030204" pitchFamily="49" charset="0"/>
+              </a:rPr>
+              <a:t>                </a:t>
+            </a:r>
+            <a:r>
+              <a:rPr lang="en-US" sz="800" dirty="0">
+                <a:solidFill>
+                  <a:srgbClr val="0000FF"/>
+                </a:solidFill>
+                <a:latin typeface="Consolas" panose="020B0609020204030204" pitchFamily="49" charset="0"/>
+              </a:rPr>
+              <a:t>var</a:t>
+            </a:r>
+            <a:r>
+              <a:rPr lang="en-US" sz="800" dirty="0">
+                <a:solidFill>
+                  <a:srgbClr val="000000"/>
+                </a:solidFill>
+                <a:latin typeface="Consolas" panose="020B0609020204030204" pitchFamily="49" charset="0"/>
+              </a:rPr>
+              <a:t> buffer = </a:t>
+            </a:r>
+            <a:r>
+              <a:rPr lang="en-US" sz="800" dirty="0">
+                <a:solidFill>
+                  <a:srgbClr val="0000FF"/>
+                </a:solidFill>
+                <a:latin typeface="Consolas" panose="020B0609020204030204" pitchFamily="49" charset="0"/>
+              </a:rPr>
+              <a:t>new</a:t>
+            </a:r>
+            <a:r>
+              <a:rPr lang="en-US" sz="800" dirty="0">
+                <a:solidFill>
+                  <a:srgbClr val="000000"/>
+                </a:solidFill>
+                <a:latin typeface="Consolas" panose="020B0609020204030204" pitchFamily="49" charset="0"/>
+              </a:rPr>
+              <a:t> </a:t>
+            </a:r>
+            <a:r>
+              <a:rPr lang="en-US" sz="800" dirty="0" err="1">
+                <a:solidFill>
+                  <a:srgbClr val="000000"/>
+                </a:solidFill>
+                <a:latin typeface="Consolas" panose="020B0609020204030204" pitchFamily="49" charset="0"/>
+              </a:rPr>
+              <a:t>CommandBuffer</a:t>
+            </a:r>
+            <a:r>
+              <a:rPr lang="en-US" sz="800" dirty="0">
+                <a:solidFill>
+                  <a:srgbClr val="000000"/>
+                </a:solidFill>
+                <a:latin typeface="Consolas" panose="020B0609020204030204" pitchFamily="49" charset="0"/>
+              </a:rPr>
+              <a:t>();</a:t>
+            </a:r>
+          </a:p>
+          <a:p>
+            <a:r>
+              <a:rPr lang="en-US" sz="800" dirty="0">
+                <a:solidFill>
+                  <a:srgbClr val="000000"/>
+                </a:solidFill>
+                <a:latin typeface="Consolas" panose="020B0609020204030204" pitchFamily="49" charset="0"/>
+              </a:rPr>
+              <a:t>                </a:t>
+            </a:r>
+            <a:r>
+              <a:rPr lang="en-US" sz="800" dirty="0" err="1">
+                <a:solidFill>
+                  <a:srgbClr val="000000"/>
+                </a:solidFill>
+                <a:latin typeface="Consolas" panose="020B0609020204030204" pitchFamily="49" charset="0"/>
+              </a:rPr>
+              <a:t>buffer.ClearRenderTarget</a:t>
+            </a:r>
+            <a:r>
+              <a:rPr lang="en-US" sz="800" dirty="0">
+                <a:solidFill>
+                  <a:srgbClr val="000000"/>
+                </a:solidFill>
+                <a:latin typeface="Consolas" panose="020B0609020204030204" pitchFamily="49" charset="0"/>
+              </a:rPr>
+              <a:t>(</a:t>
+            </a:r>
+            <a:r>
+              <a:rPr lang="en-US" sz="800" dirty="0">
+                <a:solidFill>
+                  <a:srgbClr val="0000FF"/>
+                </a:solidFill>
+                <a:latin typeface="Consolas" panose="020B0609020204030204" pitchFamily="49" charset="0"/>
+              </a:rPr>
+              <a:t>true</a:t>
+            </a:r>
+            <a:r>
+              <a:rPr lang="en-US" sz="800" dirty="0">
+                <a:solidFill>
+                  <a:srgbClr val="000000"/>
+                </a:solidFill>
+                <a:latin typeface="Consolas" panose="020B0609020204030204" pitchFamily="49" charset="0"/>
+              </a:rPr>
+              <a:t>, </a:t>
+            </a:r>
+            <a:r>
+              <a:rPr lang="en-US" sz="800" dirty="0">
+                <a:solidFill>
+                  <a:srgbClr val="0000FF"/>
+                </a:solidFill>
+                <a:latin typeface="Consolas" panose="020B0609020204030204" pitchFamily="49" charset="0"/>
+              </a:rPr>
+              <a:t>true</a:t>
+            </a:r>
+            <a:r>
+              <a:rPr lang="en-US" sz="800" dirty="0">
+                <a:solidFill>
+                  <a:srgbClr val="000000"/>
+                </a:solidFill>
+                <a:latin typeface="Consolas" panose="020B0609020204030204" pitchFamily="49" charset="0"/>
+              </a:rPr>
+              <a:t>, </a:t>
+            </a:r>
+            <a:r>
+              <a:rPr lang="en-US" sz="800" dirty="0" err="1">
+                <a:solidFill>
+                  <a:srgbClr val="000000"/>
+                </a:solidFill>
+                <a:latin typeface="Consolas" panose="020B0609020204030204" pitchFamily="49" charset="0"/>
+              </a:rPr>
+              <a:t>clearColor</a:t>
+            </a:r>
+            <a:r>
+              <a:rPr lang="en-US" sz="800" dirty="0">
+                <a:solidFill>
+                  <a:srgbClr val="000000"/>
+                </a:solidFill>
+                <a:latin typeface="Consolas" panose="020B0609020204030204" pitchFamily="49" charset="0"/>
+              </a:rPr>
+              <a:t>);</a:t>
+            </a:r>
+          </a:p>
+          <a:p>
+            <a:r>
+              <a:rPr lang="en-US" sz="800" dirty="0">
+                <a:solidFill>
+                  <a:srgbClr val="000000"/>
+                </a:solidFill>
+                <a:latin typeface="Consolas" panose="020B0609020204030204" pitchFamily="49" charset="0"/>
+              </a:rPr>
+              <a:t>                </a:t>
+            </a:r>
+            <a:r>
+              <a:rPr lang="en-US" sz="800" dirty="0" err="1">
+                <a:solidFill>
+                  <a:srgbClr val="000000"/>
+                </a:solidFill>
+                <a:latin typeface="Consolas" panose="020B0609020204030204" pitchFamily="49" charset="0"/>
+              </a:rPr>
+              <a:t>context.ExecuteCommandBuffer</a:t>
+            </a:r>
+            <a:r>
+              <a:rPr lang="en-US" sz="800" dirty="0">
+                <a:solidFill>
+                  <a:srgbClr val="000000"/>
+                </a:solidFill>
+                <a:latin typeface="Consolas" panose="020B0609020204030204" pitchFamily="49" charset="0"/>
+              </a:rPr>
+              <a:t>(buffer);</a:t>
+            </a:r>
+          </a:p>
+          <a:p>
+            <a:r>
+              <a:rPr lang="en-US" sz="800" dirty="0">
+                <a:solidFill>
+                  <a:srgbClr val="000000"/>
+                </a:solidFill>
+                <a:latin typeface="Consolas" panose="020B0609020204030204" pitchFamily="49" charset="0"/>
+              </a:rPr>
+              <a:t>                </a:t>
+            </a:r>
+            <a:r>
+              <a:rPr lang="en-US" sz="800" dirty="0" err="1">
+                <a:solidFill>
+                  <a:srgbClr val="000000"/>
+                </a:solidFill>
+                <a:latin typeface="Consolas" panose="020B0609020204030204" pitchFamily="49" charset="0"/>
+              </a:rPr>
+              <a:t>buffer.Release</a:t>
+            </a:r>
+            <a:r>
+              <a:rPr lang="en-US" sz="800" dirty="0">
+                <a:solidFill>
+                  <a:srgbClr val="000000"/>
+                </a:solidFill>
+                <a:latin typeface="Consolas" panose="020B0609020204030204" pitchFamily="49" charset="0"/>
+              </a:rPr>
+              <a:t>();</a:t>
+            </a:r>
+          </a:p>
+          <a:p>
+            <a:r>
+              <a:rPr lang="en-US" sz="800" dirty="0">
+                <a:solidFill>
+                  <a:srgbClr val="000000"/>
+                </a:solidFill>
+                <a:latin typeface="Consolas" panose="020B0609020204030204" pitchFamily="49" charset="0"/>
+              </a:rPr>
+              <a:t>            }</a:t>
+            </a:r>
+          </a:p>
+          <a:p>
+            <a:r>
+              <a:rPr lang="en-US" sz="800" dirty="0">
+                <a:solidFill>
+                  <a:srgbClr val="000000"/>
+                </a:solidFill>
+                <a:latin typeface="Consolas" panose="020B0609020204030204" pitchFamily="49" charset="0"/>
+              </a:rPr>
+              <a:t>            </a:t>
+            </a:r>
+            <a:r>
+              <a:rPr lang="en-US" sz="800" dirty="0">
+                <a:solidFill>
+                  <a:srgbClr val="008000"/>
+                </a:solidFill>
+                <a:latin typeface="Consolas" panose="020B0609020204030204" pitchFamily="49" charset="0"/>
+              </a:rPr>
+              <a:t>// cull for this camera</a:t>
+            </a:r>
+            <a:endParaRPr lang="en-US" sz="800" dirty="0">
+              <a:solidFill>
+                <a:srgbClr val="000000"/>
+              </a:solidFill>
+              <a:latin typeface="Consolas" panose="020B0609020204030204" pitchFamily="49" charset="0"/>
+            </a:endParaRPr>
+          </a:p>
+          <a:p>
+            <a:r>
+              <a:rPr lang="en-US" sz="800" dirty="0">
+                <a:solidFill>
+                  <a:srgbClr val="000000"/>
+                </a:solidFill>
+                <a:latin typeface="Consolas" panose="020B0609020204030204" pitchFamily="49" charset="0"/>
+              </a:rPr>
+              <a:t>            </a:t>
+            </a:r>
+            <a:r>
+              <a:rPr lang="en-US" sz="800" dirty="0">
+                <a:solidFill>
+                  <a:srgbClr val="0000FF"/>
+                </a:solidFill>
+                <a:latin typeface="Consolas" panose="020B0609020204030204" pitchFamily="49" charset="0"/>
+              </a:rPr>
+              <a:t>var</a:t>
+            </a:r>
+            <a:r>
+              <a:rPr lang="en-US" sz="800" dirty="0">
+                <a:solidFill>
+                  <a:srgbClr val="000000"/>
+                </a:solidFill>
+                <a:latin typeface="Consolas" panose="020B0609020204030204" pitchFamily="49" charset="0"/>
+              </a:rPr>
+              <a:t> </a:t>
+            </a:r>
+            <a:r>
+              <a:rPr lang="en-US" sz="800" dirty="0" err="1">
+                <a:solidFill>
+                  <a:srgbClr val="000000"/>
+                </a:solidFill>
+                <a:latin typeface="Consolas" panose="020B0609020204030204" pitchFamily="49" charset="0"/>
+              </a:rPr>
+              <a:t>cullResults</a:t>
+            </a:r>
+            <a:r>
+              <a:rPr lang="en-US" sz="800" dirty="0">
+                <a:solidFill>
+                  <a:srgbClr val="000000"/>
+                </a:solidFill>
+                <a:latin typeface="Consolas" panose="020B0609020204030204" pitchFamily="49" charset="0"/>
+              </a:rPr>
+              <a:t> = </a:t>
+            </a:r>
+            <a:r>
+              <a:rPr lang="en-US" sz="800" dirty="0" err="1">
+                <a:solidFill>
+                  <a:srgbClr val="000000"/>
+                </a:solidFill>
+                <a:latin typeface="Consolas" panose="020B0609020204030204" pitchFamily="49" charset="0"/>
+              </a:rPr>
+              <a:t>context.Cull</a:t>
+            </a:r>
+            <a:r>
+              <a:rPr lang="en-US" sz="800" dirty="0">
+                <a:solidFill>
+                  <a:srgbClr val="000000"/>
+                </a:solidFill>
+                <a:latin typeface="Consolas" panose="020B0609020204030204" pitchFamily="49" charset="0"/>
+              </a:rPr>
+              <a:t>(</a:t>
+            </a:r>
+            <a:r>
+              <a:rPr lang="en-US" sz="800" dirty="0">
+                <a:solidFill>
+                  <a:srgbClr val="0000FF"/>
+                </a:solidFill>
+                <a:latin typeface="Consolas" panose="020B0609020204030204" pitchFamily="49" charset="0"/>
+              </a:rPr>
+              <a:t>ref</a:t>
+            </a:r>
+            <a:r>
+              <a:rPr lang="en-US" sz="800" dirty="0">
+                <a:solidFill>
+                  <a:srgbClr val="000000"/>
+                </a:solidFill>
+                <a:latin typeface="Consolas" panose="020B0609020204030204" pitchFamily="49" charset="0"/>
+              </a:rPr>
+              <a:t> </a:t>
+            </a:r>
+            <a:r>
+              <a:rPr lang="en-US" sz="800" dirty="0" err="1">
+                <a:solidFill>
+                  <a:srgbClr val="000000"/>
+                </a:solidFill>
+                <a:latin typeface="Consolas" panose="020B0609020204030204" pitchFamily="49" charset="0"/>
+              </a:rPr>
+              <a:t>cullParams</a:t>
+            </a:r>
+            <a:r>
+              <a:rPr lang="en-US" sz="800" dirty="0">
+                <a:solidFill>
+                  <a:srgbClr val="000000"/>
+                </a:solidFill>
+                <a:latin typeface="Consolas" panose="020B0609020204030204" pitchFamily="49" charset="0"/>
+              </a:rPr>
+              <a:t>);</a:t>
+            </a:r>
+          </a:p>
+          <a:p>
+            <a:r>
+              <a:rPr lang="en-US" sz="800" dirty="0">
+                <a:solidFill>
+                  <a:srgbClr val="000000"/>
+                </a:solidFill>
+                <a:latin typeface="Consolas" panose="020B0609020204030204" pitchFamily="49" charset="0"/>
+              </a:rPr>
+              <a:t>            </a:t>
+            </a:r>
+            <a:r>
+              <a:rPr lang="en-US" sz="800" dirty="0">
+                <a:solidFill>
+                  <a:srgbClr val="008000"/>
+                </a:solidFill>
+                <a:latin typeface="Consolas" panose="020B0609020204030204" pitchFamily="49" charset="0"/>
+              </a:rPr>
+              <a:t>// Draw opaque objects</a:t>
+            </a:r>
+            <a:endParaRPr lang="en-US" sz="800" dirty="0">
+              <a:solidFill>
+                <a:srgbClr val="000000"/>
+              </a:solidFill>
+              <a:latin typeface="Consolas" panose="020B0609020204030204" pitchFamily="49" charset="0"/>
+            </a:endParaRPr>
+          </a:p>
+          <a:p>
+            <a:r>
+              <a:rPr lang="en-US" sz="800" dirty="0">
+                <a:solidFill>
+                  <a:srgbClr val="000000"/>
+                </a:solidFill>
+                <a:latin typeface="Consolas" panose="020B0609020204030204" pitchFamily="49" charset="0"/>
+              </a:rPr>
+              <a:t>            </a:t>
+            </a:r>
+            <a:r>
+              <a:rPr lang="en-US" sz="800" dirty="0">
+                <a:solidFill>
+                  <a:srgbClr val="0000FF"/>
+                </a:solidFill>
+                <a:latin typeface="Consolas" panose="020B0609020204030204" pitchFamily="49" charset="0"/>
+              </a:rPr>
+              <a:t>var</a:t>
+            </a:r>
+            <a:r>
+              <a:rPr lang="en-US" sz="800" dirty="0">
+                <a:solidFill>
+                  <a:srgbClr val="000000"/>
+                </a:solidFill>
+                <a:latin typeface="Consolas" panose="020B0609020204030204" pitchFamily="49" charset="0"/>
+              </a:rPr>
+              <a:t> </a:t>
+            </a:r>
+            <a:r>
+              <a:rPr lang="en-US" sz="800" dirty="0" err="1">
+                <a:solidFill>
+                  <a:srgbClr val="000000"/>
+                </a:solidFill>
+                <a:latin typeface="Consolas" panose="020B0609020204030204" pitchFamily="49" charset="0"/>
+              </a:rPr>
+              <a:t>drawSettings</a:t>
+            </a:r>
+            <a:r>
+              <a:rPr lang="en-US" sz="800" dirty="0">
+                <a:solidFill>
+                  <a:srgbClr val="000000"/>
+                </a:solidFill>
+                <a:latin typeface="Consolas" panose="020B0609020204030204" pitchFamily="49" charset="0"/>
+              </a:rPr>
+              <a:t> = </a:t>
+            </a:r>
+            <a:r>
+              <a:rPr lang="en-US" sz="800" dirty="0">
+                <a:solidFill>
+                  <a:srgbClr val="0000FF"/>
+                </a:solidFill>
+                <a:latin typeface="Consolas" panose="020B0609020204030204" pitchFamily="49" charset="0"/>
+              </a:rPr>
+              <a:t>new</a:t>
+            </a:r>
+            <a:r>
+              <a:rPr lang="en-US" sz="800" dirty="0">
+                <a:solidFill>
+                  <a:srgbClr val="000000"/>
+                </a:solidFill>
+                <a:latin typeface="Consolas" panose="020B0609020204030204" pitchFamily="49" charset="0"/>
+              </a:rPr>
+              <a:t> </a:t>
+            </a:r>
+            <a:r>
+              <a:rPr lang="en-US" sz="800" dirty="0" err="1">
+                <a:solidFill>
+                  <a:srgbClr val="000000"/>
+                </a:solidFill>
+                <a:latin typeface="Consolas" panose="020B0609020204030204" pitchFamily="49" charset="0"/>
+              </a:rPr>
+              <a:t>DrawingSettings</a:t>
+            </a:r>
+            <a:r>
+              <a:rPr lang="en-US" sz="800" dirty="0">
+                <a:solidFill>
+                  <a:srgbClr val="000000"/>
+                </a:solidFill>
+                <a:latin typeface="Consolas" panose="020B0609020204030204" pitchFamily="49" charset="0"/>
+              </a:rPr>
+              <a:t>(</a:t>
+            </a:r>
+            <a:r>
+              <a:rPr lang="en-US" sz="800" dirty="0">
+                <a:solidFill>
+                  <a:srgbClr val="0000FF"/>
+                </a:solidFill>
+                <a:latin typeface="Consolas" panose="020B0609020204030204" pitchFamily="49" charset="0"/>
+              </a:rPr>
+              <a:t>new</a:t>
+            </a:r>
+            <a:r>
+              <a:rPr lang="en-US" sz="800" dirty="0">
+                <a:solidFill>
+                  <a:srgbClr val="000000"/>
+                </a:solidFill>
+                <a:latin typeface="Consolas" panose="020B0609020204030204" pitchFamily="49" charset="0"/>
+              </a:rPr>
+              <a:t> </a:t>
+            </a:r>
+            <a:r>
+              <a:rPr lang="en-US" sz="800" dirty="0" err="1">
+                <a:solidFill>
+                  <a:srgbClr val="000000"/>
+                </a:solidFill>
+                <a:latin typeface="Consolas" panose="020B0609020204030204" pitchFamily="49" charset="0"/>
+              </a:rPr>
+              <a:t>ShaderTagId</a:t>
+            </a:r>
+            <a:r>
+              <a:rPr lang="en-US" sz="800" dirty="0">
+                <a:solidFill>
+                  <a:srgbClr val="000000"/>
+                </a:solidFill>
+                <a:latin typeface="Consolas" panose="020B0609020204030204" pitchFamily="49" charset="0"/>
+              </a:rPr>
+              <a:t>(</a:t>
+            </a:r>
+            <a:r>
+              <a:rPr lang="en-US" sz="800" dirty="0">
+                <a:solidFill>
+                  <a:srgbClr val="A31515"/>
+                </a:solidFill>
+                <a:latin typeface="Consolas" panose="020B0609020204030204" pitchFamily="49" charset="0"/>
+              </a:rPr>
+              <a:t>"</a:t>
+            </a:r>
+            <a:r>
+              <a:rPr lang="en-US" sz="800" dirty="0" err="1">
+                <a:solidFill>
+                  <a:srgbClr val="A31515"/>
+                </a:solidFill>
+                <a:latin typeface="Consolas" panose="020B0609020204030204" pitchFamily="49" charset="0"/>
+              </a:rPr>
+              <a:t>SRPDefaultUnlit</a:t>
+            </a:r>
+            <a:r>
+              <a:rPr lang="en-US" sz="800" dirty="0">
+                <a:solidFill>
+                  <a:srgbClr val="A31515"/>
+                </a:solidFill>
+                <a:latin typeface="Consolas" panose="020B0609020204030204" pitchFamily="49" charset="0"/>
+              </a:rPr>
+              <a:t>"</a:t>
+            </a:r>
+            <a:r>
+              <a:rPr lang="en-US" sz="800" dirty="0">
+                <a:solidFill>
+                  <a:srgbClr val="000000"/>
+                </a:solidFill>
+                <a:latin typeface="Consolas" panose="020B0609020204030204" pitchFamily="49" charset="0"/>
+              </a:rPr>
+              <a:t>), </a:t>
+            </a:r>
+            <a:r>
+              <a:rPr lang="en-US" sz="800" dirty="0">
+                <a:solidFill>
+                  <a:srgbClr val="0000FF"/>
+                </a:solidFill>
+                <a:latin typeface="Consolas" panose="020B0609020204030204" pitchFamily="49" charset="0"/>
+              </a:rPr>
+              <a:t>new</a:t>
+            </a:r>
+            <a:r>
+              <a:rPr lang="en-US" sz="800" dirty="0">
+                <a:solidFill>
+                  <a:srgbClr val="000000"/>
+                </a:solidFill>
+                <a:latin typeface="Consolas" panose="020B0609020204030204" pitchFamily="49" charset="0"/>
+              </a:rPr>
+              <a:t> </a:t>
+            </a:r>
+            <a:r>
+              <a:rPr lang="en-US" sz="800" dirty="0" err="1">
+                <a:solidFill>
+                  <a:srgbClr val="000000"/>
+                </a:solidFill>
+                <a:latin typeface="Consolas" panose="020B0609020204030204" pitchFamily="49" charset="0"/>
+              </a:rPr>
+              <a:t>SortingSettings</a:t>
+            </a:r>
+            <a:r>
+              <a:rPr lang="en-US" sz="800" dirty="0">
+                <a:solidFill>
+                  <a:srgbClr val="000000"/>
+                </a:solidFill>
+                <a:latin typeface="Consolas" panose="020B0609020204030204" pitchFamily="49" charset="0"/>
+              </a:rPr>
+              <a:t>(camera));</a:t>
+            </a:r>
+          </a:p>
+          <a:p>
+            <a:r>
+              <a:rPr lang="en-US" sz="800" dirty="0">
+                <a:solidFill>
+                  <a:srgbClr val="000000"/>
+                </a:solidFill>
+                <a:latin typeface="Consolas" panose="020B0609020204030204" pitchFamily="49" charset="0"/>
+              </a:rPr>
+              <a:t>            </a:t>
+            </a:r>
+            <a:r>
+              <a:rPr lang="en-US" sz="800" dirty="0">
+                <a:solidFill>
+                  <a:srgbClr val="0000FF"/>
+                </a:solidFill>
+                <a:latin typeface="Consolas" panose="020B0609020204030204" pitchFamily="49" charset="0"/>
+              </a:rPr>
+              <a:t>var</a:t>
+            </a:r>
+            <a:r>
+              <a:rPr lang="en-US" sz="800" dirty="0">
+                <a:solidFill>
+                  <a:srgbClr val="000000"/>
+                </a:solidFill>
+                <a:latin typeface="Consolas" panose="020B0609020204030204" pitchFamily="49" charset="0"/>
+              </a:rPr>
+              <a:t> </a:t>
+            </a:r>
+            <a:r>
+              <a:rPr lang="en-US" sz="800" dirty="0" err="1">
+                <a:solidFill>
+                  <a:srgbClr val="000000"/>
+                </a:solidFill>
+                <a:latin typeface="Consolas" panose="020B0609020204030204" pitchFamily="49" charset="0"/>
+              </a:rPr>
+              <a:t>filterSettings</a:t>
+            </a:r>
+            <a:r>
+              <a:rPr lang="en-US" sz="800" dirty="0">
+                <a:solidFill>
+                  <a:srgbClr val="000000"/>
+                </a:solidFill>
+                <a:latin typeface="Consolas" panose="020B0609020204030204" pitchFamily="49" charset="0"/>
+              </a:rPr>
+              <a:t> = </a:t>
+            </a:r>
+            <a:r>
+              <a:rPr lang="en-US" sz="800" dirty="0" err="1">
+                <a:solidFill>
+                  <a:srgbClr val="000000"/>
+                </a:solidFill>
+                <a:latin typeface="Consolas" panose="020B0609020204030204" pitchFamily="49" charset="0"/>
+              </a:rPr>
+              <a:t>FilteringSettings.defaultValue</a:t>
+            </a:r>
+            <a:r>
+              <a:rPr lang="en-US" sz="800" dirty="0">
+                <a:solidFill>
+                  <a:srgbClr val="000000"/>
+                </a:solidFill>
+                <a:latin typeface="Consolas" panose="020B0609020204030204" pitchFamily="49" charset="0"/>
+              </a:rPr>
+              <a:t>;</a:t>
+            </a:r>
+          </a:p>
+          <a:p>
+            <a:r>
+              <a:rPr lang="en-US" sz="800" dirty="0">
+                <a:solidFill>
+                  <a:srgbClr val="000000"/>
+                </a:solidFill>
+                <a:latin typeface="Consolas" panose="020B0609020204030204" pitchFamily="49" charset="0"/>
+              </a:rPr>
+              <a:t>            </a:t>
+            </a:r>
+            <a:r>
+              <a:rPr lang="en-US" sz="800" dirty="0" err="1">
+                <a:solidFill>
+                  <a:srgbClr val="000000"/>
+                </a:solidFill>
+                <a:latin typeface="Consolas" panose="020B0609020204030204" pitchFamily="49" charset="0"/>
+              </a:rPr>
+              <a:t>filterSettings.renderQueueRange</a:t>
+            </a:r>
+            <a:r>
+              <a:rPr lang="en-US" sz="800" dirty="0">
+                <a:solidFill>
+                  <a:srgbClr val="000000"/>
+                </a:solidFill>
+                <a:latin typeface="Consolas" panose="020B0609020204030204" pitchFamily="49" charset="0"/>
+              </a:rPr>
+              <a:t> = </a:t>
+            </a:r>
+            <a:r>
+              <a:rPr lang="en-US" sz="800" dirty="0" err="1">
+                <a:solidFill>
+                  <a:srgbClr val="000000"/>
+                </a:solidFill>
+                <a:latin typeface="Consolas" panose="020B0609020204030204" pitchFamily="49" charset="0"/>
+              </a:rPr>
+              <a:t>RenderQueueRange.opaque</a:t>
+            </a:r>
+            <a:r>
+              <a:rPr lang="en-US" sz="800" dirty="0">
+                <a:solidFill>
+                  <a:srgbClr val="000000"/>
+                </a:solidFill>
+                <a:latin typeface="Consolas" panose="020B0609020204030204" pitchFamily="49" charset="0"/>
+              </a:rPr>
+              <a:t>;</a:t>
+            </a:r>
+          </a:p>
+          <a:p>
+            <a:r>
+              <a:rPr lang="en-US" sz="800" dirty="0">
+                <a:solidFill>
+                  <a:srgbClr val="000000"/>
+                </a:solidFill>
+                <a:latin typeface="Consolas" panose="020B0609020204030204" pitchFamily="49" charset="0"/>
+              </a:rPr>
+              <a:t>            </a:t>
+            </a:r>
+            <a:r>
+              <a:rPr lang="en-US" sz="800" dirty="0" err="1">
+                <a:solidFill>
+                  <a:srgbClr val="000000"/>
+                </a:solidFill>
+                <a:latin typeface="Consolas" panose="020B0609020204030204" pitchFamily="49" charset="0"/>
+              </a:rPr>
+              <a:t>context.DrawRenderers</a:t>
+            </a:r>
+            <a:r>
+              <a:rPr lang="en-US" sz="800" dirty="0">
+                <a:solidFill>
+                  <a:srgbClr val="000000"/>
+                </a:solidFill>
+                <a:latin typeface="Consolas" panose="020B0609020204030204" pitchFamily="49" charset="0"/>
+              </a:rPr>
+              <a:t>(</a:t>
+            </a:r>
+            <a:r>
+              <a:rPr lang="en-US" sz="800" dirty="0" err="1">
+                <a:solidFill>
+                  <a:srgbClr val="000000"/>
+                </a:solidFill>
+                <a:latin typeface="Consolas" panose="020B0609020204030204" pitchFamily="49" charset="0"/>
+              </a:rPr>
+              <a:t>cullResults</a:t>
+            </a:r>
+            <a:r>
+              <a:rPr lang="en-US" sz="800" dirty="0">
+                <a:solidFill>
+                  <a:srgbClr val="000000"/>
+                </a:solidFill>
+                <a:latin typeface="Consolas" panose="020B0609020204030204" pitchFamily="49" charset="0"/>
+              </a:rPr>
+              <a:t>, </a:t>
+            </a:r>
+            <a:r>
+              <a:rPr lang="en-US" sz="800" dirty="0">
+                <a:solidFill>
+                  <a:srgbClr val="0000FF"/>
+                </a:solidFill>
+                <a:latin typeface="Consolas" panose="020B0609020204030204" pitchFamily="49" charset="0"/>
+              </a:rPr>
+              <a:t>ref</a:t>
+            </a:r>
+            <a:r>
+              <a:rPr lang="en-US" sz="800" dirty="0">
+                <a:solidFill>
+                  <a:srgbClr val="000000"/>
+                </a:solidFill>
+                <a:latin typeface="Consolas" panose="020B0609020204030204" pitchFamily="49" charset="0"/>
+              </a:rPr>
+              <a:t> </a:t>
+            </a:r>
+            <a:r>
+              <a:rPr lang="en-US" sz="800" dirty="0" err="1">
+                <a:solidFill>
+                  <a:srgbClr val="000000"/>
+                </a:solidFill>
+                <a:latin typeface="Consolas" panose="020B0609020204030204" pitchFamily="49" charset="0"/>
+              </a:rPr>
+              <a:t>drawSettings</a:t>
+            </a:r>
+            <a:r>
+              <a:rPr lang="en-US" sz="800" dirty="0">
+                <a:solidFill>
+                  <a:srgbClr val="000000"/>
+                </a:solidFill>
+                <a:latin typeface="Consolas" panose="020B0609020204030204" pitchFamily="49" charset="0"/>
+              </a:rPr>
+              <a:t>, </a:t>
+            </a:r>
+            <a:r>
+              <a:rPr lang="en-US" sz="800" dirty="0">
+                <a:solidFill>
+                  <a:srgbClr val="0000FF"/>
+                </a:solidFill>
+                <a:latin typeface="Consolas" panose="020B0609020204030204" pitchFamily="49" charset="0"/>
+              </a:rPr>
+              <a:t>ref</a:t>
+            </a:r>
+            <a:r>
+              <a:rPr lang="en-US" sz="800" dirty="0">
+                <a:solidFill>
+                  <a:srgbClr val="000000"/>
+                </a:solidFill>
+                <a:latin typeface="Consolas" panose="020B0609020204030204" pitchFamily="49" charset="0"/>
+              </a:rPr>
+              <a:t> </a:t>
+            </a:r>
+            <a:r>
+              <a:rPr lang="en-US" sz="800" dirty="0" err="1">
+                <a:solidFill>
+                  <a:srgbClr val="000000"/>
+                </a:solidFill>
+                <a:latin typeface="Consolas" panose="020B0609020204030204" pitchFamily="49" charset="0"/>
+              </a:rPr>
+              <a:t>filterSettings</a:t>
+            </a:r>
+            <a:r>
+              <a:rPr lang="en-US" sz="800" dirty="0">
+                <a:solidFill>
+                  <a:srgbClr val="000000"/>
+                </a:solidFill>
+                <a:latin typeface="Consolas" panose="020B0609020204030204" pitchFamily="49" charset="0"/>
+              </a:rPr>
+              <a:t>);</a:t>
+            </a:r>
+          </a:p>
+          <a:p>
+            <a:r>
+              <a:rPr lang="en-US" sz="800" dirty="0">
+                <a:solidFill>
+                  <a:srgbClr val="000000"/>
+                </a:solidFill>
+                <a:latin typeface="Consolas" panose="020B0609020204030204" pitchFamily="49" charset="0"/>
+              </a:rPr>
+              <a:t>            </a:t>
+            </a:r>
+            <a:r>
+              <a:rPr lang="en-US" sz="800" dirty="0">
+                <a:solidFill>
+                  <a:srgbClr val="008000"/>
+                </a:solidFill>
+                <a:latin typeface="Consolas" panose="020B0609020204030204" pitchFamily="49" charset="0"/>
+              </a:rPr>
+              <a:t>// Draw skybox</a:t>
+            </a:r>
+            <a:endParaRPr lang="en-US" sz="800" dirty="0">
+              <a:solidFill>
+                <a:srgbClr val="000000"/>
+              </a:solidFill>
+              <a:latin typeface="Consolas" panose="020B0609020204030204" pitchFamily="49" charset="0"/>
+            </a:endParaRPr>
+          </a:p>
+          <a:p>
+            <a:r>
+              <a:rPr lang="en-US" sz="800" dirty="0">
+                <a:solidFill>
+                  <a:srgbClr val="000000"/>
+                </a:solidFill>
+                <a:latin typeface="Consolas" panose="020B0609020204030204" pitchFamily="49" charset="0"/>
+              </a:rPr>
+              <a:t>            </a:t>
+            </a:r>
+            <a:r>
+              <a:rPr lang="en-US" sz="800" dirty="0" err="1">
+                <a:solidFill>
+                  <a:srgbClr val="000000"/>
+                </a:solidFill>
+                <a:latin typeface="Consolas" panose="020B0609020204030204" pitchFamily="49" charset="0"/>
+              </a:rPr>
+              <a:t>context.DrawSkybox</a:t>
+            </a:r>
+            <a:r>
+              <a:rPr lang="en-US" sz="800" dirty="0">
+                <a:solidFill>
+                  <a:srgbClr val="000000"/>
+                </a:solidFill>
+                <a:latin typeface="Consolas" panose="020B0609020204030204" pitchFamily="49" charset="0"/>
+              </a:rPr>
+              <a:t>(camera);</a:t>
+            </a:r>
+          </a:p>
+          <a:p>
+            <a:r>
+              <a:rPr lang="en-US" sz="800" dirty="0">
+                <a:solidFill>
+                  <a:srgbClr val="000000"/>
+                </a:solidFill>
+                <a:latin typeface="Consolas" panose="020B0609020204030204" pitchFamily="49" charset="0"/>
+              </a:rPr>
+              <a:t>            </a:t>
+            </a:r>
+            <a:r>
+              <a:rPr lang="en-US" sz="800" dirty="0">
+                <a:solidFill>
+                  <a:srgbClr val="008000"/>
+                </a:solidFill>
+                <a:latin typeface="Consolas" panose="020B0609020204030204" pitchFamily="49" charset="0"/>
+              </a:rPr>
+              <a:t>// Draw transparent objects</a:t>
+            </a:r>
+            <a:endParaRPr lang="en-US" sz="800" dirty="0">
+              <a:solidFill>
+                <a:srgbClr val="000000"/>
+              </a:solidFill>
+              <a:latin typeface="Consolas" panose="020B0609020204030204" pitchFamily="49" charset="0"/>
+            </a:endParaRPr>
+          </a:p>
+          <a:p>
+            <a:r>
+              <a:rPr lang="en-US" sz="800" dirty="0">
+                <a:solidFill>
+                  <a:srgbClr val="000000"/>
+                </a:solidFill>
+                <a:latin typeface="Consolas" panose="020B0609020204030204" pitchFamily="49" charset="0"/>
+              </a:rPr>
+              <a:t>            </a:t>
+            </a:r>
+            <a:r>
+              <a:rPr lang="en-US" sz="800" dirty="0" err="1">
+                <a:solidFill>
+                  <a:srgbClr val="000000"/>
+                </a:solidFill>
+                <a:latin typeface="Consolas" panose="020B0609020204030204" pitchFamily="49" charset="0"/>
+              </a:rPr>
+              <a:t>drawSettings.sortingSettings</a:t>
+            </a:r>
+            <a:r>
+              <a:rPr lang="en-US" sz="800" dirty="0">
+                <a:solidFill>
+                  <a:srgbClr val="000000"/>
+                </a:solidFill>
+                <a:latin typeface="Consolas" panose="020B0609020204030204" pitchFamily="49" charset="0"/>
+              </a:rPr>
+              <a:t> = </a:t>
+            </a:r>
+            <a:r>
+              <a:rPr lang="en-US" sz="800" dirty="0">
+                <a:solidFill>
+                  <a:srgbClr val="0000FF"/>
+                </a:solidFill>
+                <a:latin typeface="Consolas" panose="020B0609020204030204" pitchFamily="49" charset="0"/>
+              </a:rPr>
+              <a:t>new</a:t>
+            </a:r>
+            <a:r>
+              <a:rPr lang="en-US" sz="800" dirty="0">
+                <a:solidFill>
+                  <a:srgbClr val="000000"/>
+                </a:solidFill>
+                <a:latin typeface="Consolas" panose="020B0609020204030204" pitchFamily="49" charset="0"/>
+              </a:rPr>
+              <a:t> </a:t>
+            </a:r>
+            <a:r>
+              <a:rPr lang="en-US" sz="800" dirty="0" err="1">
+                <a:solidFill>
+                  <a:srgbClr val="000000"/>
+                </a:solidFill>
+                <a:latin typeface="Consolas" panose="020B0609020204030204" pitchFamily="49" charset="0"/>
+              </a:rPr>
+              <a:t>SortingSettings</a:t>
+            </a:r>
+            <a:r>
+              <a:rPr lang="en-US" sz="800" dirty="0">
+                <a:solidFill>
+                  <a:srgbClr val="000000"/>
+                </a:solidFill>
+                <a:latin typeface="Consolas" panose="020B0609020204030204" pitchFamily="49" charset="0"/>
+              </a:rPr>
+              <a:t>(camera) { criteria = </a:t>
+            </a:r>
+            <a:r>
+              <a:rPr lang="en-US" sz="800" dirty="0" err="1">
+                <a:solidFill>
+                  <a:srgbClr val="000000"/>
+                </a:solidFill>
+                <a:latin typeface="Consolas" panose="020B0609020204030204" pitchFamily="49" charset="0"/>
+              </a:rPr>
+              <a:t>SortingCriteria.CommonTransparent</a:t>
+            </a:r>
+            <a:r>
+              <a:rPr lang="en-US" sz="800" dirty="0">
+                <a:solidFill>
+                  <a:srgbClr val="000000"/>
+                </a:solidFill>
+                <a:latin typeface="Consolas" panose="020B0609020204030204" pitchFamily="49" charset="0"/>
+              </a:rPr>
+              <a:t> };</a:t>
+            </a:r>
+          </a:p>
+          <a:p>
+            <a:r>
+              <a:rPr lang="en-US" sz="800" dirty="0">
+                <a:solidFill>
+                  <a:srgbClr val="000000"/>
+                </a:solidFill>
+                <a:latin typeface="Consolas" panose="020B0609020204030204" pitchFamily="49" charset="0"/>
+              </a:rPr>
+              <a:t>            </a:t>
+            </a:r>
+            <a:r>
+              <a:rPr lang="en-US" sz="800" dirty="0" err="1">
+                <a:solidFill>
+                  <a:srgbClr val="000000"/>
+                </a:solidFill>
+                <a:latin typeface="Consolas" panose="020B0609020204030204" pitchFamily="49" charset="0"/>
+              </a:rPr>
+              <a:t>filterSettings.renderQueueRange</a:t>
+            </a:r>
+            <a:r>
+              <a:rPr lang="en-US" sz="800" dirty="0">
+                <a:solidFill>
+                  <a:srgbClr val="000000"/>
+                </a:solidFill>
+                <a:latin typeface="Consolas" panose="020B0609020204030204" pitchFamily="49" charset="0"/>
+              </a:rPr>
+              <a:t> = </a:t>
+            </a:r>
+            <a:r>
+              <a:rPr lang="en-US" sz="800" dirty="0" err="1">
+                <a:solidFill>
+                  <a:srgbClr val="000000"/>
+                </a:solidFill>
+                <a:latin typeface="Consolas" panose="020B0609020204030204" pitchFamily="49" charset="0"/>
+              </a:rPr>
+              <a:t>RenderQueueRange.transparent</a:t>
+            </a:r>
+            <a:r>
+              <a:rPr lang="en-US" sz="800" dirty="0">
+                <a:solidFill>
+                  <a:srgbClr val="000000"/>
+                </a:solidFill>
+                <a:latin typeface="Consolas" panose="020B0609020204030204" pitchFamily="49" charset="0"/>
+              </a:rPr>
+              <a:t>;</a:t>
+            </a:r>
+          </a:p>
+          <a:p>
+            <a:r>
+              <a:rPr lang="en-US" sz="800" dirty="0">
+                <a:solidFill>
+                  <a:srgbClr val="000000"/>
+                </a:solidFill>
+                <a:latin typeface="Consolas" panose="020B0609020204030204" pitchFamily="49" charset="0"/>
+              </a:rPr>
+              <a:t>            </a:t>
+            </a:r>
+            <a:r>
+              <a:rPr lang="en-US" sz="800" dirty="0" err="1">
+                <a:solidFill>
+                  <a:srgbClr val="000000"/>
+                </a:solidFill>
+                <a:latin typeface="Consolas" panose="020B0609020204030204" pitchFamily="49" charset="0"/>
+              </a:rPr>
+              <a:t>context.DrawRenderers</a:t>
+            </a:r>
+            <a:r>
+              <a:rPr lang="en-US" sz="800" dirty="0">
+                <a:solidFill>
+                  <a:srgbClr val="000000"/>
+                </a:solidFill>
+                <a:latin typeface="Consolas" panose="020B0609020204030204" pitchFamily="49" charset="0"/>
+              </a:rPr>
+              <a:t>(</a:t>
+            </a:r>
+            <a:r>
+              <a:rPr lang="en-US" sz="800" dirty="0" err="1">
+                <a:solidFill>
+                  <a:srgbClr val="000000"/>
+                </a:solidFill>
+                <a:latin typeface="Consolas" panose="020B0609020204030204" pitchFamily="49" charset="0"/>
+              </a:rPr>
+              <a:t>cullResults</a:t>
+            </a:r>
+            <a:r>
+              <a:rPr lang="en-US" sz="800" dirty="0">
+                <a:solidFill>
+                  <a:srgbClr val="000000"/>
+                </a:solidFill>
+                <a:latin typeface="Consolas" panose="020B0609020204030204" pitchFamily="49" charset="0"/>
+              </a:rPr>
+              <a:t>, </a:t>
+            </a:r>
+            <a:r>
+              <a:rPr lang="en-US" sz="800" dirty="0">
+                <a:solidFill>
+                  <a:srgbClr val="0000FF"/>
+                </a:solidFill>
+                <a:latin typeface="Consolas" panose="020B0609020204030204" pitchFamily="49" charset="0"/>
+              </a:rPr>
+              <a:t>ref</a:t>
+            </a:r>
+            <a:r>
+              <a:rPr lang="en-US" sz="800" dirty="0">
+                <a:solidFill>
+                  <a:srgbClr val="000000"/>
+                </a:solidFill>
+                <a:latin typeface="Consolas" panose="020B0609020204030204" pitchFamily="49" charset="0"/>
+              </a:rPr>
+              <a:t> </a:t>
+            </a:r>
+            <a:r>
+              <a:rPr lang="en-US" sz="800" dirty="0" err="1">
+                <a:solidFill>
+                  <a:srgbClr val="000000"/>
+                </a:solidFill>
+                <a:latin typeface="Consolas" panose="020B0609020204030204" pitchFamily="49" charset="0"/>
+              </a:rPr>
+              <a:t>drawSettings</a:t>
+            </a:r>
+            <a:r>
+              <a:rPr lang="en-US" sz="800" dirty="0">
+                <a:solidFill>
+                  <a:srgbClr val="000000"/>
+                </a:solidFill>
+                <a:latin typeface="Consolas" panose="020B0609020204030204" pitchFamily="49" charset="0"/>
+              </a:rPr>
+              <a:t>, </a:t>
+            </a:r>
+            <a:r>
+              <a:rPr lang="en-US" sz="800" dirty="0">
+                <a:solidFill>
+                  <a:srgbClr val="0000FF"/>
+                </a:solidFill>
+                <a:latin typeface="Consolas" panose="020B0609020204030204" pitchFamily="49" charset="0"/>
+              </a:rPr>
+              <a:t>ref</a:t>
+            </a:r>
+            <a:r>
+              <a:rPr lang="en-US" sz="800" dirty="0">
+                <a:solidFill>
+                  <a:srgbClr val="000000"/>
+                </a:solidFill>
+                <a:latin typeface="Consolas" panose="020B0609020204030204" pitchFamily="49" charset="0"/>
+              </a:rPr>
+              <a:t> </a:t>
+            </a:r>
+            <a:r>
+              <a:rPr lang="en-US" sz="800" dirty="0" err="1">
+                <a:solidFill>
+                  <a:srgbClr val="000000"/>
+                </a:solidFill>
+                <a:latin typeface="Consolas" panose="020B0609020204030204" pitchFamily="49" charset="0"/>
+              </a:rPr>
+              <a:t>filterSettings</a:t>
+            </a:r>
+            <a:r>
+              <a:rPr lang="en-US" sz="800" dirty="0">
+                <a:solidFill>
+                  <a:srgbClr val="000000"/>
+                </a:solidFill>
+                <a:latin typeface="Consolas" panose="020B0609020204030204" pitchFamily="49" charset="0"/>
+              </a:rPr>
+              <a:t>);</a:t>
+            </a:r>
+          </a:p>
+          <a:p>
+            <a:r>
+              <a:rPr lang="en-US" sz="800" dirty="0">
+                <a:solidFill>
+                  <a:srgbClr val="000000"/>
+                </a:solidFill>
+                <a:latin typeface="Consolas" panose="020B0609020204030204" pitchFamily="49" charset="0"/>
+              </a:rPr>
+              <a:t>            </a:t>
+            </a:r>
+            <a:r>
+              <a:rPr lang="en-US" sz="800" dirty="0">
+                <a:solidFill>
+                  <a:srgbClr val="008000"/>
+                </a:solidFill>
+                <a:latin typeface="Consolas" panose="020B0609020204030204" pitchFamily="49" charset="0"/>
+              </a:rPr>
+              <a:t>// draw anything with incompatible materials with an error shader.</a:t>
+            </a:r>
+          </a:p>
+          <a:p>
+            <a:r>
+              <a:rPr lang="en-US" sz="800" dirty="0">
+                <a:solidFill>
+                  <a:srgbClr val="000000"/>
+                </a:solidFill>
+                <a:latin typeface="Consolas" panose="020B0609020204030204" pitchFamily="49" charset="0"/>
+              </a:rPr>
+              <a:t>            </a:t>
+            </a:r>
+            <a:r>
+              <a:rPr lang="en-US" sz="800" dirty="0" err="1">
+                <a:solidFill>
+                  <a:srgbClr val="000000"/>
+                </a:solidFill>
+                <a:latin typeface="Consolas" panose="020B0609020204030204" pitchFamily="49" charset="0"/>
+              </a:rPr>
+              <a:t>DrawWithDefaultPipeline</a:t>
+            </a:r>
+            <a:r>
+              <a:rPr lang="en-US" sz="800" dirty="0">
+                <a:solidFill>
+                  <a:srgbClr val="000000"/>
+                </a:solidFill>
+                <a:latin typeface="Consolas" panose="020B0609020204030204" pitchFamily="49" charset="0"/>
+              </a:rPr>
+              <a:t>(context, camera, </a:t>
+            </a:r>
+            <a:r>
+              <a:rPr lang="en-US" sz="800" dirty="0" err="1">
+                <a:solidFill>
+                  <a:srgbClr val="000000"/>
+                </a:solidFill>
+                <a:latin typeface="Consolas" panose="020B0609020204030204" pitchFamily="49" charset="0"/>
+              </a:rPr>
+              <a:t>cullResults</a:t>
+            </a:r>
+            <a:r>
+              <a:rPr lang="en-US" sz="800" dirty="0">
+                <a:solidFill>
+                  <a:srgbClr val="000000"/>
+                </a:solidFill>
+                <a:latin typeface="Consolas" panose="020B0609020204030204" pitchFamily="49" charset="0"/>
+              </a:rPr>
+              <a:t>);</a:t>
+            </a:r>
+          </a:p>
+          <a:p>
+            <a:r>
+              <a:rPr lang="en-US" sz="800" dirty="0">
+                <a:solidFill>
+                  <a:srgbClr val="000000"/>
+                </a:solidFill>
+                <a:latin typeface="Consolas" panose="020B0609020204030204" pitchFamily="49" charset="0"/>
+              </a:rPr>
+              <a:t>            </a:t>
+            </a:r>
+            <a:r>
+              <a:rPr lang="en-US" sz="800" dirty="0">
+                <a:solidFill>
+                  <a:srgbClr val="008000"/>
+                </a:solidFill>
+                <a:latin typeface="Consolas" panose="020B0609020204030204" pitchFamily="49" charset="0"/>
+              </a:rPr>
+              <a:t>// Notify engine, plugins, etc. that this camera is finished rendering.</a:t>
+            </a:r>
+            <a:endParaRPr lang="en-US" sz="800" dirty="0">
+              <a:solidFill>
+                <a:srgbClr val="000000"/>
+              </a:solidFill>
+              <a:latin typeface="Consolas" panose="020B0609020204030204" pitchFamily="49" charset="0"/>
+            </a:endParaRPr>
+          </a:p>
+          <a:p>
+            <a:r>
+              <a:rPr lang="en-US" sz="800" dirty="0">
+                <a:solidFill>
+                  <a:srgbClr val="000000"/>
+                </a:solidFill>
+                <a:latin typeface="Consolas" panose="020B0609020204030204" pitchFamily="49" charset="0"/>
+              </a:rPr>
+              <a:t>            </a:t>
+            </a:r>
+            <a:r>
+              <a:rPr lang="en-US" sz="800" dirty="0" err="1">
+                <a:solidFill>
+                  <a:srgbClr val="000000"/>
+                </a:solidFill>
+                <a:latin typeface="Consolas" panose="020B0609020204030204" pitchFamily="49" charset="0"/>
+              </a:rPr>
+              <a:t>EndCameraRendering</a:t>
+            </a:r>
+            <a:r>
+              <a:rPr lang="en-US" sz="800" dirty="0">
+                <a:solidFill>
+                  <a:srgbClr val="000000"/>
+                </a:solidFill>
+                <a:latin typeface="Consolas" panose="020B0609020204030204" pitchFamily="49" charset="0"/>
+              </a:rPr>
+              <a:t>(context, camera);</a:t>
+            </a:r>
+          </a:p>
+          <a:p>
+            <a:r>
+              <a:rPr lang="en-US" sz="800" dirty="0">
+                <a:solidFill>
+                  <a:srgbClr val="000000"/>
+                </a:solidFill>
+                <a:latin typeface="Consolas" panose="020B0609020204030204" pitchFamily="49" charset="0"/>
+              </a:rPr>
+              <a:t>        }</a:t>
+            </a:r>
+          </a:p>
+          <a:p>
+            <a:r>
+              <a:rPr lang="en-US" sz="800" dirty="0">
+                <a:solidFill>
+                  <a:srgbClr val="000000"/>
+                </a:solidFill>
+                <a:latin typeface="Consolas" panose="020B0609020204030204" pitchFamily="49" charset="0"/>
+              </a:rPr>
+              <a:t>        </a:t>
+            </a:r>
+            <a:r>
+              <a:rPr lang="en-US" sz="800" dirty="0" err="1">
+                <a:solidFill>
+                  <a:srgbClr val="000000"/>
+                </a:solidFill>
+                <a:latin typeface="Consolas" panose="020B0609020204030204" pitchFamily="49" charset="0"/>
+              </a:rPr>
+              <a:t>context.Submit</a:t>
+            </a:r>
+            <a:r>
+              <a:rPr lang="en-US" sz="800" dirty="0">
+                <a:solidFill>
+                  <a:srgbClr val="000000"/>
+                </a:solidFill>
+                <a:latin typeface="Consolas" panose="020B0609020204030204" pitchFamily="49" charset="0"/>
+              </a:rPr>
+              <a:t>();</a:t>
+            </a:r>
+          </a:p>
+          <a:p>
+            <a:r>
+              <a:rPr lang="en-US" sz="800" dirty="0">
+                <a:solidFill>
+                  <a:srgbClr val="000000"/>
+                </a:solidFill>
+                <a:latin typeface="Consolas" panose="020B0609020204030204" pitchFamily="49" charset="0"/>
+              </a:rPr>
+              <a:t>        </a:t>
+            </a:r>
+            <a:r>
+              <a:rPr lang="en-US" sz="800" dirty="0" err="1">
+                <a:solidFill>
+                  <a:srgbClr val="000000"/>
+                </a:solidFill>
+                <a:latin typeface="Consolas" panose="020B0609020204030204" pitchFamily="49" charset="0"/>
+              </a:rPr>
+              <a:t>EndFrameRendering</a:t>
+            </a:r>
+            <a:r>
+              <a:rPr lang="en-US" sz="800" dirty="0">
+                <a:solidFill>
+                  <a:srgbClr val="000000"/>
+                </a:solidFill>
+                <a:latin typeface="Consolas" panose="020B0609020204030204" pitchFamily="49" charset="0"/>
+              </a:rPr>
+              <a:t>(context, cameras);</a:t>
+            </a:r>
+          </a:p>
+          <a:p>
+            <a:r>
+              <a:rPr lang="en-US" sz="800" dirty="0">
+                <a:solidFill>
+                  <a:srgbClr val="000000"/>
+                </a:solidFill>
+                <a:latin typeface="Consolas" panose="020B0609020204030204" pitchFamily="49" charset="0"/>
+              </a:rPr>
+              <a:t>    }</a:t>
+            </a:r>
+            <a:endParaRPr lang="en-US" sz="800" dirty="0"/>
+          </a:p>
+        </p:txBody>
+      </p:sp>
+    </p:spTree>
+    <p:extLst>
+      <p:ext uri="{BB962C8B-B14F-4D97-AF65-F5344CB8AC3E}">
+        <p14:creationId xmlns:p14="http://schemas.microsoft.com/office/powerpoint/2010/main" val="4244934123"/>
+      </p:ext>
+    </p:extLst>
+  </p:cSld>
+  <p:clrMapOvr>
+    <a:masterClrMapping/>
+  </p:clrMapOvr>
+  <mc:AlternateContent xmlns:mc="http://schemas.openxmlformats.org/markup-compatibility/2006" xmlns:p14="http://schemas.microsoft.com/office/powerpoint/2010/main">
+    <mc:Choice Requires="p14">
+      <p:transition spd="med" p14:dur="700">
+        <p:fade/>
+      </p:transition>
+    </mc:Choice>
+    <mc:Fallback xmlns="">
+      <p:transition spd="med">
+        <p:fade/>
+      </p:transition>
+    </mc:Fallback>
+  </mc:AlternateContent>
+</p:sld>
+</file>
+
+<file path=ppt/slides/slide13.xml><?xml version="1.0" encoding="utf-8"?>
+<p:sld xmlns:a="http://schemas.openxmlformats.org/drawingml/2006/main" xmlns:r="http://schemas.openxmlformats.org/officeDocument/2006/relationships" xmlns:p="http://schemas.openxmlformats.org/presentationml/2006/main">
+  <p:cSld>
+    <p:spTree>
+      <p:nvGrpSpPr>
+        <p:cNvPr id="1" name=""/>
+        <p:cNvGrpSpPr/>
+        <p:nvPr/>
+      </p:nvGrpSpPr>
+      <p:grpSpPr>
+        <a:xfrm>
+          <a:off x="0" y="0"/>
+          <a:ext cx="0" cy="0"/>
+          <a:chOff x="0" y="0"/>
+          <a:chExt cx="0" cy="0"/>
+        </a:xfrm>
+      </p:grpSpPr>
+      <p:sp>
+        <p:nvSpPr>
+          <p:cNvPr id="2" name="Title 1">
+            <a:extLst>
+              <a:ext uri="{FF2B5EF4-FFF2-40B4-BE49-F238E27FC236}">
+                <a16:creationId xmlns:a16="http://schemas.microsoft.com/office/drawing/2014/main" id="{66ABDE25-D01E-406F-932D-62130F7A0363}"/>
+              </a:ext>
+            </a:extLst>
+          </p:cNvPr>
+          <p:cNvSpPr>
+            <a:spLocks noGrp="1"/>
+          </p:cNvSpPr>
+          <p:nvPr>
+            <p:ph type="title"/>
+          </p:nvPr>
+        </p:nvSpPr>
+        <p:spPr/>
+        <p:txBody>
+          <a:bodyPr/>
+          <a:lstStyle/>
+          <a:p>
+            <a:r>
+              <a:rPr lang="en-US" dirty="0"/>
+              <a:t>SRP capabilities</a:t>
+            </a:r>
+          </a:p>
+        </p:txBody>
+      </p:sp>
+      <p:sp>
+        <p:nvSpPr>
+          <p:cNvPr id="3" name="Text Placeholder 2">
+            <a:extLst>
+              <a:ext uri="{FF2B5EF4-FFF2-40B4-BE49-F238E27FC236}">
+                <a16:creationId xmlns:a16="http://schemas.microsoft.com/office/drawing/2014/main" id="{7251AF49-45FB-442B-AAE6-6950D3F6DD7D}"/>
+              </a:ext>
+            </a:extLst>
+          </p:cNvPr>
+          <p:cNvSpPr>
+            <a:spLocks noGrp="1"/>
+          </p:cNvSpPr>
+          <p:nvPr>
+            <p:ph type="body" sz="quarter" idx="10"/>
+          </p:nvPr>
+        </p:nvSpPr>
+        <p:spPr>
+          <a:xfrm>
+            <a:off x="549275" y="1596929"/>
+            <a:ext cx="6026503" cy="4594225"/>
+          </a:xfrm>
+        </p:spPr>
+        <p:txBody>
+          <a:bodyPr/>
+          <a:lstStyle/>
+          <a:p>
+            <a:r>
+              <a:rPr lang="en-US" dirty="0"/>
+              <a:t>Some other capabilities not explored here:</a:t>
+            </a:r>
+          </a:p>
+          <a:p>
+            <a:pPr lvl="1"/>
+            <a:r>
+              <a:rPr lang="en-US" dirty="0"/>
+              <a:t>Batching. </a:t>
+            </a:r>
+            <a:r>
+              <a:rPr lang="en-US" dirty="0" err="1"/>
+              <a:t>DrawSettings</a:t>
+            </a:r>
+            <a:r>
+              <a:rPr lang="en-US" dirty="0"/>
+              <a:t> class controls instance vs non-instanced drawing</a:t>
+            </a:r>
+          </a:p>
+          <a:p>
+            <a:pPr lvl="1"/>
+            <a:r>
+              <a:rPr lang="en-US" dirty="0"/>
+              <a:t>Sorting based on</a:t>
+            </a:r>
+          </a:p>
+          <a:p>
+            <a:pPr lvl="2"/>
+            <a:r>
+              <a:rPr lang="en-US" dirty="0"/>
+              <a:t>Layers </a:t>
+            </a:r>
+          </a:p>
+          <a:p>
+            <a:pPr lvl="2"/>
+            <a:r>
+              <a:rPr lang="en-US" dirty="0"/>
+              <a:t>Object tags</a:t>
+            </a:r>
+          </a:p>
+          <a:p>
+            <a:pPr lvl="2"/>
+            <a:r>
+              <a:rPr lang="en-US" dirty="0"/>
+              <a:t>Materials</a:t>
+            </a:r>
+          </a:p>
+          <a:p>
+            <a:pPr lvl="2"/>
+            <a:r>
+              <a:rPr lang="en-US" dirty="0"/>
+              <a:t>Pass ID</a:t>
+            </a:r>
+          </a:p>
+          <a:p>
+            <a:pPr lvl="2"/>
+            <a:r>
+              <a:rPr lang="en-US" dirty="0"/>
+              <a:t>Custom</a:t>
+            </a:r>
+          </a:p>
+          <a:p>
+            <a:pPr lvl="1"/>
+            <a:r>
+              <a:rPr lang="en-US" dirty="0"/>
+              <a:t>Build Your Own</a:t>
+            </a:r>
+          </a:p>
+          <a:p>
+            <a:pPr lvl="2"/>
+            <a:r>
+              <a:rPr lang="en-US" dirty="0" err="1"/>
+              <a:t>ScriptableRenderContext</a:t>
+            </a:r>
+            <a:r>
+              <a:rPr lang="en-US" dirty="0"/>
+              <a:t> provides convenience methods for skybox, basic rendering etc.</a:t>
+            </a:r>
+          </a:p>
+          <a:p>
+            <a:pPr lvl="2"/>
+            <a:r>
+              <a:rPr lang="en-US" dirty="0"/>
+              <a:t>Can also implement complete bespoke system via </a:t>
+            </a:r>
+            <a:r>
+              <a:rPr lang="en-US" dirty="0" err="1"/>
+              <a:t>CommandBuffer</a:t>
+            </a:r>
+            <a:endParaRPr lang="en-US" dirty="0"/>
+          </a:p>
+          <a:p>
+            <a:r>
+              <a:rPr lang="en-US" dirty="0"/>
+              <a:t>Still allows use of Unity </a:t>
+            </a:r>
+            <a:r>
+              <a:rPr lang="en-US" dirty="0" err="1"/>
+              <a:t>ShaderGraph</a:t>
+            </a:r>
+            <a:r>
+              <a:rPr lang="en-US" dirty="0"/>
+              <a:t>, materials system</a:t>
+            </a:r>
+          </a:p>
+          <a:p>
+            <a:r>
+              <a:rPr lang="en-US" dirty="0"/>
+              <a:t>Use as much or as little as is required of the built-in system. </a:t>
+            </a:r>
+          </a:p>
+          <a:p>
+            <a:endParaRPr lang="en-US" dirty="0"/>
+          </a:p>
+          <a:p>
+            <a:pPr lvl="2"/>
+            <a:endParaRPr lang="en-US" dirty="0"/>
+          </a:p>
+        </p:txBody>
+      </p:sp>
+      <p:sp>
+        <p:nvSpPr>
+          <p:cNvPr id="4" name="Text Placeholder 2">
+            <a:extLst>
+              <a:ext uri="{FF2B5EF4-FFF2-40B4-BE49-F238E27FC236}">
+                <a16:creationId xmlns:a16="http://schemas.microsoft.com/office/drawing/2014/main" id="{25EBBBB8-FB03-49EB-8BCE-DA612B538BEA}"/>
+              </a:ext>
+            </a:extLst>
+          </p:cNvPr>
+          <p:cNvSpPr txBox="1">
+            <a:spLocks/>
+          </p:cNvSpPr>
+          <p:nvPr/>
+        </p:nvSpPr>
+        <p:spPr>
+          <a:xfrm>
+            <a:off x="6649156" y="1579547"/>
+            <a:ext cx="5226755" cy="4594225"/>
+          </a:xfrm>
+          <a:prstGeom prst="rect">
+            <a:avLst/>
+          </a:prstGeom>
+        </p:spPr>
+        <p:txBody>
+          <a:bodyPr vert="horz" lIns="0" tIns="45720" rIns="0" bIns="45720" rtlCol="0">
+            <a:noAutofit/>
+          </a:bodyPr>
+          <a:lstStyle>
+            <a:lvl1pPr marL="237744" marR="0" indent="-237744" algn="l" defTabSz="914674" rtl="0" eaLnBrk="1" fontAlgn="auto" latinLnBrk="0" hangingPunct="1">
+              <a:lnSpc>
+                <a:spcPct val="100000"/>
+              </a:lnSpc>
+              <a:spcBef>
+                <a:spcPts val="600"/>
+              </a:spcBef>
+              <a:spcAft>
+                <a:spcPts val="0"/>
+              </a:spcAft>
+              <a:buClr>
+                <a:schemeClr val="tx1"/>
+              </a:buClr>
+              <a:buSzPct val="80000"/>
+              <a:buFont typeface="Wingdings" pitchFamily="2" charset="2"/>
+              <a:buChar char="§"/>
+              <a:tabLst/>
+              <a:defRPr sz="2000" b="0" i="0" kern="1200" cap="none" spc="-30" baseline="0">
+                <a:solidFill>
+                  <a:schemeClr val="tx1"/>
+                </a:solidFill>
+                <a:latin typeface="Klavika Light" panose="020B0506040000020004" pitchFamily="34" charset="0"/>
+                <a:ea typeface="+mn-ea"/>
+                <a:cs typeface="Calibri" panose="020F0502020204030204" pitchFamily="34" charset="0"/>
+              </a:defRPr>
+            </a:lvl1pPr>
+            <a:lvl2pPr marL="457200" marR="0" indent="-181029" algn="l" defTabSz="914674" rtl="0" eaLnBrk="1" fontAlgn="auto" latinLnBrk="0" hangingPunct="1">
+              <a:lnSpc>
+                <a:spcPct val="100000"/>
+              </a:lnSpc>
+              <a:spcBef>
+                <a:spcPts val="600"/>
+              </a:spcBef>
+              <a:spcAft>
+                <a:spcPts val="0"/>
+              </a:spcAft>
+              <a:buClr>
+                <a:schemeClr val="tx1"/>
+              </a:buClr>
+              <a:buSzPct val="80000"/>
+              <a:buFont typeface="System Font Regular"/>
+              <a:buChar char="▸"/>
+              <a:tabLst/>
+              <a:defRPr sz="1600" b="0" i="0" kern="1200" cap="none" spc="-30" baseline="0">
+                <a:solidFill>
+                  <a:schemeClr val="tx1"/>
+                </a:solidFill>
+                <a:latin typeface="Klavika Light" panose="020B0506040000020004" pitchFamily="34" charset="0"/>
+                <a:ea typeface="+mn-ea"/>
+                <a:cs typeface="Calibri" panose="020F0502020204030204" pitchFamily="34" charset="0"/>
+              </a:defRPr>
+            </a:lvl2pPr>
+            <a:lvl3pPr marL="914674" marR="0" indent="-168325" algn="l" defTabSz="914674" rtl="0" eaLnBrk="1" fontAlgn="auto" latinLnBrk="0" hangingPunct="1">
+              <a:lnSpc>
+                <a:spcPct val="100000"/>
+              </a:lnSpc>
+              <a:spcBef>
+                <a:spcPts val="600"/>
+              </a:spcBef>
+              <a:spcAft>
+                <a:spcPts val="0"/>
+              </a:spcAft>
+              <a:buClr>
+                <a:schemeClr val="tx1"/>
+              </a:buClr>
+              <a:buSzPct val="80000"/>
+              <a:buFont typeface="System Font Regular"/>
+              <a:buChar char="▸"/>
+              <a:tabLst/>
+              <a:defRPr sz="1400" b="0" i="0" kern="1200" cap="none" spc="-30" baseline="0">
+                <a:solidFill>
+                  <a:schemeClr val="tx1"/>
+                </a:solidFill>
+                <a:latin typeface="Klavika Light" panose="020B0506040000020004" pitchFamily="34" charset="0"/>
+                <a:ea typeface="+mn-ea"/>
+                <a:cs typeface="Calibri" panose="020F0502020204030204" pitchFamily="34" charset="0"/>
+              </a:defRPr>
+            </a:lvl3pPr>
+            <a:lvl4pPr marL="1372011" marR="0" indent="-182935" algn="l" defTabSz="914674" rtl="0" eaLnBrk="1" fontAlgn="auto" latinLnBrk="0" hangingPunct="1">
+              <a:lnSpc>
+                <a:spcPct val="100000"/>
+              </a:lnSpc>
+              <a:spcBef>
+                <a:spcPts val="600"/>
+              </a:spcBef>
+              <a:spcAft>
+                <a:spcPts val="0"/>
+              </a:spcAft>
+              <a:buClr>
+                <a:schemeClr val="tx1"/>
+              </a:buClr>
+              <a:buSzPct val="80000"/>
+              <a:buFont typeface="System Font Regular"/>
+              <a:buChar char="▸"/>
+              <a:tabLst/>
+              <a:defRPr sz="1200" b="0" i="0" kern="1200" cap="none" spc="-30" baseline="0">
+                <a:solidFill>
+                  <a:schemeClr val="tx1"/>
+                </a:solidFill>
+                <a:latin typeface="Klavika Light" panose="020B0506040000020004" pitchFamily="34" charset="0"/>
+                <a:ea typeface="+mn-ea"/>
+                <a:cs typeface="Calibri" panose="020F0502020204030204" pitchFamily="34" charset="0"/>
+              </a:defRPr>
+            </a:lvl4pPr>
+            <a:lvl5pPr marL="1646414" marR="0" indent="-164641" algn="l" defTabSz="914674" rtl="0" eaLnBrk="1" fontAlgn="auto" latinLnBrk="0" hangingPunct="1">
+              <a:lnSpc>
+                <a:spcPct val="100000"/>
+              </a:lnSpc>
+              <a:spcBef>
+                <a:spcPts val="300"/>
+              </a:spcBef>
+              <a:spcAft>
+                <a:spcPts val="0"/>
+              </a:spcAft>
+              <a:buClr>
+                <a:schemeClr val="accent6"/>
+              </a:buClr>
+              <a:buSzPct val="80000"/>
+              <a:buFont typeface="Wingdings" pitchFamily="2" charset="2"/>
+              <a:buChar char="§"/>
+              <a:tabLst/>
+              <a:defRPr sz="1400" b="0" i="0" kern="1200" cap="none" spc="-30" baseline="0">
+                <a:solidFill>
+                  <a:schemeClr val="tx1"/>
+                </a:solidFill>
+                <a:latin typeface="Klavika" panose="020B0506040000020004" pitchFamily="34" charset="0"/>
+                <a:ea typeface="+mn-ea"/>
+                <a:cs typeface="Calibri" panose="020F0502020204030204" pitchFamily="34" charset="0"/>
+              </a:defRPr>
+            </a:lvl5pPr>
+            <a:lvl6pPr marL="2515354" indent="-228669" algn="l" defTabSz="914674" rtl="0" eaLnBrk="1" latinLnBrk="0" hangingPunct="1">
+              <a:spcBef>
+                <a:spcPct val="20000"/>
+              </a:spcBef>
+              <a:buFont typeface="Arial" pitchFamily="34" charset="0"/>
+              <a:buChar char="•"/>
+              <a:defRPr sz="2001" kern="1200">
+                <a:solidFill>
+                  <a:schemeClr val="tx1"/>
+                </a:solidFill>
+                <a:latin typeface="+mn-lt"/>
+                <a:ea typeface="+mn-ea"/>
+                <a:cs typeface="+mn-cs"/>
+              </a:defRPr>
+            </a:lvl6pPr>
+            <a:lvl7pPr marL="2972692" indent="-228669" algn="l" defTabSz="914674" rtl="0" eaLnBrk="1" latinLnBrk="0" hangingPunct="1">
+              <a:spcBef>
+                <a:spcPct val="20000"/>
+              </a:spcBef>
+              <a:buFont typeface="Arial" pitchFamily="34" charset="0"/>
+              <a:buChar char="•"/>
+              <a:defRPr sz="2001" kern="1200">
+                <a:solidFill>
+                  <a:schemeClr val="tx1"/>
+                </a:solidFill>
+                <a:latin typeface="+mn-lt"/>
+                <a:ea typeface="+mn-ea"/>
+                <a:cs typeface="+mn-cs"/>
+              </a:defRPr>
+            </a:lvl7pPr>
+            <a:lvl8pPr marL="3430029" indent="-228669" algn="l" defTabSz="914674" rtl="0" eaLnBrk="1" latinLnBrk="0" hangingPunct="1">
+              <a:spcBef>
+                <a:spcPct val="20000"/>
+              </a:spcBef>
+              <a:buFont typeface="Arial" pitchFamily="34" charset="0"/>
+              <a:buChar char="•"/>
+              <a:defRPr sz="2001" kern="1200">
+                <a:solidFill>
+                  <a:schemeClr val="tx1"/>
+                </a:solidFill>
+                <a:latin typeface="+mn-lt"/>
+                <a:ea typeface="+mn-ea"/>
+                <a:cs typeface="+mn-cs"/>
+              </a:defRPr>
+            </a:lvl8pPr>
+            <a:lvl9pPr marL="3887366" indent="-228669" algn="l" defTabSz="914674" rtl="0" eaLnBrk="1" latinLnBrk="0" hangingPunct="1">
+              <a:spcBef>
+                <a:spcPct val="20000"/>
+              </a:spcBef>
+              <a:buFont typeface="Arial" pitchFamily="34" charset="0"/>
+              <a:buChar char="•"/>
+              <a:defRPr sz="2001" kern="1200">
+                <a:solidFill>
+                  <a:schemeClr val="tx1"/>
+                </a:solidFill>
+                <a:latin typeface="+mn-lt"/>
+                <a:ea typeface="+mn-ea"/>
+                <a:cs typeface="+mn-cs"/>
+              </a:defRPr>
+            </a:lvl9pPr>
+          </a:lstStyle>
+          <a:p>
+            <a:r>
+              <a:rPr lang="en-US" dirty="0"/>
+              <a:t>Materials are incompatible with legacy Unity materials</a:t>
+            </a:r>
+          </a:p>
+          <a:p>
+            <a:pPr lvl="1">
+              <a:buFont typeface="Arial" panose="020B0604020202020204" pitchFamily="34" charset="0"/>
+              <a:buChar char="•"/>
+            </a:pPr>
+            <a:r>
+              <a:rPr lang="en-US" dirty="0"/>
+              <a:t>But you can overcome that by launching shaders manually</a:t>
+            </a:r>
+          </a:p>
+          <a:p>
+            <a:pPr lvl="1">
+              <a:buFont typeface="Arial" panose="020B0604020202020204" pitchFamily="34" charset="0"/>
+              <a:buChar char="•"/>
+            </a:pPr>
+            <a:endParaRPr lang="en-US" dirty="0"/>
+          </a:p>
+          <a:p>
+            <a:pPr lvl="2"/>
+            <a:endParaRPr lang="en-US" dirty="0"/>
+          </a:p>
+        </p:txBody>
+      </p:sp>
+    </p:spTree>
+    <p:extLst>
+      <p:ext uri="{BB962C8B-B14F-4D97-AF65-F5344CB8AC3E}">
+        <p14:creationId xmlns:p14="http://schemas.microsoft.com/office/powerpoint/2010/main" val="4020107535"/>
+      </p:ext>
+    </p:extLst>
+  </p:cSld>
+  <p:clrMapOvr>
+    <a:masterClrMapping/>
+  </p:clrMapOvr>
+  <mc:AlternateContent xmlns:mc="http://schemas.openxmlformats.org/markup-compatibility/2006" xmlns:p14="http://schemas.microsoft.com/office/powerpoint/2010/main">
+    <mc:Choice Requires="p14">
+      <p:transition spd="med" p14:dur="700">
+        <p:fade/>
+      </p:transition>
+    </mc:Choice>
+    <mc:Fallback xmlns="">
+      <p:transition spd="med">
+        <p:fade/>
+      </p:transition>
+    </mc:Fallback>
+  </mc:AlternateContent>
+</p:sld>
+</file>
+
+<file path=ppt/slides/slide14.xml><?xml version="1.0" encoding="utf-8"?>
+<p:sld xmlns:a="http://schemas.openxmlformats.org/drawingml/2006/main" xmlns:r="http://schemas.openxmlformats.org/officeDocument/2006/relationships" xmlns:p="http://schemas.openxmlformats.org/presentationml/2006/main">
+  <p:cSld>
+    <p:spTree>
+      <p:nvGrpSpPr>
+        <p:cNvPr id="1" name=""/>
+        <p:cNvGrpSpPr/>
+        <p:nvPr/>
+      </p:nvGrpSpPr>
+      <p:grpSpPr>
+        <a:xfrm>
+          <a:off x="0" y="0"/>
+          <a:ext cx="0" cy="0"/>
+          <a:chOff x="0" y="0"/>
+          <a:chExt cx="0" cy="0"/>
+        </a:xfrm>
+      </p:grpSpPr>
+      <p:sp>
+        <p:nvSpPr>
+          <p:cNvPr id="2" name="Title 1">
+            <a:extLst>
+              <a:ext uri="{FF2B5EF4-FFF2-40B4-BE49-F238E27FC236}">
+                <a16:creationId xmlns:a16="http://schemas.microsoft.com/office/drawing/2014/main" id="{4266DAF3-B78E-4587-B08E-ECBDB9B23410}"/>
+              </a:ext>
+            </a:extLst>
+          </p:cNvPr>
+          <p:cNvSpPr>
+            <a:spLocks noGrp="1"/>
+          </p:cNvSpPr>
+          <p:nvPr>
+            <p:ph type="title"/>
+          </p:nvPr>
+        </p:nvSpPr>
+        <p:spPr/>
+        <p:txBody>
+          <a:bodyPr/>
+          <a:lstStyle/>
+          <a:p>
+            <a:r>
+              <a:rPr lang="en-US" dirty="0"/>
+              <a:t>HDRP</a:t>
+            </a:r>
+          </a:p>
+        </p:txBody>
+      </p:sp>
+      <p:sp>
+        <p:nvSpPr>
+          <p:cNvPr id="3" name="Text Placeholder 2">
+            <a:extLst>
+              <a:ext uri="{FF2B5EF4-FFF2-40B4-BE49-F238E27FC236}">
+                <a16:creationId xmlns:a16="http://schemas.microsoft.com/office/drawing/2014/main" id="{E488B551-0981-4030-A16B-2CD95BD50061}"/>
+              </a:ext>
+            </a:extLst>
+          </p:cNvPr>
+          <p:cNvSpPr>
+            <a:spLocks noGrp="1"/>
+          </p:cNvSpPr>
+          <p:nvPr>
+            <p:ph type="body" sz="quarter" idx="10"/>
+          </p:nvPr>
+        </p:nvSpPr>
+        <p:spPr>
+          <a:xfrm>
+            <a:off x="549276" y="1596929"/>
+            <a:ext cx="5789436" cy="4688721"/>
+          </a:xfrm>
+        </p:spPr>
+        <p:txBody>
+          <a:bodyPr/>
+          <a:lstStyle/>
+          <a:p>
+            <a:r>
+              <a:rPr lang="en-US" dirty="0"/>
+              <a:t>Built on SRP in the same way as the </a:t>
+            </a:r>
+            <a:r>
+              <a:rPr lang="en-US" dirty="0" err="1"/>
+              <a:t>SimpleRP</a:t>
+            </a:r>
+            <a:r>
+              <a:rPr lang="en-US" dirty="0"/>
+              <a:t> example</a:t>
+            </a:r>
+          </a:p>
+          <a:p>
+            <a:r>
+              <a:rPr lang="en-US" dirty="0"/>
+              <a:t>Provides script-level implementation of</a:t>
+            </a:r>
+          </a:p>
+          <a:p>
+            <a:pPr lvl="1"/>
+            <a:r>
+              <a:rPr lang="en-US" dirty="0"/>
+              <a:t>Culling</a:t>
+            </a:r>
+          </a:p>
+          <a:p>
+            <a:pPr lvl="1"/>
+            <a:r>
+              <a:rPr lang="en-US" dirty="0"/>
+              <a:t>Shadows</a:t>
+            </a:r>
+          </a:p>
+          <a:p>
+            <a:pPr lvl="1"/>
+            <a:r>
+              <a:rPr lang="en-US" dirty="0"/>
+              <a:t>Transparency</a:t>
+            </a:r>
+          </a:p>
+          <a:p>
+            <a:pPr lvl="1"/>
+            <a:r>
+              <a:rPr lang="en-US" dirty="0"/>
+              <a:t>Post processing</a:t>
+            </a:r>
+          </a:p>
+          <a:p>
+            <a:pPr lvl="1"/>
+            <a:r>
+              <a:rPr lang="en-US" dirty="0"/>
+              <a:t>Dynamic resolution, </a:t>
+            </a:r>
+            <a:r>
+              <a:rPr lang="en-US" dirty="0" err="1"/>
+              <a:t>upsampling</a:t>
+            </a:r>
+            <a:r>
+              <a:rPr lang="en-US" dirty="0"/>
+              <a:t>, and everything else required.</a:t>
+            </a:r>
+          </a:p>
+          <a:p>
+            <a:r>
+              <a:rPr lang="en-US" dirty="0"/>
+              <a:t>Used in all current and upcoming Unity demos</a:t>
+            </a:r>
+          </a:p>
+          <a:p>
+            <a:pPr lvl="1"/>
+            <a:r>
+              <a:rPr lang="en-US" dirty="0" err="1"/>
+              <a:t>ArchViz</a:t>
+            </a:r>
+            <a:endParaRPr lang="en-US" dirty="0"/>
+          </a:p>
+          <a:p>
+            <a:pPr lvl="1"/>
+            <a:r>
+              <a:rPr lang="en-US" dirty="0"/>
+              <a:t>Adam 2</a:t>
+            </a:r>
+          </a:p>
+          <a:p>
+            <a:pPr lvl="1"/>
+            <a:r>
+              <a:rPr lang="en-US" dirty="0"/>
+              <a:t>Book of the Dead</a:t>
+            </a:r>
+          </a:p>
+          <a:p>
+            <a:pPr lvl="1"/>
+            <a:r>
+              <a:rPr lang="en-US" dirty="0"/>
+              <a:t>The Heretic</a:t>
+            </a:r>
+          </a:p>
+          <a:p>
+            <a:pPr lvl="1"/>
+            <a:r>
+              <a:rPr lang="en-US" dirty="0"/>
+              <a:t>Megacity</a:t>
+            </a:r>
+          </a:p>
+          <a:p>
+            <a:pPr lvl="1"/>
+            <a:r>
+              <a:rPr lang="en-US" dirty="0"/>
+              <a:t>The Heretic</a:t>
+            </a:r>
+          </a:p>
+        </p:txBody>
+      </p:sp>
+      <p:pic>
+        <p:nvPicPr>
+          <p:cNvPr id="5" name="Picture 4">
+            <a:extLst>
+              <a:ext uri="{FF2B5EF4-FFF2-40B4-BE49-F238E27FC236}">
+                <a16:creationId xmlns:a16="http://schemas.microsoft.com/office/drawing/2014/main" id="{0889D557-EFFC-4C82-883A-16B4EB7A9265}"/>
+              </a:ext>
+            </a:extLst>
+          </p:cNvPr>
+          <p:cNvPicPr>
+            <a:picLocks noChangeAspect="1"/>
+          </p:cNvPicPr>
+          <p:nvPr/>
+        </p:nvPicPr>
+        <p:blipFill>
+          <a:blip r:embed="rId2"/>
+          <a:stretch>
+            <a:fillRect/>
+          </a:stretch>
+        </p:blipFill>
+        <p:spPr>
+          <a:xfrm>
+            <a:off x="6474179" y="1596929"/>
+            <a:ext cx="5241658" cy="3951560"/>
+          </a:xfrm>
+          <a:prstGeom prst="rect">
+            <a:avLst/>
+          </a:prstGeom>
+        </p:spPr>
+      </p:pic>
+    </p:spTree>
+    <p:extLst>
+      <p:ext uri="{BB962C8B-B14F-4D97-AF65-F5344CB8AC3E}">
+        <p14:creationId xmlns:p14="http://schemas.microsoft.com/office/powerpoint/2010/main" val="2497652748"/>
+      </p:ext>
+    </p:extLst>
+  </p:cSld>
+  <p:clrMapOvr>
+    <a:masterClrMapping/>
+  </p:clrMapOvr>
+  <mc:AlternateContent xmlns:mc="http://schemas.openxmlformats.org/markup-compatibility/2006" xmlns:p14="http://schemas.microsoft.com/office/powerpoint/2010/main">
+    <mc:Choice Requires="p14">
+      <p:transition spd="med" p14:dur="700">
+        <p:fade/>
+      </p:transition>
+    </mc:Choice>
+    <mc:Fallback xmlns="">
+      <p:transition spd="med">
+        <p:fade/>
+      </p:transition>
+    </mc:Fallback>
+  </mc:AlternateContent>
+</p:sld>
+</file>
+
+<file path=ppt/slides/slide15.xml><?xml version="1.0" encoding="utf-8"?>
+<p:sld xmlns:a="http://schemas.openxmlformats.org/drawingml/2006/main" xmlns:r="http://schemas.openxmlformats.org/officeDocument/2006/relationships" xmlns:p="http://schemas.openxmlformats.org/presentationml/2006/main">
+  <p:cSld>
+    <p:spTree>
+      <p:nvGrpSpPr>
+        <p:cNvPr id="1" name=""/>
+        <p:cNvGrpSpPr/>
+        <p:nvPr/>
+      </p:nvGrpSpPr>
+      <p:grpSpPr>
+        <a:xfrm>
+          <a:off x="0" y="0"/>
+          <a:ext cx="0" cy="0"/>
+          <a:chOff x="0" y="0"/>
+          <a:chExt cx="0" cy="0"/>
+        </a:xfrm>
+      </p:grpSpPr>
+      <p:sp>
+        <p:nvSpPr>
+          <p:cNvPr id="2" name="Title 1">
+            <a:extLst>
+              <a:ext uri="{FF2B5EF4-FFF2-40B4-BE49-F238E27FC236}">
+                <a16:creationId xmlns:a16="http://schemas.microsoft.com/office/drawing/2014/main" id="{EA5C7B99-C5B5-4A8C-8885-60A8593B993C}"/>
+              </a:ext>
+            </a:extLst>
+          </p:cNvPr>
+          <p:cNvSpPr>
+            <a:spLocks noGrp="1"/>
+          </p:cNvSpPr>
+          <p:nvPr>
+            <p:ph type="title"/>
+          </p:nvPr>
+        </p:nvSpPr>
+        <p:spPr/>
+        <p:txBody>
+          <a:bodyPr/>
+          <a:lstStyle/>
+          <a:p>
+            <a:r>
+              <a:rPr lang="en-US" dirty="0"/>
+              <a:t>HDRP frame lifecycle</a:t>
+            </a:r>
+          </a:p>
+        </p:txBody>
+      </p:sp>
+      <p:sp>
+        <p:nvSpPr>
+          <p:cNvPr id="3" name="Text Placeholder 2">
+            <a:extLst>
+              <a:ext uri="{FF2B5EF4-FFF2-40B4-BE49-F238E27FC236}">
+                <a16:creationId xmlns:a16="http://schemas.microsoft.com/office/drawing/2014/main" id="{2100CEAE-C3CC-43CB-A1AA-0F677FAA2D85}"/>
+              </a:ext>
+            </a:extLst>
+          </p:cNvPr>
+          <p:cNvSpPr>
+            <a:spLocks noGrp="1"/>
+          </p:cNvSpPr>
+          <p:nvPr>
+            <p:ph type="body" sz="quarter" idx="10"/>
+          </p:nvPr>
+        </p:nvSpPr>
+        <p:spPr/>
+        <p:txBody>
+          <a:bodyPr/>
+          <a:lstStyle/>
+          <a:p>
+            <a:endParaRPr lang="en-US" dirty="0"/>
+          </a:p>
+        </p:txBody>
+      </p:sp>
+    </p:spTree>
+    <p:extLst>
+      <p:ext uri="{BB962C8B-B14F-4D97-AF65-F5344CB8AC3E}">
+        <p14:creationId xmlns:p14="http://schemas.microsoft.com/office/powerpoint/2010/main" val="3679014628"/>
+      </p:ext>
+    </p:extLst>
+  </p:cSld>
+  <p:clrMapOvr>
+    <a:masterClrMapping/>
+  </p:clrMapOvr>
+  <mc:AlternateContent xmlns:mc="http://schemas.openxmlformats.org/markup-compatibility/2006" xmlns:p14="http://schemas.microsoft.com/office/powerpoint/2010/main">
+    <mc:Choice Requires="p14">
+      <p:transition spd="med" p14:dur="700">
+        <p:fade/>
+      </p:transition>
+    </mc:Choice>
+    <mc:Fallback xmlns="">
+      <p:transition spd="med">
+        <p:fade/>
+      </p:transition>
+    </mc:Fallback>
+  </mc:AlternateContent>
+</p:sld>
+</file>
+
+<file path=ppt/slides/slide16.xml><?xml version="1.0" encoding="utf-8"?>
 <p:sld xmlns:a="http://schemas.openxmlformats.org/drawingml/2006/main" xmlns:r="http://schemas.openxmlformats.org/officeDocument/2006/relationships" xmlns:p="http://schemas.openxmlformats.org/presentationml/2006/main">
   <p:cSld>
     <p:spTree>
@@ -9039,12 +12689,8 @@
           <a:lstStyle/>
           <a:p>
             <a:r>
-              <a:rPr lang="en-US" dirty="0" err="1"/>
-              <a:t>Hdrp</a:t>
-            </a:r>
-            <a:r>
-              <a:rPr lang="en-US" dirty="0"/>
-              <a:t> Architecture &amp; flow</a:t>
+              <a:rPr lang="en-US" dirty="0"/>
+              <a:t>SRP &amp; HDRP overview</a:t>
             </a:r>
           </a:p>
         </p:txBody>
@@ -9142,7 +12788,15 @@
             </a:r>
             <a:r>
               <a:rPr lang="en-US" dirty="0"/>
-              <a:t> with PIMPL for DX11, DX12, GL, etc. 	</a:t>
+              <a:t> with PIMPL for DX11, DX12, </a:t>
+            </a:r>
+            <a:r>
+              <a:rPr lang="en-US" dirty="0" err="1"/>
+              <a:t>Vk</a:t>
+            </a:r>
+            <a:r>
+              <a:rPr lang="en-US" dirty="0"/>
+              <a:t>, GL, etc. 	</a:t>
             </a:r>
           </a:p>
           <a:p>
@@ -9267,7 +12921,7 @@
           <a:p>
             <a:r>
               <a:rPr lang="en-US" dirty="0"/>
-              <a:t>The Least you need to know	</a:t>
+              <a:t>SRP - The Least you need to know	</a:t>
             </a:r>
           </a:p>
         </p:txBody>
@@ -9593,6 +13247,185 @@
 </file>
 
 <file path=ppt/slides/slide5.xml><?xml version="1.0" encoding="utf-8"?>
+<p:sld xmlns:a="http://schemas.openxmlformats.org/drawingml/2006/main" xmlns:r="http://schemas.openxmlformats.org/officeDocument/2006/relationships" xmlns:p="http://schemas.openxmlformats.org/presentationml/2006/main">
+  <p:cSld>
+    <p:spTree>
+      <p:nvGrpSpPr>
+        <p:cNvPr id="1" name=""/>
+        <p:cNvGrpSpPr/>
+        <p:nvPr/>
+      </p:nvGrpSpPr>
+      <p:grpSpPr>
+        <a:xfrm>
+          <a:off x="0" y="0"/>
+          <a:ext cx="0" cy="0"/>
+          <a:chOff x="0" y="0"/>
+          <a:chExt cx="0" cy="0"/>
+        </a:xfrm>
+      </p:grpSpPr>
+      <p:sp>
+        <p:nvSpPr>
+          <p:cNvPr id="2" name="Title 1">
+            <a:extLst>
+              <a:ext uri="{FF2B5EF4-FFF2-40B4-BE49-F238E27FC236}">
+                <a16:creationId xmlns:a16="http://schemas.microsoft.com/office/drawing/2014/main" id="{A18BB974-058F-4994-9A55-AEB0F682689A}"/>
+              </a:ext>
+            </a:extLst>
+          </p:cNvPr>
+          <p:cNvSpPr>
+            <a:spLocks noGrp="1"/>
+          </p:cNvSpPr>
+          <p:nvPr>
+            <p:ph type="title"/>
+          </p:nvPr>
+        </p:nvSpPr>
+        <p:spPr/>
+        <p:txBody>
+          <a:bodyPr/>
+          <a:lstStyle/>
+          <a:p>
+            <a:r>
+              <a:rPr lang="en-US" dirty="0"/>
+              <a:t>SRP – basic usage</a:t>
+            </a:r>
+          </a:p>
+        </p:txBody>
+      </p:sp>
+      <p:sp>
+        <p:nvSpPr>
+          <p:cNvPr id="3" name="Text Placeholder 2">
+            <a:extLst>
+              <a:ext uri="{FF2B5EF4-FFF2-40B4-BE49-F238E27FC236}">
+                <a16:creationId xmlns:a16="http://schemas.microsoft.com/office/drawing/2014/main" id="{46818E35-48C1-4735-B242-67B6DF0015A3}"/>
+              </a:ext>
+            </a:extLst>
+          </p:cNvPr>
+          <p:cNvSpPr>
+            <a:spLocks noGrp="1"/>
+          </p:cNvSpPr>
+          <p:nvPr>
+            <p:ph type="body" sz="quarter" idx="10"/>
+          </p:nvPr>
+        </p:nvSpPr>
+        <p:spPr/>
+        <p:txBody>
+          <a:bodyPr/>
+          <a:lstStyle/>
+          <a:p>
+            <a:r>
+              <a:rPr lang="en-US" dirty="0" err="1"/>
+              <a:t>RenderPipeline.Render</a:t>
+            </a:r>
+            <a:r>
+              <a:rPr lang="en-US" dirty="0"/>
+              <a:t>()</a:t>
+            </a:r>
+          </a:p>
+          <a:p>
+            <a:pPr lvl="1"/>
+            <a:r>
+              <a:rPr lang="en-US" dirty="0"/>
+              <a:t>Culling via helper classes. RP implementations may override or ignore this. </a:t>
+            </a:r>
+          </a:p>
+          <a:p>
+            <a:pPr lvl="1"/>
+            <a:r>
+              <a:rPr lang="en-US" dirty="0"/>
+              <a:t>Render objects</a:t>
+            </a:r>
+          </a:p>
+          <a:p>
+            <a:pPr lvl="2"/>
+            <a:r>
+              <a:rPr lang="en-US" dirty="0"/>
+              <a:t>Use </a:t>
+            </a:r>
+            <a:r>
+              <a:rPr lang="en-US" dirty="0" err="1"/>
+              <a:t>Context.Draw</a:t>
+            </a:r>
+            <a:r>
+              <a:rPr lang="en-US" dirty="0"/>
+              <a:t>…() for simple tasks</a:t>
+            </a:r>
+          </a:p>
+          <a:p>
+            <a:pPr lvl="2"/>
+            <a:r>
+              <a:rPr lang="en-US" dirty="0" err="1"/>
+              <a:t>CommandBuffer.Draw</a:t>
+            </a:r>
+            <a:r>
+              <a:rPr lang="en-US" dirty="0"/>
+              <a:t>*() for more granular control</a:t>
+            </a:r>
+          </a:p>
+          <a:p>
+            <a:pPr lvl="2"/>
+            <a:r>
+              <a:rPr lang="en-US" dirty="0" err="1"/>
+              <a:t>Context.ExecuteCommandBuffer</a:t>
+            </a:r>
+            <a:r>
+              <a:rPr lang="en-US" dirty="0"/>
+              <a:t>() or .</a:t>
+            </a:r>
+            <a:r>
+              <a:rPr lang="en-US" dirty="0" err="1"/>
+              <a:t>ExecuteCommandBufferAsync</a:t>
+            </a:r>
+            <a:r>
+              <a:rPr lang="en-US" dirty="0"/>
+              <a:t>()</a:t>
+            </a:r>
+          </a:p>
+          <a:p>
+            <a:pPr lvl="1"/>
+            <a:r>
+              <a:rPr lang="en-US" dirty="0" err="1"/>
+              <a:t>Context.Submit</a:t>
+            </a:r>
+            <a:r>
+              <a:rPr lang="en-US" dirty="0"/>
+              <a:t>()</a:t>
+            </a:r>
+          </a:p>
+          <a:p>
+            <a:pPr lvl="2"/>
+            <a:r>
+              <a:rPr lang="en-US" dirty="0"/>
+              <a:t>Submit all pending commands to Unity’s render command queue. </a:t>
+            </a:r>
+          </a:p>
+        </p:txBody>
+      </p:sp>
+    </p:spTree>
+    <p:extLst>
+      <p:ext uri="{BB962C8B-B14F-4D97-AF65-F5344CB8AC3E}">
+        <p14:creationId xmlns:p14="http://schemas.microsoft.com/office/powerpoint/2010/main" val="77811361"/>
+      </p:ext>
+    </p:extLst>
+  </p:cSld>
+  <p:clrMapOvr>
+    <a:masterClrMapping/>
+  </p:clrMapOvr>
+  <mc:AlternateContent xmlns:mc="http://schemas.openxmlformats.org/markup-compatibility/2006" xmlns:p14="http://schemas.microsoft.com/office/powerpoint/2010/main">
+    <mc:Choice Requires="p14">
+      <p:transition spd="med" p14:dur="700">
+        <p:fade/>
+      </p:transition>
+    </mc:Choice>
+    <mc:Fallback xmlns="">
+      <p:transition spd="med">
+        <p:fade/>
+      </p:transition>
+    </mc:Fallback>
+  </mc:AlternateContent>
+</p:sld>
+</file>
+
+<file path=ppt/slides/slide6.xml><?xml version="1.0" encoding="utf-8"?>
 <p:sld xmlns:a="http://schemas.openxmlformats.org/drawingml/2006/main" xmlns:r="http://schemas.openxmlformats.org/officeDocument/2006/relationships" xmlns:p="http://schemas.openxmlformats.org/presentationml/2006/main">
   <p:cSld>
     <p:spTree>
@@ -9994,7 +13827,7 @@
 </p:sld>
 </file>
 
-<file path=ppt/slides/slide6.xml><?xml version="1.0" encoding="utf-8"?>
+<file path=ppt/slides/slide7.xml><?xml version="1.0" encoding="utf-8"?>
 <p:sld xmlns:a="http://schemas.openxmlformats.org/drawingml/2006/main" xmlns:r="http://schemas.openxmlformats.org/officeDocument/2006/relationships" xmlns:p="http://schemas.openxmlformats.org/presentationml/2006/main">
   <p:cSld>
     <p:spTree>
@@ -10658,7 +14491,7 @@
 </p:sld>
 </file>
 
-<file path=ppt/slides/slide7.xml><?xml version="1.0" encoding="utf-8"?>
+<file path=ppt/slides/slide8.xml><?xml version="1.0" encoding="utf-8"?>
 <p:sld xmlns:a="http://schemas.openxmlformats.org/drawingml/2006/main" xmlns:r="http://schemas.openxmlformats.org/officeDocument/2006/relationships" xmlns:p="http://schemas.openxmlformats.org/presentationml/2006/main">
   <p:cSld>
     <p:spTree>
@@ -10823,278 +14656,10 @@
           </a:prstGeom>
         </p:spPr>
       </p:pic>
-      <p:sp>
-        <p:nvSpPr>
-          <p:cNvPr id="10" name="Rectangle 9">
-            <a:extLst>
-              <a:ext uri="{FF2B5EF4-FFF2-40B4-BE49-F238E27FC236}">
-                <a16:creationId xmlns:a16="http://schemas.microsoft.com/office/drawing/2014/main" id="{356B72CE-2C70-4E60-820E-393E1DFFE9FD}"/>
-              </a:ext>
-            </a:extLst>
-          </p:cNvPr>
-          <p:cNvSpPr/>
-          <p:nvPr/>
-        </p:nvSpPr>
-        <p:spPr>
-          <a:xfrm>
-            <a:off x="548641" y="3876077"/>
-            <a:ext cx="5463141" cy="1200329"/>
-          </a:xfrm>
-          <a:prstGeom prst="rect">
-            <a:avLst/>
-          </a:prstGeom>
-        </p:spPr>
-        <p:txBody>
-          <a:bodyPr wrap="square">
-            <a:spAutoFit/>
-          </a:bodyPr>
-          <a:lstStyle/>
-          <a:p>
-            <a:r>
-              <a:rPr lang="en-US" dirty="0"/>
-              <a:t>As expected, </a:t>
-            </a:r>
-            <a:r>
-              <a:rPr lang="en-US" dirty="0" err="1"/>
-              <a:t>RenderSkybox</a:t>
-            </a:r>
-            <a:r>
-              <a:rPr lang="en-US" dirty="0"/>
-              <a:t> is the only render event in frame.</a:t>
-            </a:r>
-          </a:p>
-          <a:p>
-            <a:endParaRPr lang="en-US" dirty="0"/>
-          </a:p>
-          <a:p>
-            <a:pPr marL="285750" indent="-285750">
-              <a:buFont typeface="Arial" panose="020B0604020202020204" pitchFamily="34" charset="0"/>
-              <a:buChar char="•"/>
-            </a:pPr>
-            <a:endParaRPr lang="en-US" b="1" dirty="0"/>
-          </a:p>
-        </p:txBody>
-      </p:sp>
     </p:spTree>
     <p:extLst>
       <p:ext uri="{BB962C8B-B14F-4D97-AF65-F5344CB8AC3E}">
         <p14:creationId xmlns:p14="http://schemas.microsoft.com/office/powerpoint/2010/main" val="957426077"/>
-      </p:ext>
-    </p:extLst>
-  </p:cSld>
-  <p:clrMapOvr>
-    <a:masterClrMapping/>
-  </p:clrMapOvr>
-  <mc:AlternateContent xmlns:mc="http://schemas.openxmlformats.org/markup-compatibility/2006" xmlns:p14="http://schemas.microsoft.com/office/powerpoint/2010/main">
-    <mc:Choice Requires="p14">
-      <p:transition spd="med" p14:dur="700">
-        <p:fade/>
-      </p:transition>
-    </mc:Choice>
-    <mc:Fallback xmlns="">
-      <p:transition spd="med">
-        <p:fade/>
-      </p:transition>
-    </mc:Fallback>
-  </mc:AlternateContent>
-</p:sld>
-</file>
-
-<file path=ppt/slides/slide8.xml><?xml version="1.0" encoding="utf-8"?>
-<p:sld xmlns:a="http://schemas.openxmlformats.org/drawingml/2006/main" xmlns:r="http://schemas.openxmlformats.org/officeDocument/2006/relationships" xmlns:p="http://schemas.openxmlformats.org/presentationml/2006/main">
-  <p:cSld>
-    <p:spTree>
-      <p:nvGrpSpPr>
-        <p:cNvPr id="1" name=""/>
-        <p:cNvGrpSpPr/>
-        <p:nvPr/>
-      </p:nvGrpSpPr>
-      <p:grpSpPr>
-        <a:xfrm>
-          <a:off x="0" y="0"/>
-          <a:ext cx="0" cy="0"/>
-          <a:chOff x="0" y="0"/>
-          <a:chExt cx="0" cy="0"/>
-        </a:xfrm>
-      </p:grpSpPr>
-      <p:sp>
-        <p:nvSpPr>
-          <p:cNvPr id="2" name="Title 1">
-            <a:extLst>
-              <a:ext uri="{FF2B5EF4-FFF2-40B4-BE49-F238E27FC236}">
-                <a16:creationId xmlns:a16="http://schemas.microsoft.com/office/drawing/2014/main" id="{05B0772D-6F8D-4F6E-AB1D-63DFD1D707E0}"/>
-              </a:ext>
-            </a:extLst>
-          </p:cNvPr>
-          <p:cNvSpPr>
-            <a:spLocks noGrp="1"/>
-          </p:cNvSpPr>
-          <p:nvPr>
-            <p:ph type="title"/>
-          </p:nvPr>
-        </p:nvSpPr>
-        <p:spPr/>
-        <p:txBody>
-          <a:bodyPr/>
-          <a:lstStyle/>
-          <a:p>
-            <a:r>
-              <a:rPr lang="en-US" dirty="0"/>
-              <a:t>Simple </a:t>
-            </a:r>
-            <a:r>
-              <a:rPr lang="en-US" dirty="0" err="1"/>
-              <a:t>rp</a:t>
-            </a:r>
-            <a:r>
-              <a:rPr lang="en-US" dirty="0"/>
-              <a:t> – render skybox</a:t>
-            </a:r>
-          </a:p>
-        </p:txBody>
-      </p:sp>
-      <p:sp>
-        <p:nvSpPr>
-          <p:cNvPr id="5" name="Rectangle 4">
-            <a:extLst>
-              <a:ext uri="{FF2B5EF4-FFF2-40B4-BE49-F238E27FC236}">
-                <a16:creationId xmlns:a16="http://schemas.microsoft.com/office/drawing/2014/main" id="{1333C9F0-BD1E-401F-944C-06302625F1B5}"/>
-              </a:ext>
-            </a:extLst>
-          </p:cNvPr>
-          <p:cNvSpPr/>
-          <p:nvPr/>
-        </p:nvSpPr>
-        <p:spPr>
-          <a:xfrm>
-            <a:off x="548641" y="1596929"/>
-            <a:ext cx="6096000" cy="2308324"/>
-          </a:xfrm>
-          <a:prstGeom prst="rect">
-            <a:avLst/>
-          </a:prstGeom>
-        </p:spPr>
-        <p:txBody>
-          <a:bodyPr>
-            <a:spAutoFit/>
-          </a:bodyPr>
-          <a:lstStyle/>
-          <a:p>
-            <a:r>
-              <a:rPr lang="en-US" sz="1600" dirty="0"/>
-              <a:t>Takeaways:</a:t>
-            </a:r>
-          </a:p>
-          <a:p>
-            <a:pPr marL="285750" indent="-285750">
-              <a:buFont typeface="Arial" panose="020B0604020202020204" pitchFamily="34" charset="0"/>
-              <a:buChar char="•"/>
-            </a:pPr>
-            <a:r>
-              <a:rPr lang="en-US" sz="1600" dirty="0"/>
-              <a:t>Nothing is rendered outside of SRP class. Without the .</a:t>
-            </a:r>
-            <a:r>
-              <a:rPr lang="en-US" sz="1600" b="1" dirty="0" err="1"/>
-              <a:t>drawSkybox</a:t>
-            </a:r>
-            <a:r>
-              <a:rPr lang="en-US" sz="1600" b="1" dirty="0"/>
-              <a:t>() </a:t>
-            </a:r>
-            <a:r>
-              <a:rPr lang="en-US" sz="1600" dirty="0"/>
-              <a:t>call, the viewport is completely blank.</a:t>
-            </a:r>
-          </a:p>
-          <a:p>
-            <a:pPr marL="285750" indent="-285750">
-              <a:buFont typeface="Arial" panose="020B0604020202020204" pitchFamily="34" charset="0"/>
-              <a:buChar char="•"/>
-            </a:pPr>
-            <a:r>
-              <a:rPr lang="en-US" sz="1600" dirty="0"/>
-              <a:t>Render commands are buffered by </a:t>
-            </a:r>
-            <a:r>
-              <a:rPr lang="en-US" sz="1600" b="1" dirty="0" err="1"/>
-              <a:t>ScriptableRenderContext</a:t>
-            </a:r>
-            <a:r>
-              <a:rPr lang="en-US" sz="1600" dirty="0"/>
-              <a:t> object</a:t>
-            </a:r>
-          </a:p>
-          <a:p>
-            <a:pPr marL="285750" indent="-285750">
-              <a:buFont typeface="Arial" panose="020B0604020202020204" pitchFamily="34" charset="0"/>
-              <a:buChar char="•"/>
-            </a:pPr>
-            <a:r>
-              <a:rPr lang="en-US" sz="1600" dirty="0"/>
-              <a:t>SRP is used all rendered views – editor, play, etc.</a:t>
-            </a:r>
-          </a:p>
-          <a:p>
-            <a:pPr marL="285750" indent="-285750">
-              <a:buFont typeface="Arial" panose="020B0604020202020204" pitchFamily="34" charset="0"/>
-              <a:buChar char="•"/>
-            </a:pPr>
-            <a:r>
-              <a:rPr lang="en-US" sz="1600" dirty="0"/>
-              <a:t>Everything in the pipeline must be implemented in script.  </a:t>
-            </a:r>
-          </a:p>
-          <a:p>
-            <a:pPr marL="285750" indent="-285750">
-              <a:buFont typeface="Arial" panose="020B0604020202020204" pitchFamily="34" charset="0"/>
-              <a:buChar char="•"/>
-            </a:pPr>
-            <a:r>
-              <a:rPr lang="en-US" sz="1600" dirty="0" err="1"/>
-              <a:t>GameObjects</a:t>
-            </a:r>
-            <a:r>
-              <a:rPr lang="en-US" sz="1600" dirty="0"/>
-              <a:t>, materials, and other settings are available to the renderer. It’s up to the developer to decide how or if these are used. </a:t>
-            </a:r>
-          </a:p>
-        </p:txBody>
-      </p:sp>
-      <p:pic>
-        <p:nvPicPr>
-          <p:cNvPr id="6" name="Picture 5">
-            <a:extLst>
-              <a:ext uri="{FF2B5EF4-FFF2-40B4-BE49-F238E27FC236}">
-                <a16:creationId xmlns:a16="http://schemas.microsoft.com/office/drawing/2014/main" id="{1A429A00-97F0-4219-BA63-A29CD28B3CCC}"/>
-              </a:ext>
-            </a:extLst>
-          </p:cNvPr>
-          <p:cNvPicPr>
-            <a:picLocks noChangeAspect="1"/>
-          </p:cNvPicPr>
-          <p:nvPr/>
-        </p:nvPicPr>
-        <p:blipFill>
-          <a:blip r:embed="rId3"/>
-          <a:stretch>
-            <a:fillRect/>
-          </a:stretch>
-        </p:blipFill>
-        <p:spPr>
-          <a:xfrm>
-            <a:off x="6644641" y="1605725"/>
-            <a:ext cx="5111301" cy="3859554"/>
-          </a:xfrm>
-          <a:prstGeom prst="rect">
-            <a:avLst/>
-          </a:prstGeom>
-        </p:spPr>
-      </p:pic>
-    </p:spTree>
-    <p:extLst>
-      <p:ext uri="{BB962C8B-B14F-4D97-AF65-F5344CB8AC3E}">
-        <p14:creationId xmlns:p14="http://schemas.microsoft.com/office/powerpoint/2010/main" val="2888763724"/>
       </p:ext>
     </p:extLst>
   </p:cSld>
@@ -11138,7 +14703,7 @@
           <p:cNvPr id="2" name="Title 1">
             <a:extLst>
               <a:ext uri="{FF2B5EF4-FFF2-40B4-BE49-F238E27FC236}">
-                <a16:creationId xmlns:a16="http://schemas.microsoft.com/office/drawing/2014/main" id="{53E2A4A1-C030-48B9-9A43-CDB7BB23B221}"/>
+                <a16:creationId xmlns:a16="http://schemas.microsoft.com/office/drawing/2014/main" id="{05B0772D-6F8D-4F6E-AB1D-63DFD1D707E0}"/>
               </a:ext>
             </a:extLst>
           </p:cNvPr>
@@ -11164,105 +14729,17 @@
             </a:r>
             <a:r>
               <a:rPr lang="en-US" dirty="0"/>
-              <a:t> – Command buffers</a:t>
+              <a:t> – render skybox</a:t>
             </a:r>
           </a:p>
         </p:txBody>
       </p:sp>
       <p:sp>
         <p:nvSpPr>
-          <p:cNvPr id="3" name="Text Placeholder 2">
+          <p:cNvPr id="5" name="Rectangle 4">
             <a:extLst>
               <a:ext uri="{FF2B5EF4-FFF2-40B4-BE49-F238E27FC236}">
-                <a16:creationId xmlns:a16="http://schemas.microsoft.com/office/drawing/2014/main" id="{C5502DA1-5E40-4DF7-BCBC-3406E615B412}"/>
-              </a:ext>
-            </a:extLst>
-          </p:cNvPr>
-          <p:cNvSpPr>
-            <a:spLocks noGrp="1"/>
-          </p:cNvSpPr>
-          <p:nvPr>
-            <p:ph type="body" sz="quarter" idx="10"/>
-          </p:nvPr>
-        </p:nvSpPr>
-        <p:spPr>
-          <a:xfrm>
-            <a:off x="549275" y="1596929"/>
-            <a:ext cx="11056938" cy="2438219"/>
-          </a:xfrm>
-        </p:spPr>
-        <p:txBody>
-          <a:bodyPr/>
-          <a:lstStyle/>
-          <a:p>
-            <a:r>
-              <a:rPr lang="en-US" dirty="0"/>
-              <a:t>Discrete collections of grouped commands</a:t>
-            </a:r>
-          </a:p>
-          <a:p>
-            <a:r>
-              <a:rPr lang="en-US" dirty="0"/>
-              <a:t>Provides wrappers for Unity </a:t>
-            </a:r>
-            <a:r>
-              <a:rPr lang="en-US" dirty="0" err="1"/>
-              <a:t>RenderCommand</a:t>
-            </a:r>
-            <a:r>
-              <a:rPr lang="en-US" dirty="0"/>
-              <a:t> objects. </a:t>
-            </a:r>
-          </a:p>
-          <a:p>
-            <a:pPr lvl="1"/>
-            <a:r>
-              <a:rPr lang="en-US" dirty="0"/>
-              <a:t>Draw</a:t>
-            </a:r>
-          </a:p>
-          <a:p>
-            <a:pPr lvl="1"/>
-            <a:r>
-              <a:rPr lang="en-US" dirty="0"/>
-              <a:t>Dispatch</a:t>
-            </a:r>
-          </a:p>
-          <a:p>
-            <a:pPr lvl="1"/>
-            <a:r>
-              <a:rPr lang="en-US" dirty="0"/>
-              <a:t>Fences</a:t>
-            </a:r>
-          </a:p>
-          <a:p>
-            <a:pPr lvl="1"/>
-            <a:r>
-              <a:rPr lang="en-US" dirty="0"/>
-              <a:t>Raytracing</a:t>
-            </a:r>
-          </a:p>
-          <a:p>
-            <a:pPr lvl="1"/>
-            <a:r>
-              <a:rPr lang="en-US" dirty="0"/>
-              <a:t>Etc.</a:t>
-            </a:r>
-          </a:p>
-          <a:p>
-            <a:pPr marL="0" indent="0">
-              <a:buNone/>
-            </a:pPr>
-            <a:endParaRPr lang="en-US" dirty="0"/>
-          </a:p>
-        </p:txBody>
-      </p:sp>
-      <p:sp>
-        <p:nvSpPr>
-          <p:cNvPr id="4" name="Rectangle 3">
-            <a:extLst>
-              <a:ext uri="{FF2B5EF4-FFF2-40B4-BE49-F238E27FC236}">
-                <a16:creationId xmlns:a16="http://schemas.microsoft.com/office/drawing/2014/main" id="{343C6962-3336-4089-88F8-9D6FD83D81C5}"/>
+                <a16:creationId xmlns:a16="http://schemas.microsoft.com/office/drawing/2014/main" id="{1333C9F0-BD1E-401F-944C-06302625F1B5}"/>
               </a:ext>
             </a:extLst>
           </p:cNvPr>
@@ -11271,679 +14748,134 @@
         </p:nvSpPr>
         <p:spPr>
           <a:xfrm>
-            <a:off x="548641" y="4035148"/>
-            <a:ext cx="10840598" cy="2031325"/>
+            <a:off x="548641" y="1596929"/>
+            <a:ext cx="6096000" cy="2308324"/>
           </a:xfrm>
           <a:prstGeom prst="rect">
             <a:avLst/>
           </a:prstGeom>
         </p:spPr>
         <p:txBody>
-          <a:bodyPr wrap="square">
+          <a:bodyPr>
             <a:spAutoFit/>
           </a:bodyPr>
           <a:lstStyle/>
           <a:p>
             <a:r>
-              <a:rPr lang="en-US" sz="1400" dirty="0">
-                <a:solidFill>
-                  <a:srgbClr val="0000FF"/>
-                </a:solidFill>
-                <a:latin typeface="Consolas" panose="020B0609020204030204" pitchFamily="49" charset="0"/>
-              </a:rPr>
-              <a:t>public</a:t>
-            </a:r>
-            <a:r>
-              <a:rPr lang="en-US" sz="1400" dirty="0">
-                <a:solidFill>
-                  <a:srgbClr val="000000"/>
-                </a:solidFill>
-                <a:latin typeface="Consolas" panose="020B0609020204030204" pitchFamily="49" charset="0"/>
-              </a:rPr>
-              <a:t> </a:t>
-            </a:r>
-            <a:r>
-              <a:rPr lang="en-US" sz="1400" dirty="0">
-                <a:solidFill>
-                  <a:srgbClr val="0000FF"/>
-                </a:solidFill>
-                <a:latin typeface="Consolas" panose="020B0609020204030204" pitchFamily="49" charset="0"/>
-              </a:rPr>
-              <a:t>void</a:t>
-            </a:r>
-            <a:r>
-              <a:rPr lang="en-US" sz="1400" dirty="0">
-                <a:solidFill>
-                  <a:srgbClr val="000000"/>
-                </a:solidFill>
-                <a:latin typeface="Consolas" panose="020B0609020204030204" pitchFamily="49" charset="0"/>
-              </a:rPr>
-              <a:t> </a:t>
-            </a:r>
-            <a:r>
-              <a:rPr lang="en-US" sz="1400" dirty="0" err="1">
-                <a:solidFill>
-                  <a:srgbClr val="000000"/>
-                </a:solidFill>
-                <a:latin typeface="Consolas" panose="020B0609020204030204" pitchFamily="49" charset="0"/>
-              </a:rPr>
-              <a:t>DrawProceduralIndirect</a:t>
-            </a:r>
-            <a:r>
-              <a:rPr lang="en-US" sz="1400" dirty="0">
-                <a:solidFill>
-                  <a:srgbClr val="000000"/>
-                </a:solidFill>
-                <a:latin typeface="Consolas" panose="020B0609020204030204" pitchFamily="49" charset="0"/>
-              </a:rPr>
-              <a:t>(Matrix4x4 matrix, Material </a:t>
-            </a:r>
-            <a:r>
-              <a:rPr lang="en-US" sz="1400" dirty="0" err="1">
-                <a:solidFill>
-                  <a:srgbClr val="000000"/>
-                </a:solidFill>
-                <a:latin typeface="Consolas" panose="020B0609020204030204" pitchFamily="49" charset="0"/>
-              </a:rPr>
-              <a:t>material</a:t>
-            </a:r>
-            <a:r>
-              <a:rPr lang="en-US" sz="1400" dirty="0">
-                <a:solidFill>
-                  <a:srgbClr val="000000"/>
-                </a:solidFill>
-                <a:latin typeface="Consolas" panose="020B0609020204030204" pitchFamily="49" charset="0"/>
-              </a:rPr>
-              <a:t>, </a:t>
-            </a:r>
-            <a:r>
-              <a:rPr lang="en-US" sz="1400" dirty="0">
-                <a:solidFill>
-                  <a:srgbClr val="0000FF"/>
-                </a:solidFill>
-                <a:latin typeface="Consolas" panose="020B0609020204030204" pitchFamily="49" charset="0"/>
-              </a:rPr>
-              <a:t>int</a:t>
-            </a:r>
-            <a:r>
-              <a:rPr lang="en-US" sz="1400" dirty="0">
-                <a:solidFill>
-                  <a:srgbClr val="000000"/>
-                </a:solidFill>
-                <a:latin typeface="Consolas" panose="020B0609020204030204" pitchFamily="49" charset="0"/>
-              </a:rPr>
-              <a:t> </a:t>
-            </a:r>
-            <a:r>
-              <a:rPr lang="en-US" sz="1400" dirty="0" err="1">
-                <a:solidFill>
-                  <a:srgbClr val="000000"/>
-                </a:solidFill>
-                <a:latin typeface="Consolas" panose="020B0609020204030204" pitchFamily="49" charset="0"/>
-              </a:rPr>
-              <a:t>shaderPass</a:t>
-            </a:r>
-            <a:r>
-              <a:rPr lang="en-US" sz="1400" dirty="0">
-                <a:solidFill>
-                  <a:srgbClr val="000000"/>
-                </a:solidFill>
-                <a:latin typeface="Consolas" panose="020B0609020204030204" pitchFamily="49" charset="0"/>
-              </a:rPr>
-              <a:t>, </a:t>
-            </a:r>
-            <a:r>
-              <a:rPr lang="en-US" sz="1400" dirty="0" err="1">
-                <a:solidFill>
-                  <a:srgbClr val="000000"/>
-                </a:solidFill>
-                <a:latin typeface="Consolas" panose="020B0609020204030204" pitchFamily="49" charset="0"/>
-              </a:rPr>
-              <a:t>MeshTopology</a:t>
-            </a:r>
-            <a:r>
-              <a:rPr lang="en-US" sz="1400" dirty="0">
-                <a:solidFill>
-                  <a:srgbClr val="000000"/>
-                </a:solidFill>
-                <a:latin typeface="Consolas" panose="020B0609020204030204" pitchFamily="49" charset="0"/>
-              </a:rPr>
-              <a:t> topology, </a:t>
-            </a:r>
-            <a:r>
-              <a:rPr lang="en-US" sz="1400" dirty="0" err="1">
-                <a:solidFill>
-                  <a:srgbClr val="000000"/>
-                </a:solidFill>
-                <a:latin typeface="Consolas" panose="020B0609020204030204" pitchFamily="49" charset="0"/>
-              </a:rPr>
-              <a:t>ComputeBuffer</a:t>
-            </a:r>
-            <a:r>
-              <a:rPr lang="en-US" sz="1400" dirty="0">
-                <a:solidFill>
-                  <a:srgbClr val="000000"/>
-                </a:solidFill>
-                <a:latin typeface="Consolas" panose="020B0609020204030204" pitchFamily="49" charset="0"/>
-              </a:rPr>
-              <a:t> </a:t>
-            </a:r>
-            <a:r>
-              <a:rPr lang="en-US" sz="1400" dirty="0" err="1">
-                <a:solidFill>
-                  <a:srgbClr val="000000"/>
-                </a:solidFill>
-                <a:latin typeface="Consolas" panose="020B0609020204030204" pitchFamily="49" charset="0"/>
-              </a:rPr>
-              <a:t>bufferWithArgs</a:t>
-            </a:r>
-            <a:r>
-              <a:rPr lang="en-US" sz="1400" dirty="0">
-                <a:solidFill>
-                  <a:srgbClr val="000000"/>
-                </a:solidFill>
-                <a:latin typeface="Consolas" panose="020B0609020204030204" pitchFamily="49" charset="0"/>
-              </a:rPr>
-              <a:t>, </a:t>
-            </a:r>
-            <a:r>
-              <a:rPr lang="en-US" sz="1400" dirty="0">
-                <a:solidFill>
-                  <a:srgbClr val="0000FF"/>
-                </a:solidFill>
-                <a:latin typeface="Consolas" panose="020B0609020204030204" pitchFamily="49" charset="0"/>
-              </a:rPr>
-              <a:t>int</a:t>
-            </a:r>
-            <a:r>
-              <a:rPr lang="en-US" sz="1400" dirty="0">
-                <a:solidFill>
-                  <a:srgbClr val="000000"/>
-                </a:solidFill>
-                <a:latin typeface="Consolas" panose="020B0609020204030204" pitchFamily="49" charset="0"/>
-              </a:rPr>
-              <a:t> </a:t>
-            </a:r>
-            <a:r>
-              <a:rPr lang="en-US" sz="1400" dirty="0" err="1">
-                <a:solidFill>
-                  <a:srgbClr val="000000"/>
-                </a:solidFill>
-                <a:latin typeface="Consolas" panose="020B0609020204030204" pitchFamily="49" charset="0"/>
-              </a:rPr>
-              <a:t>argsOffset</a:t>
-            </a:r>
-            <a:r>
-              <a:rPr lang="en-US" sz="1400" dirty="0">
-                <a:solidFill>
-                  <a:srgbClr val="000000"/>
-                </a:solidFill>
-                <a:latin typeface="Consolas" panose="020B0609020204030204" pitchFamily="49" charset="0"/>
-              </a:rPr>
-              <a:t>, </a:t>
-            </a:r>
-            <a:r>
-              <a:rPr lang="en-US" sz="1400" dirty="0" err="1">
-                <a:solidFill>
-                  <a:srgbClr val="000000"/>
-                </a:solidFill>
-                <a:latin typeface="Consolas" panose="020B0609020204030204" pitchFamily="49" charset="0"/>
-              </a:rPr>
-              <a:t>MaterialPropertyBlock</a:t>
-            </a:r>
-            <a:r>
-              <a:rPr lang="en-US" sz="1400" dirty="0">
-                <a:solidFill>
-                  <a:srgbClr val="000000"/>
-                </a:solidFill>
-                <a:latin typeface="Consolas" panose="020B0609020204030204" pitchFamily="49" charset="0"/>
-              </a:rPr>
-              <a:t> properties);</a:t>
-            </a:r>
-          </a:p>
-          <a:p>
-            <a:endParaRPr lang="en-US" sz="1400" dirty="0">
-              <a:solidFill>
-                <a:srgbClr val="0000FF"/>
-              </a:solidFill>
-              <a:latin typeface="Consolas" panose="020B0609020204030204" pitchFamily="49" charset="0"/>
-            </a:endParaRPr>
-          </a:p>
-          <a:p>
-            <a:r>
-              <a:rPr lang="en-US" sz="1400" dirty="0">
-                <a:solidFill>
-                  <a:srgbClr val="0000FF"/>
-                </a:solidFill>
-                <a:latin typeface="Consolas" panose="020B0609020204030204" pitchFamily="49" charset="0"/>
-              </a:rPr>
-              <a:t>public</a:t>
-            </a:r>
-            <a:r>
-              <a:rPr lang="en-US" sz="1400" dirty="0">
-                <a:solidFill>
-                  <a:srgbClr val="000000"/>
-                </a:solidFill>
-                <a:latin typeface="Consolas" panose="020B0609020204030204" pitchFamily="49" charset="0"/>
-              </a:rPr>
-              <a:t> </a:t>
-            </a:r>
-            <a:r>
-              <a:rPr lang="en-US" sz="1400" dirty="0">
-                <a:solidFill>
-                  <a:srgbClr val="0000FF"/>
-                </a:solidFill>
-                <a:latin typeface="Consolas" panose="020B0609020204030204" pitchFamily="49" charset="0"/>
-              </a:rPr>
-              <a:t>void</a:t>
-            </a:r>
-            <a:r>
-              <a:rPr lang="en-US" sz="1400" dirty="0">
-                <a:solidFill>
-                  <a:srgbClr val="000000"/>
-                </a:solidFill>
-                <a:latin typeface="Consolas" panose="020B0609020204030204" pitchFamily="49" charset="0"/>
-              </a:rPr>
-              <a:t> </a:t>
-            </a:r>
-            <a:r>
-              <a:rPr lang="en-US" sz="1400" dirty="0" err="1">
-                <a:solidFill>
-                  <a:srgbClr val="000000"/>
-                </a:solidFill>
-                <a:latin typeface="Consolas" panose="020B0609020204030204" pitchFamily="49" charset="0"/>
-              </a:rPr>
-              <a:t>GenerateMips</a:t>
-            </a:r>
-            <a:r>
-              <a:rPr lang="en-US" sz="1400" dirty="0">
-                <a:solidFill>
-                  <a:srgbClr val="000000"/>
-                </a:solidFill>
-                <a:latin typeface="Consolas" panose="020B0609020204030204" pitchFamily="49" charset="0"/>
-              </a:rPr>
-              <a:t>(</a:t>
-            </a:r>
-            <a:r>
-              <a:rPr lang="en-US" sz="1400" dirty="0" err="1">
-                <a:solidFill>
-                  <a:srgbClr val="000000"/>
-                </a:solidFill>
-                <a:latin typeface="Consolas" panose="020B0609020204030204" pitchFamily="49" charset="0"/>
-              </a:rPr>
-              <a:t>RenderTexture</a:t>
-            </a:r>
-            <a:r>
-              <a:rPr lang="en-US" sz="1400" dirty="0">
-                <a:solidFill>
-                  <a:srgbClr val="000000"/>
-                </a:solidFill>
-                <a:latin typeface="Consolas" panose="020B0609020204030204" pitchFamily="49" charset="0"/>
-              </a:rPr>
-              <a:t> rt);</a:t>
-            </a:r>
-          </a:p>
-          <a:p>
-            <a:endParaRPr lang="en-US" sz="1400" dirty="0">
-              <a:solidFill>
-                <a:srgbClr val="0000FF"/>
-              </a:solidFill>
-              <a:latin typeface="Consolas" panose="020B0609020204030204" pitchFamily="49" charset="0"/>
-            </a:endParaRPr>
-          </a:p>
-          <a:p>
-            <a:r>
-              <a:rPr lang="en-US" sz="1400" dirty="0">
-                <a:solidFill>
-                  <a:srgbClr val="0000FF"/>
-                </a:solidFill>
-                <a:latin typeface="Consolas" panose="020B0609020204030204" pitchFamily="49" charset="0"/>
-              </a:rPr>
-              <a:t>public</a:t>
-            </a:r>
-            <a:r>
-              <a:rPr lang="en-US" sz="1400" dirty="0">
-                <a:solidFill>
-                  <a:srgbClr val="000000"/>
-                </a:solidFill>
-                <a:latin typeface="Consolas" panose="020B0609020204030204" pitchFamily="49" charset="0"/>
-              </a:rPr>
-              <a:t> </a:t>
-            </a:r>
-            <a:r>
-              <a:rPr lang="en-US" sz="1400" dirty="0">
-                <a:solidFill>
-                  <a:srgbClr val="0000FF"/>
-                </a:solidFill>
-                <a:latin typeface="Consolas" panose="020B0609020204030204" pitchFamily="49" charset="0"/>
-              </a:rPr>
-              <a:t>void</a:t>
-            </a:r>
-            <a:r>
-              <a:rPr lang="en-US" sz="1400" dirty="0">
-                <a:solidFill>
-                  <a:srgbClr val="000000"/>
-                </a:solidFill>
-                <a:latin typeface="Consolas" panose="020B0609020204030204" pitchFamily="49" charset="0"/>
-              </a:rPr>
-              <a:t> </a:t>
-            </a:r>
-            <a:r>
-              <a:rPr lang="en-US" sz="1400" dirty="0" err="1">
-                <a:solidFill>
-                  <a:srgbClr val="000000"/>
-                </a:solidFill>
-                <a:latin typeface="Consolas" panose="020B0609020204030204" pitchFamily="49" charset="0"/>
-              </a:rPr>
-              <a:t>RequestAsyncReadback</a:t>
-            </a:r>
-            <a:r>
-              <a:rPr lang="en-US" sz="1400" dirty="0">
-                <a:solidFill>
-                  <a:srgbClr val="000000"/>
-                </a:solidFill>
-                <a:latin typeface="Consolas" panose="020B0609020204030204" pitchFamily="49" charset="0"/>
-              </a:rPr>
-              <a:t>(</a:t>
-            </a:r>
-            <a:r>
-              <a:rPr lang="en-US" sz="1400" dirty="0" err="1">
-                <a:solidFill>
-                  <a:srgbClr val="000000"/>
-                </a:solidFill>
-                <a:latin typeface="Consolas" panose="020B0609020204030204" pitchFamily="49" charset="0"/>
-              </a:rPr>
-              <a:t>ComputeBuffer</a:t>
-            </a:r>
-            <a:r>
-              <a:rPr lang="en-US" sz="1400" dirty="0">
-                <a:solidFill>
-                  <a:srgbClr val="000000"/>
-                </a:solidFill>
-                <a:latin typeface="Consolas" panose="020B0609020204030204" pitchFamily="49" charset="0"/>
-              </a:rPr>
-              <a:t> </a:t>
-            </a:r>
-            <a:r>
-              <a:rPr lang="en-US" sz="1400" dirty="0" err="1">
-                <a:solidFill>
-                  <a:srgbClr val="000000"/>
-                </a:solidFill>
-                <a:latin typeface="Consolas" panose="020B0609020204030204" pitchFamily="49" charset="0"/>
-              </a:rPr>
-              <a:t>src</a:t>
-            </a:r>
-            <a:r>
-              <a:rPr lang="en-US" sz="1400" dirty="0">
-                <a:solidFill>
-                  <a:srgbClr val="000000"/>
-                </a:solidFill>
-                <a:latin typeface="Consolas" panose="020B0609020204030204" pitchFamily="49" charset="0"/>
-              </a:rPr>
-              <a:t>, </a:t>
-            </a:r>
-            <a:r>
-              <a:rPr lang="en-US" sz="1400" dirty="0">
-                <a:solidFill>
-                  <a:srgbClr val="0000FF"/>
-                </a:solidFill>
-                <a:latin typeface="Consolas" panose="020B0609020204030204" pitchFamily="49" charset="0"/>
-              </a:rPr>
-              <a:t>int</a:t>
-            </a:r>
-            <a:r>
-              <a:rPr lang="en-US" sz="1400" dirty="0">
-                <a:solidFill>
-                  <a:srgbClr val="000000"/>
-                </a:solidFill>
-                <a:latin typeface="Consolas" panose="020B0609020204030204" pitchFamily="49" charset="0"/>
-              </a:rPr>
-              <a:t> size, </a:t>
-            </a:r>
-            <a:r>
-              <a:rPr lang="en-US" sz="1400" dirty="0">
-                <a:solidFill>
-                  <a:srgbClr val="0000FF"/>
-                </a:solidFill>
-                <a:latin typeface="Consolas" panose="020B0609020204030204" pitchFamily="49" charset="0"/>
-              </a:rPr>
-              <a:t>int</a:t>
-            </a:r>
-            <a:r>
-              <a:rPr lang="en-US" sz="1400" dirty="0">
-                <a:solidFill>
-                  <a:srgbClr val="000000"/>
-                </a:solidFill>
-                <a:latin typeface="Consolas" panose="020B0609020204030204" pitchFamily="49" charset="0"/>
-              </a:rPr>
-              <a:t> offset, Action&lt;</a:t>
-            </a:r>
-            <a:r>
-              <a:rPr lang="en-US" sz="1400" dirty="0" err="1">
-                <a:solidFill>
-                  <a:srgbClr val="000000"/>
-                </a:solidFill>
-                <a:latin typeface="Consolas" panose="020B0609020204030204" pitchFamily="49" charset="0"/>
-              </a:rPr>
-              <a:t>AsyncGPUReadbackRequest</a:t>
-            </a:r>
-            <a:r>
-              <a:rPr lang="en-US" sz="1400" dirty="0">
-                <a:solidFill>
-                  <a:srgbClr val="000000"/>
-                </a:solidFill>
-                <a:latin typeface="Consolas" panose="020B0609020204030204" pitchFamily="49" charset="0"/>
-              </a:rPr>
-              <a:t>&gt; callback);</a:t>
-            </a:r>
-          </a:p>
-          <a:p>
-            <a:r>
-              <a:rPr lang="en-US" sz="1400" dirty="0">
-                <a:solidFill>
-                  <a:srgbClr val="0000FF"/>
-                </a:solidFill>
-                <a:latin typeface="Consolas" panose="020B0609020204030204" pitchFamily="49" charset="0"/>
-              </a:rPr>
-              <a:t>public</a:t>
-            </a:r>
-            <a:r>
-              <a:rPr lang="en-US" sz="1400" dirty="0">
-                <a:solidFill>
-                  <a:srgbClr val="000000"/>
-                </a:solidFill>
-                <a:latin typeface="Consolas" panose="020B0609020204030204" pitchFamily="49" charset="0"/>
-              </a:rPr>
-              <a:t> </a:t>
-            </a:r>
-            <a:r>
-              <a:rPr lang="en-US" sz="1400" dirty="0">
-                <a:solidFill>
-                  <a:srgbClr val="0000FF"/>
-                </a:solidFill>
-                <a:latin typeface="Consolas" panose="020B0609020204030204" pitchFamily="49" charset="0"/>
-              </a:rPr>
-              <a:t>void</a:t>
-            </a:r>
-            <a:r>
-              <a:rPr lang="en-US" sz="1400" dirty="0">
-                <a:solidFill>
-                  <a:srgbClr val="000000"/>
-                </a:solidFill>
-                <a:latin typeface="Consolas" panose="020B0609020204030204" pitchFamily="49" charset="0"/>
-              </a:rPr>
-              <a:t> </a:t>
-            </a:r>
-            <a:r>
-              <a:rPr lang="en-US" sz="1400" dirty="0" err="1">
-                <a:solidFill>
-                  <a:srgbClr val="000000"/>
-                </a:solidFill>
-                <a:latin typeface="Consolas" panose="020B0609020204030204" pitchFamily="49" charset="0"/>
-              </a:rPr>
-              <a:t>SetComputeBufferParam</a:t>
-            </a:r>
-            <a:r>
-              <a:rPr lang="en-US" sz="1400" dirty="0">
-                <a:solidFill>
-                  <a:srgbClr val="000000"/>
-                </a:solidFill>
-                <a:latin typeface="Consolas" panose="020B0609020204030204" pitchFamily="49" charset="0"/>
-              </a:rPr>
-              <a:t>([</a:t>
-            </a:r>
-            <a:r>
-              <a:rPr lang="en-US" sz="1400" dirty="0" err="1">
-                <a:solidFill>
-                  <a:srgbClr val="000000"/>
-                </a:solidFill>
-                <a:latin typeface="Consolas" panose="020B0609020204030204" pitchFamily="49" charset="0"/>
-              </a:rPr>
-              <a:t>NotNull</a:t>
-            </a:r>
-            <a:r>
-              <a:rPr lang="en-US" sz="1400" dirty="0">
-                <a:solidFill>
-                  <a:srgbClr val="000000"/>
-                </a:solidFill>
-                <a:latin typeface="Consolas" panose="020B0609020204030204" pitchFamily="49" charset="0"/>
-              </a:rPr>
-              <a:t>] </a:t>
-            </a:r>
-            <a:r>
-              <a:rPr lang="en-US" sz="1400" dirty="0" err="1">
-                <a:solidFill>
-                  <a:srgbClr val="000000"/>
-                </a:solidFill>
-                <a:latin typeface="Consolas" panose="020B0609020204030204" pitchFamily="49" charset="0"/>
-              </a:rPr>
-              <a:t>ComputeShader</a:t>
-            </a:r>
-            <a:r>
-              <a:rPr lang="en-US" sz="1400" dirty="0">
-                <a:solidFill>
-                  <a:srgbClr val="000000"/>
-                </a:solidFill>
-                <a:latin typeface="Consolas" panose="020B0609020204030204" pitchFamily="49" charset="0"/>
-              </a:rPr>
-              <a:t> </a:t>
-            </a:r>
-            <a:r>
-              <a:rPr lang="en-US" sz="1400" dirty="0" err="1">
-                <a:solidFill>
-                  <a:srgbClr val="000000"/>
-                </a:solidFill>
-                <a:latin typeface="Consolas" panose="020B0609020204030204" pitchFamily="49" charset="0"/>
-              </a:rPr>
-              <a:t>computeShader</a:t>
-            </a:r>
-            <a:r>
-              <a:rPr lang="en-US" sz="1400" dirty="0">
-                <a:solidFill>
-                  <a:srgbClr val="000000"/>
-                </a:solidFill>
-                <a:latin typeface="Consolas" panose="020B0609020204030204" pitchFamily="49" charset="0"/>
-              </a:rPr>
-              <a:t>, </a:t>
-            </a:r>
-            <a:r>
-              <a:rPr lang="en-US" sz="1400" dirty="0">
-                <a:solidFill>
-                  <a:srgbClr val="0000FF"/>
-                </a:solidFill>
-                <a:latin typeface="Consolas" panose="020B0609020204030204" pitchFamily="49" charset="0"/>
-              </a:rPr>
-              <a:t>int</a:t>
-            </a:r>
-            <a:r>
-              <a:rPr lang="en-US" sz="1400" dirty="0">
-                <a:solidFill>
-                  <a:srgbClr val="000000"/>
-                </a:solidFill>
-                <a:latin typeface="Consolas" panose="020B0609020204030204" pitchFamily="49" charset="0"/>
-              </a:rPr>
-              <a:t> </a:t>
-            </a:r>
-            <a:r>
-              <a:rPr lang="en-US" sz="1400" dirty="0" err="1">
-                <a:solidFill>
-                  <a:srgbClr val="000000"/>
-                </a:solidFill>
-                <a:latin typeface="Consolas" panose="020B0609020204030204" pitchFamily="49" charset="0"/>
-              </a:rPr>
-              <a:t>kernelIndex</a:t>
-            </a:r>
-            <a:r>
-              <a:rPr lang="en-US" sz="1400" dirty="0">
-                <a:solidFill>
-                  <a:srgbClr val="000000"/>
-                </a:solidFill>
-                <a:latin typeface="Consolas" panose="020B0609020204030204" pitchFamily="49" charset="0"/>
-              </a:rPr>
-              <a:t>, </a:t>
-            </a:r>
-            <a:r>
-              <a:rPr lang="en-US" sz="1400" dirty="0">
-                <a:solidFill>
-                  <a:srgbClr val="0000FF"/>
-                </a:solidFill>
-                <a:latin typeface="Consolas" panose="020B0609020204030204" pitchFamily="49" charset="0"/>
-              </a:rPr>
-              <a:t>int</a:t>
-            </a:r>
-            <a:r>
-              <a:rPr lang="en-US" sz="1400" dirty="0">
-                <a:solidFill>
-                  <a:srgbClr val="000000"/>
-                </a:solidFill>
-                <a:latin typeface="Consolas" panose="020B0609020204030204" pitchFamily="49" charset="0"/>
-              </a:rPr>
-              <a:t> </a:t>
-            </a:r>
-            <a:r>
-              <a:rPr lang="en-US" sz="1400" dirty="0" err="1">
-                <a:solidFill>
-                  <a:srgbClr val="000000"/>
-                </a:solidFill>
-                <a:latin typeface="Consolas" panose="020B0609020204030204" pitchFamily="49" charset="0"/>
-              </a:rPr>
-              <a:t>nameID</a:t>
-            </a:r>
-            <a:r>
-              <a:rPr lang="en-US" sz="1400" dirty="0">
-                <a:solidFill>
-                  <a:srgbClr val="000000"/>
-                </a:solidFill>
-                <a:latin typeface="Consolas" panose="020B0609020204030204" pitchFamily="49" charset="0"/>
-              </a:rPr>
-              <a:t>, </a:t>
-            </a:r>
-            <a:r>
-              <a:rPr lang="en-US" sz="1400" dirty="0" err="1">
-                <a:solidFill>
-                  <a:srgbClr val="000000"/>
-                </a:solidFill>
-                <a:latin typeface="Consolas" panose="020B0609020204030204" pitchFamily="49" charset="0"/>
-              </a:rPr>
-              <a:t>ComputeBuffer</a:t>
-            </a:r>
-            <a:r>
-              <a:rPr lang="en-US" sz="1400" dirty="0">
-                <a:solidFill>
-                  <a:srgbClr val="000000"/>
-                </a:solidFill>
-                <a:latin typeface="Consolas" panose="020B0609020204030204" pitchFamily="49" charset="0"/>
-              </a:rPr>
-              <a:t> buffer);</a:t>
-            </a:r>
-            <a:endParaRPr lang="en-US" sz="1400" dirty="0"/>
+              <a:rPr lang="en-US" sz="1600" dirty="0"/>
+              <a:t>Takeaways:</a:t>
+            </a:r>
+          </a:p>
+          <a:p>
+            <a:pPr marL="285750" indent="-285750">
+              <a:buFont typeface="Arial" panose="020B0604020202020204" pitchFamily="34" charset="0"/>
+              <a:buChar char="•"/>
+            </a:pPr>
+            <a:r>
+              <a:rPr lang="en-US" sz="1600" dirty="0"/>
+              <a:t>Nothing is rendered outside of SRP class. Without the .</a:t>
+            </a:r>
+            <a:r>
+              <a:rPr lang="en-US" sz="1600" b="1" dirty="0" err="1"/>
+              <a:t>drawSkybox</a:t>
+            </a:r>
+            <a:r>
+              <a:rPr lang="en-US" sz="1600" b="1" dirty="0"/>
+              <a:t>() </a:t>
+            </a:r>
+            <a:r>
+              <a:rPr lang="en-US" sz="1600" dirty="0"/>
+              <a:t>call, the viewport is completely blank.</a:t>
+            </a:r>
+          </a:p>
+          <a:p>
+            <a:pPr marL="285750" indent="-285750">
+              <a:buFont typeface="Arial" panose="020B0604020202020204" pitchFamily="34" charset="0"/>
+              <a:buChar char="•"/>
+            </a:pPr>
+            <a:r>
+              <a:rPr lang="en-US" sz="1600" dirty="0"/>
+              <a:t>Render commands are buffered by </a:t>
+            </a:r>
+            <a:r>
+              <a:rPr lang="en-US" sz="1600" b="1" dirty="0" err="1"/>
+              <a:t>ScriptableRenderContext</a:t>
+            </a:r>
+            <a:r>
+              <a:rPr lang="en-US" sz="1600" dirty="0"/>
+              <a:t> object</a:t>
+            </a:r>
+          </a:p>
+          <a:p>
+            <a:pPr marL="285750" indent="-285750">
+              <a:buFont typeface="Arial" panose="020B0604020202020204" pitchFamily="34" charset="0"/>
+              <a:buChar char="•"/>
+            </a:pPr>
+            <a:r>
+              <a:rPr lang="en-US" sz="1600" dirty="0"/>
+              <a:t>SRP is used all rendered views – editor, play, material editor.</a:t>
+            </a:r>
+          </a:p>
+          <a:p>
+            <a:pPr marL="285750" indent="-285750">
+              <a:buFont typeface="Arial" panose="020B0604020202020204" pitchFamily="34" charset="0"/>
+              <a:buChar char="•"/>
+            </a:pPr>
+            <a:r>
+              <a:rPr lang="en-US" sz="1600" dirty="0"/>
+              <a:t>Everything in the pipeline must be implemented in script.  </a:t>
+            </a:r>
+          </a:p>
+          <a:p>
+            <a:pPr marL="285750" indent="-285750">
+              <a:buFont typeface="Arial" panose="020B0604020202020204" pitchFamily="34" charset="0"/>
+              <a:buChar char="•"/>
+            </a:pPr>
+            <a:r>
+              <a:rPr lang="en-US" sz="1600" dirty="0" err="1"/>
+              <a:t>GameObjects</a:t>
+            </a:r>
+            <a:r>
+              <a:rPr lang="en-US" sz="1600" dirty="0"/>
+              <a:t>, materials, and other settings are available to the renderer. It’s up to the developer to decide how or if these are used. </a:t>
+            </a:r>
           </a:p>
         </p:txBody>
       </p:sp>
+      <p:pic>
+        <p:nvPicPr>
+          <p:cNvPr id="6" name="Picture 5">
+            <a:extLst>
+              <a:ext uri="{FF2B5EF4-FFF2-40B4-BE49-F238E27FC236}">
+                <a16:creationId xmlns:a16="http://schemas.microsoft.com/office/drawing/2014/main" id="{1A429A00-97F0-4219-BA63-A29CD28B3CCC}"/>
+              </a:ext>
+            </a:extLst>
+          </p:cNvPr>
+          <p:cNvPicPr>
+            <a:picLocks noChangeAspect="1"/>
+          </p:cNvPicPr>
+          <p:nvPr/>
+        </p:nvPicPr>
+        <p:blipFill>
+          <a:blip r:embed="rId3"/>
+          <a:stretch>
+            <a:fillRect/>
+          </a:stretch>
+        </p:blipFill>
+        <p:spPr>
+          <a:xfrm>
+            <a:off x="6644641" y="1605725"/>
+            <a:ext cx="5111301" cy="3859554"/>
+          </a:xfrm>
+          <a:prstGeom prst="rect">
+            <a:avLst/>
+          </a:prstGeom>
+        </p:spPr>
+      </p:pic>
     </p:spTree>
     <p:extLst>
       <p:ext uri="{BB962C8B-B14F-4D97-AF65-F5344CB8AC3E}">
-        <p14:creationId xmlns:p14="http://schemas.microsoft.com/office/powerpoint/2010/main" val="1650590320"/>
+        <p14:creationId xmlns:p14="http://schemas.microsoft.com/office/powerpoint/2010/main" val="2888763724"/>
       </p:ext>
     </p:extLst>
   </p:cSld>
@@ -13090,18 +16022,18 @@
 </file>
 
 <file path=customXml/item2.xml><?xml version="1.0" encoding="utf-8"?>
+<p:properties xmlns:p="http://schemas.microsoft.com/office/2006/metadata/properties" xmlns:xsi="http://www.w3.org/2001/XMLSchema-instance" xmlns:pc="http://schemas.microsoft.com/office/infopath/2007/PartnerControls">
+  <documentManagement/>
+</p:properties>
+</file>
+
+<file path=customXml/item3.xml><?xml version="1.0" encoding="utf-8"?>
 <?mso-contentType ?>
 <FormTemplates xmlns="http://schemas.microsoft.com/sharepoint/v3/contenttype/forms">
   <Display>DocumentLibraryForm</Display>
   <Edit>DocumentLibraryForm</Edit>
   <New>DocumentLibraryForm</New>
 </FormTemplates>
-</file>
-
-<file path=customXml/item3.xml><?xml version="1.0" encoding="utf-8"?>
-<p:properties xmlns:p="http://schemas.microsoft.com/office/2006/metadata/properties" xmlns:xsi="http://www.w3.org/2001/XMLSchema-instance" xmlns:pc="http://schemas.microsoft.com/office/infopath/2007/PartnerControls">
-  <documentManagement/>
-</p:properties>
 </file>
 
 <file path=customXml/itemProps1.xml><?xml version="1.0" encoding="utf-8"?>
@@ -13124,14 +16056,6 @@
 </file>
 
 <file path=customXml/itemProps2.xml><?xml version="1.0" encoding="utf-8"?>
-<ds:datastoreItem xmlns:ds="http://schemas.openxmlformats.org/officeDocument/2006/customXml" ds:itemID="{B855E1D5-2A74-43F1-8F2A-D6D26FB10819}">
-  <ds:schemaRefs>
-    <ds:schemaRef ds:uri="http://schemas.microsoft.com/sharepoint/v3/contenttype/forms"/>
-  </ds:schemaRefs>
-</ds:datastoreItem>
-</file>
-
-<file path=customXml/itemProps3.xml><?xml version="1.0" encoding="utf-8"?>
 <ds:datastoreItem xmlns:ds="http://schemas.openxmlformats.org/officeDocument/2006/customXml" ds:itemID="{E396BC82-30C7-491C-9E83-C9FC84CE0250}">
   <ds:schemaRefs>
     <ds:schemaRef ds:uri="http://purl.org/dc/dcmitype/"/>
@@ -13146,4 +16070,12 @@
     <ds:schemaRef ds:uri="7691373a-f030-4374-98b9-64678e3b8f7d"/>
   </ds:schemaRefs>
 </ds:datastoreItem>
+</file>
+
+<file path=customXml/itemProps3.xml><?xml version="1.0" encoding="utf-8"?>
+<ds:datastoreItem xmlns:ds="http://schemas.openxmlformats.org/officeDocument/2006/customXml" ds:itemID="{B855E1D5-2A74-43F1-8F2A-D6D26FB10819}">
+  <ds:schemaRefs>
+    <ds:schemaRef ds:uri="http://schemas.microsoft.com/sharepoint/v3/contenttype/forms"/>
+  </ds:schemaRefs>
+</ds:datastoreItem>
 </file>
--- a/HDRP.pptx
+++ b/HDRP.pptx
@@ -6,14 +6,14 @@
     <p:sldMasterId id="2147483881" r:id="rId5"/>
   </p:sldMasterIdLst>
   <p:notesMasterIdLst>
-    <p:notesMasterId r:id="rId22"/>
+    <p:notesMasterId r:id="rId23"/>
   </p:notesMasterIdLst>
   <p:sldIdLst>
     <p:sldId id="8454" r:id="rId6"/>
     <p:sldId id="8456" r:id="rId7"/>
     <p:sldId id="8459" r:id="rId8"/>
-    <p:sldId id="8466" r:id="rId9"/>
-    <p:sldId id="8467" r:id="rId10"/>
+    <p:sldId id="8467" r:id="rId9"/>
+    <p:sldId id="8466" r:id="rId10"/>
     <p:sldId id="8461" r:id="rId11"/>
     <p:sldId id="8460" r:id="rId12"/>
     <p:sldId id="8464" r:id="rId13"/>
@@ -24,7 +24,8 @@
     <p:sldId id="8471" r:id="rId18"/>
     <p:sldId id="8469" r:id="rId19"/>
     <p:sldId id="8470" r:id="rId20"/>
-    <p:sldId id="8419" r:id="rId21"/>
+    <p:sldId id="8472" r:id="rId21"/>
+    <p:sldId id="8419" r:id="rId22"/>
   </p:sldIdLst>
   <p:sldSz cx="12192000" cy="6858000"/>
   <p:notesSz cx="6858000" cy="9144000"/>
@@ -552,7 +553,7 @@
           <a:p>
             <a:r>
               <a:rPr lang="en-US" dirty="0"/>
-              <a:t>The engine still controls culling internally. This may be exposed to script in future release. </a:t>
+              <a:t>Project available at https://github.com/david-lively/CustomSRP</a:t>
             </a:r>
           </a:p>
         </p:txBody>
@@ -574,6 +575,189 @@
           <a:p>
             <a:fld id="{267AA8F3-DEF8-A047-9B8D-3E6344CC3BED}" type="slidenum">
               <a:rPr lang="en-US" smtClean="0"/>
+              <a:t>5</a:t>
+            </a:fld>
+            <a:endParaRPr lang="en-US"/>
+          </a:p>
+        </p:txBody>
+      </p:sp>
+    </p:spTree>
+    <p:extLst>
+      <p:ext uri="{BB962C8B-B14F-4D97-AF65-F5344CB8AC3E}">
+        <p14:creationId xmlns:p14="http://schemas.microsoft.com/office/powerpoint/2010/main" val="3381494534"/>
+      </p:ext>
+    </p:extLst>
+  </p:cSld>
+  <p:clrMapOvr>
+    <a:masterClrMapping/>
+  </p:clrMapOvr>
+</p:notes>
+</file>
+
+<file path=ppt/notesSlides/notesSlide2.xml><?xml version="1.0" encoding="utf-8"?>
+<p:notes xmlns:a="http://schemas.openxmlformats.org/drawingml/2006/main" xmlns:r="http://schemas.openxmlformats.org/officeDocument/2006/relationships" xmlns:p="http://schemas.openxmlformats.org/presentationml/2006/main">
+  <p:cSld>
+    <p:spTree>
+      <p:nvGrpSpPr>
+        <p:cNvPr id="1" name=""/>
+        <p:cNvGrpSpPr/>
+        <p:nvPr/>
+      </p:nvGrpSpPr>
+      <p:grpSpPr>
+        <a:xfrm>
+          <a:off x="0" y="0"/>
+          <a:ext cx="0" cy="0"/>
+          <a:chOff x="0" y="0"/>
+          <a:chExt cx="0" cy="0"/>
+        </a:xfrm>
+      </p:grpSpPr>
+      <p:sp>
+        <p:nvSpPr>
+          <p:cNvPr id="2" name="Slide Image Placeholder 1"/>
+          <p:cNvSpPr>
+            <a:spLocks noGrp="1" noRot="1" noChangeAspect="1"/>
+          </p:cNvSpPr>
+          <p:nvPr>
+            <p:ph type="sldImg"/>
+          </p:nvPr>
+        </p:nvSpPr>
+        <p:spPr/>
+      </p:sp>
+      <p:sp>
+        <p:nvSpPr>
+          <p:cNvPr id="3" name="Notes Placeholder 2"/>
+          <p:cNvSpPr>
+            <a:spLocks noGrp="1"/>
+          </p:cNvSpPr>
+          <p:nvPr>
+            <p:ph type="body" idx="1"/>
+          </p:nvPr>
+        </p:nvSpPr>
+        <p:spPr/>
+        <p:txBody>
+          <a:bodyPr/>
+          <a:lstStyle/>
+          <a:p>
+            <a:r>
+              <a:rPr lang="en-US" dirty="0"/>
+              <a:t>See https://github.com/david-lively/CustomSRP</a:t>
+            </a:r>
+          </a:p>
+          <a:p>
+            <a:r>
+              <a:rPr lang="en-US" dirty="0"/>
+              <a:t>Some material borrowed from https://blogs.unity3d.com/2018/01/31/srp-overview/</a:t>
+            </a:r>
+          </a:p>
+          <a:p>
+            <a:endParaRPr lang="en-US" dirty="0"/>
+          </a:p>
+        </p:txBody>
+      </p:sp>
+      <p:sp>
+        <p:nvSpPr>
+          <p:cNvPr id="4" name="Slide Number Placeholder 3"/>
+          <p:cNvSpPr>
+            <a:spLocks noGrp="1"/>
+          </p:cNvSpPr>
+          <p:nvPr>
+            <p:ph type="sldNum" sz="quarter" idx="5"/>
+          </p:nvPr>
+        </p:nvSpPr>
+        <p:spPr/>
+        <p:txBody>
+          <a:bodyPr/>
+          <a:lstStyle/>
+          <a:p>
+            <a:fld id="{267AA8F3-DEF8-A047-9B8D-3E6344CC3BED}" type="slidenum">
+              <a:rPr lang="en-US" smtClean="0"/>
+              <a:t>6</a:t>
+            </a:fld>
+            <a:endParaRPr lang="en-US"/>
+          </a:p>
+        </p:txBody>
+      </p:sp>
+    </p:spTree>
+    <p:extLst>
+      <p:ext uri="{BB962C8B-B14F-4D97-AF65-F5344CB8AC3E}">
+        <p14:creationId xmlns:p14="http://schemas.microsoft.com/office/powerpoint/2010/main" val="1480015079"/>
+      </p:ext>
+    </p:extLst>
+  </p:cSld>
+  <p:clrMapOvr>
+    <a:masterClrMapping/>
+  </p:clrMapOvr>
+</p:notes>
+</file>
+
+<file path=ppt/notesSlides/notesSlide3.xml><?xml version="1.0" encoding="utf-8"?>
+<p:notes xmlns:a="http://schemas.openxmlformats.org/drawingml/2006/main" xmlns:r="http://schemas.openxmlformats.org/officeDocument/2006/relationships" xmlns:p="http://schemas.openxmlformats.org/presentationml/2006/main">
+  <p:cSld>
+    <p:spTree>
+      <p:nvGrpSpPr>
+        <p:cNvPr id="1" name=""/>
+        <p:cNvGrpSpPr/>
+        <p:nvPr/>
+      </p:nvGrpSpPr>
+      <p:grpSpPr>
+        <a:xfrm>
+          <a:off x="0" y="0"/>
+          <a:ext cx="0" cy="0"/>
+          <a:chOff x="0" y="0"/>
+          <a:chExt cx="0" cy="0"/>
+        </a:xfrm>
+      </p:grpSpPr>
+      <p:sp>
+        <p:nvSpPr>
+          <p:cNvPr id="2" name="Slide Image Placeholder 1"/>
+          <p:cNvSpPr>
+            <a:spLocks noGrp="1" noRot="1" noChangeAspect="1"/>
+          </p:cNvSpPr>
+          <p:nvPr>
+            <p:ph type="sldImg"/>
+          </p:nvPr>
+        </p:nvSpPr>
+        <p:spPr/>
+      </p:sp>
+      <p:sp>
+        <p:nvSpPr>
+          <p:cNvPr id="3" name="Notes Placeholder 2"/>
+          <p:cNvSpPr>
+            <a:spLocks noGrp="1"/>
+          </p:cNvSpPr>
+          <p:nvPr>
+            <p:ph type="body" idx="1"/>
+          </p:nvPr>
+        </p:nvSpPr>
+        <p:spPr/>
+        <p:txBody>
+          <a:bodyPr/>
+          <a:lstStyle/>
+          <a:p>
+            <a:r>
+              <a:rPr lang="en-US" dirty="0"/>
+              <a:t>The engine still controls culling internally. This may be exposed to script in future release. </a:t>
+            </a:r>
+          </a:p>
+        </p:txBody>
+      </p:sp>
+      <p:sp>
+        <p:nvSpPr>
+          <p:cNvPr id="4" name="Slide Number Placeholder 3"/>
+          <p:cNvSpPr>
+            <a:spLocks noGrp="1"/>
+          </p:cNvSpPr>
+          <p:nvPr>
+            <p:ph type="sldNum" sz="quarter" idx="5"/>
+          </p:nvPr>
+        </p:nvSpPr>
+        <p:spPr/>
+        <p:txBody>
+          <a:bodyPr/>
+          <a:lstStyle/>
+          <a:p>
+            <a:fld id="{267AA8F3-DEF8-A047-9B8D-3E6344CC3BED}" type="slidenum">
+              <a:rPr lang="en-US" smtClean="0"/>
               <a:t>9</a:t>
             </a:fld>
             <a:endParaRPr lang="en-US"/>
@@ -593,7 +777,7 @@
 </p:notes>
 </file>
 
-<file path=ppt/notesSlides/notesSlide2.xml><?xml version="1.0" encoding="utf-8"?>
+<file path=ppt/notesSlides/notesSlide4.xml><?xml version="1.0" encoding="utf-8"?>
 <p:notes xmlns:a="http://schemas.openxmlformats.org/drawingml/2006/main" xmlns:r="http://schemas.openxmlformats.org/officeDocument/2006/relationships" xmlns:p="http://schemas.openxmlformats.org/presentationml/2006/main">
   <p:cSld>
     <p:spTree>
@@ -12222,7 +12406,7 @@
           </a:lstStyle>
           <a:p>
             <a:r>
-              <a:rPr lang="en-US" dirty="0"/>
+              <a:rPr lang="en-US" b="1" dirty="0"/>
               <a:t>Materials are incompatible with legacy Unity materials</a:t>
             </a:r>
           </a:p>
@@ -12235,6 +12419,32 @@
               <a:rPr lang="en-US" dirty="0"/>
               <a:t>But you can overcome that by launching shaders manually</a:t>
             </a:r>
+          </a:p>
+          <a:p>
+            <a:pPr lvl="1">
+              <a:buFont typeface="Arial" panose="020B0604020202020204" pitchFamily="34" charset="0"/>
+              <a:buChar char="•"/>
+            </a:pPr>
+            <a:r>
+              <a:rPr lang="en-US" dirty="0"/>
+              <a:t>Porting a project may require significant asset rework</a:t>
+            </a:r>
+          </a:p>
+          <a:p>
+            <a:pPr lvl="1">
+              <a:buFont typeface="Arial" panose="020B0604020202020204" pitchFamily="34" charset="0"/>
+              <a:buChar char="•"/>
+            </a:pPr>
+            <a:r>
+              <a:rPr lang="en-US" dirty="0"/>
+              <a:t>Unity provides a conversion tool for standard materials. </a:t>
+            </a:r>
+          </a:p>
+          <a:p>
+            <a:pPr marL="276171" lvl="1" indent="0">
+              <a:buNone/>
+            </a:pPr>
+            <a:endParaRPr lang="en-US" dirty="0"/>
           </a:p>
           <a:p>
             <a:pPr lvl="1">
@@ -12553,7 +12763,7 @@
           <a:p>
             <a:r>
               <a:rPr lang="en-US" dirty="0"/>
-              <a:t>HDRP frame lifecycle</a:t>
+              <a:t>HDRP - frame lifecycle </a:t>
             </a:r>
           </a:p>
         </p:txBody>
@@ -12579,7 +12789,14 @@
           <a:bodyPr/>
           <a:lstStyle/>
           <a:p>
-            <a:endParaRPr lang="en-US" dirty="0"/>
+            <a:r>
+              <a:rPr lang="en-US" dirty="0" err="1"/>
+              <a:t>MegaCity</a:t>
+            </a:r>
+            <a:r>
+              <a:rPr lang="en-US" dirty="0"/>
+              <a:t> demo used for frame analysis</a:t>
+            </a:r>
           </a:p>
         </p:txBody>
       </p:sp>
@@ -12609,6 +12826,139 @@
 </file>
 
 <file path=ppt/slides/slide16.xml><?xml version="1.0" encoding="utf-8"?>
+<p:sld xmlns:a="http://schemas.openxmlformats.org/drawingml/2006/main" xmlns:r="http://schemas.openxmlformats.org/officeDocument/2006/relationships" xmlns:p="http://schemas.openxmlformats.org/presentationml/2006/main">
+  <p:cSld>
+    <p:spTree>
+      <p:nvGrpSpPr>
+        <p:cNvPr id="1" name=""/>
+        <p:cNvGrpSpPr/>
+        <p:nvPr/>
+      </p:nvGrpSpPr>
+      <p:grpSpPr>
+        <a:xfrm>
+          <a:off x="0" y="0"/>
+          <a:ext cx="0" cy="0"/>
+          <a:chOff x="0" y="0"/>
+          <a:chExt cx="0" cy="0"/>
+        </a:xfrm>
+      </p:grpSpPr>
+      <p:sp>
+        <p:nvSpPr>
+          <p:cNvPr id="2" name="Title 1">
+            <a:extLst>
+              <a:ext uri="{FF2B5EF4-FFF2-40B4-BE49-F238E27FC236}">
+                <a16:creationId xmlns:a16="http://schemas.microsoft.com/office/drawing/2014/main" id="{C759B01D-D992-44BD-89A9-313BAB54CE3F}"/>
+              </a:ext>
+            </a:extLst>
+          </p:cNvPr>
+          <p:cNvSpPr>
+            <a:spLocks noGrp="1"/>
+          </p:cNvSpPr>
+          <p:nvPr>
+            <p:ph type="title"/>
+          </p:nvPr>
+        </p:nvSpPr>
+        <p:spPr/>
+        <p:txBody>
+          <a:bodyPr/>
+          <a:lstStyle/>
+          <a:p>
+            <a:r>
+              <a:rPr lang="en-US" dirty="0"/>
+              <a:t>HDRP frame analysis</a:t>
+            </a:r>
+          </a:p>
+        </p:txBody>
+      </p:sp>
+      <p:pic>
+        <p:nvPicPr>
+          <p:cNvPr id="4" name="Picture 3">
+            <a:extLst>
+              <a:ext uri="{FF2B5EF4-FFF2-40B4-BE49-F238E27FC236}">
+                <a16:creationId xmlns:a16="http://schemas.microsoft.com/office/drawing/2014/main" id="{56D0B974-D282-44D6-BB15-4B4CE3B1752E}"/>
+              </a:ext>
+            </a:extLst>
+          </p:cNvPr>
+          <p:cNvPicPr>
+            <a:picLocks noChangeAspect="1"/>
+          </p:cNvPicPr>
+          <p:nvPr/>
+        </p:nvPicPr>
+        <p:blipFill>
+          <a:blip r:embed="rId2"/>
+          <a:stretch>
+            <a:fillRect/>
+          </a:stretch>
+        </p:blipFill>
+        <p:spPr>
+          <a:xfrm>
+            <a:off x="6516188" y="1462081"/>
+            <a:ext cx="5436097" cy="4526675"/>
+          </a:xfrm>
+          <a:prstGeom prst="rect">
+            <a:avLst/>
+          </a:prstGeom>
+        </p:spPr>
+      </p:pic>
+      <p:sp>
+        <p:nvSpPr>
+          <p:cNvPr id="3" name="Text Placeholder 2">
+            <a:extLst>
+              <a:ext uri="{FF2B5EF4-FFF2-40B4-BE49-F238E27FC236}">
+                <a16:creationId xmlns:a16="http://schemas.microsoft.com/office/drawing/2014/main" id="{1BE23C46-0A92-412E-BDDF-9E3007F5545C}"/>
+              </a:ext>
+            </a:extLst>
+          </p:cNvPr>
+          <p:cNvSpPr>
+            <a:spLocks noGrp="1"/>
+          </p:cNvSpPr>
+          <p:nvPr>
+            <p:ph type="body" sz="quarter" idx="10"/>
+          </p:nvPr>
+        </p:nvSpPr>
+        <p:spPr>
+          <a:xfrm>
+            <a:off x="548641" y="1462081"/>
+            <a:ext cx="5857803" cy="4526675"/>
+          </a:xfrm>
+        </p:spPr>
+        <p:txBody>
+          <a:bodyPr/>
+          <a:lstStyle/>
+          <a:p>
+            <a:pPr marL="0" indent="0">
+              <a:buNone/>
+            </a:pPr>
+            <a:endParaRPr lang="en-US" dirty="0"/>
+          </a:p>
+        </p:txBody>
+      </p:sp>
+    </p:spTree>
+    <p:extLst>
+      <p:ext uri="{BB962C8B-B14F-4D97-AF65-F5344CB8AC3E}">
+        <p14:creationId xmlns:p14="http://schemas.microsoft.com/office/powerpoint/2010/main" val="1157206297"/>
+      </p:ext>
+    </p:extLst>
+  </p:cSld>
+  <p:clrMapOvr>
+    <a:masterClrMapping/>
+  </p:clrMapOvr>
+  <mc:AlternateContent xmlns:mc="http://schemas.openxmlformats.org/markup-compatibility/2006" xmlns:p14="http://schemas.microsoft.com/office/powerpoint/2010/main">
+    <mc:Choice Requires="p14">
+      <p:transition spd="med" p14:dur="700">
+        <p:fade/>
+      </p:transition>
+    </mc:Choice>
+    <mc:Fallback xmlns="">
+      <p:transition spd="med">
+        <p:fade/>
+      </p:transition>
+    </mc:Fallback>
+  </mc:AlternateContent>
+</p:sld>
+</file>
+
+<file path=ppt/slides/slide17.xml><?xml version="1.0" encoding="utf-8"?>
 <p:sld xmlns:a="http://schemas.openxmlformats.org/drawingml/2006/main" xmlns:r="http://schemas.openxmlformats.org/officeDocument/2006/relationships" xmlns:p="http://schemas.openxmlformats.org/presentationml/2006/main">
   <p:cSld>
     <p:spTree>
@@ -13148,7 +13498,7 @@
           <p:cNvPr id="2" name="Title 1">
             <a:extLst>
               <a:ext uri="{FF2B5EF4-FFF2-40B4-BE49-F238E27FC236}">
-                <a16:creationId xmlns:a16="http://schemas.microsoft.com/office/drawing/2014/main" id="{5AA13780-9C36-4824-A33D-CAA4205A1642}"/>
+                <a16:creationId xmlns:a16="http://schemas.microsoft.com/office/drawing/2014/main" id="{A18BB974-058F-4994-9A55-AEB0F682689A}"/>
               </a:ext>
             </a:extLst>
           </p:cNvPr>
@@ -13161,22 +13511,12 @@
         </p:nvSpPr>
         <p:spPr/>
         <p:txBody>
-          <a:bodyPr>
-            <a:normAutofit fontScale="90000"/>
-          </a:bodyPr>
+          <a:bodyPr/>
           <a:lstStyle/>
           <a:p>
             <a:r>
               <a:rPr lang="en-US" dirty="0"/>
-              <a:t>Custom </a:t>
-            </a:r>
-            <a:r>
-              <a:rPr lang="en-US" dirty="0" err="1"/>
-              <a:t>rp</a:t>
-            </a:r>
-            <a:r>
-              <a:rPr lang="en-US" dirty="0"/>
-              <a:t> – the simplest possible render</a:t>
+              <a:t>SRP – basic usage</a:t>
             </a:r>
           </a:p>
         </p:txBody>
@@ -13186,7 +13526,7 @@
           <p:cNvPr id="3" name="Text Placeholder 2">
             <a:extLst>
               <a:ext uri="{FF2B5EF4-FFF2-40B4-BE49-F238E27FC236}">
-                <a16:creationId xmlns:a16="http://schemas.microsoft.com/office/drawing/2014/main" id="{737EF0B9-08E5-47B8-B309-C51DA196E134}"/>
+                <a16:creationId xmlns:a16="http://schemas.microsoft.com/office/drawing/2014/main" id="{46818E35-48C1-4735-B242-67B6DF0015A3}"/>
               </a:ext>
             </a:extLst>
           </p:cNvPr>
@@ -13203,20 +13543,89 @@
           <a:lstStyle/>
           <a:p>
             <a:r>
-              <a:rPr lang="en-US" dirty="0"/>
-              <a:t>Simplest possible render pipeline system</a:t>
-            </a:r>
-          </a:p>
-          <a:p>
-            <a:r>
-              <a:rPr lang="en-US" dirty="0"/>
-              <a:t>Illustrates a higher-level view of HDRP that’s a little easier to parse</a:t>
-            </a:r>
-          </a:p>
-          <a:p>
-            <a:r>
-              <a:rPr lang="en-US" dirty="0"/>
-              <a:t>Basis for later HDRP-specific discussion (HDRP inherits from SRP)</a:t>
+              <a:rPr lang="en-US" dirty="0" err="1"/>
+              <a:t>RenderPipeline.Render</a:t>
+            </a:r>
+            <a:r>
+              <a:rPr lang="en-US" dirty="0"/>
+              <a:t>()</a:t>
+            </a:r>
+          </a:p>
+          <a:p>
+            <a:pPr lvl="1"/>
+            <a:r>
+              <a:rPr lang="en-US" dirty="0"/>
+              <a:t>Culling via helper classes. RP implementations may override or ignore this. </a:t>
+            </a:r>
+          </a:p>
+          <a:p>
+            <a:pPr lvl="1"/>
+            <a:r>
+              <a:rPr lang="en-US" dirty="0"/>
+              <a:t>Render objects</a:t>
+            </a:r>
+          </a:p>
+          <a:p>
+            <a:pPr lvl="2"/>
+            <a:r>
+              <a:rPr lang="en-US" dirty="0"/>
+              <a:t>Use </a:t>
+            </a:r>
+            <a:r>
+              <a:rPr lang="en-US" dirty="0" err="1"/>
+              <a:t>Context.Draw</a:t>
+            </a:r>
+            <a:r>
+              <a:rPr lang="en-US" dirty="0"/>
+              <a:t>…() for simple tasks</a:t>
+            </a:r>
+          </a:p>
+          <a:p>
+            <a:pPr lvl="2"/>
+            <a:r>
+              <a:rPr lang="en-US" dirty="0" err="1"/>
+              <a:t>CommandBuffer.Draw</a:t>
+            </a:r>
+            <a:r>
+              <a:rPr lang="en-US" dirty="0"/>
+              <a:t>*() for more granular control</a:t>
+            </a:r>
+          </a:p>
+          <a:p>
+            <a:pPr lvl="2"/>
+            <a:r>
+              <a:rPr lang="en-US" dirty="0" err="1"/>
+              <a:t>Context.ExecuteCommandBuffer</a:t>
+            </a:r>
+            <a:r>
+              <a:rPr lang="en-US" dirty="0"/>
+              <a:t>() or .</a:t>
+            </a:r>
+            <a:r>
+              <a:rPr lang="en-US" dirty="0" err="1"/>
+              <a:t>ExecuteCommandBufferAsync</a:t>
+            </a:r>
+            <a:r>
+              <a:rPr lang="en-US" dirty="0"/>
+              <a:t>()</a:t>
+            </a:r>
+          </a:p>
+          <a:p>
+            <a:pPr lvl="1"/>
+            <a:r>
+              <a:rPr lang="en-US" dirty="0" err="1"/>
+              <a:t>Context.Submit</a:t>
+            </a:r>
+            <a:r>
+              <a:rPr lang="en-US" dirty="0"/>
+              <a:t>()</a:t>
+            </a:r>
+          </a:p>
+          <a:p>
+            <a:pPr lvl="2"/>
+            <a:r>
+              <a:rPr lang="en-US" dirty="0"/>
+              <a:t>Submit all pending commands to Unity’s render command queue. </a:t>
             </a:r>
           </a:p>
         </p:txBody>
@@ -13224,7 +13633,7 @@
     </p:spTree>
     <p:extLst>
       <p:ext uri="{BB962C8B-B14F-4D97-AF65-F5344CB8AC3E}">
-        <p14:creationId xmlns:p14="http://schemas.microsoft.com/office/powerpoint/2010/main" val="1337315614"/>
+        <p14:creationId xmlns:p14="http://schemas.microsoft.com/office/powerpoint/2010/main" val="77811361"/>
       </p:ext>
     </p:extLst>
   </p:cSld>
@@ -13268,7 +13677,7 @@
           <p:cNvPr id="2" name="Title 1">
             <a:extLst>
               <a:ext uri="{FF2B5EF4-FFF2-40B4-BE49-F238E27FC236}">
-                <a16:creationId xmlns:a16="http://schemas.microsoft.com/office/drawing/2014/main" id="{A18BB974-058F-4994-9A55-AEB0F682689A}"/>
+                <a16:creationId xmlns:a16="http://schemas.microsoft.com/office/drawing/2014/main" id="{5AA13780-9C36-4824-A33D-CAA4205A1642}"/>
               </a:ext>
             </a:extLst>
           </p:cNvPr>
@@ -13281,12 +13690,22 @@
         </p:nvSpPr>
         <p:spPr/>
         <p:txBody>
-          <a:bodyPr/>
+          <a:bodyPr>
+            <a:normAutofit/>
+          </a:bodyPr>
           <a:lstStyle/>
           <a:p>
             <a:r>
               <a:rPr lang="en-US" dirty="0"/>
-              <a:t>SRP – basic usage</a:t>
+              <a:t>Simple </a:t>
+            </a:r>
+            <a:r>
+              <a:rPr lang="en-US" dirty="0" err="1"/>
+              <a:t>rp</a:t>
+            </a:r>
+            <a:r>
+              <a:rPr lang="en-US" dirty="0"/>
+              <a:t> – the simplest possible render</a:t>
             </a:r>
           </a:p>
         </p:txBody>
@@ -13296,7 +13715,7 @@
           <p:cNvPr id="3" name="Text Placeholder 2">
             <a:extLst>
               <a:ext uri="{FF2B5EF4-FFF2-40B4-BE49-F238E27FC236}">
-                <a16:creationId xmlns:a16="http://schemas.microsoft.com/office/drawing/2014/main" id="{46818E35-48C1-4735-B242-67B6DF0015A3}"/>
+                <a16:creationId xmlns:a16="http://schemas.microsoft.com/office/drawing/2014/main" id="{737EF0B9-08E5-47B8-B309-C51DA196E134}"/>
               </a:ext>
             </a:extLst>
           </p:cNvPr>
@@ -13313,89 +13732,20 @@
           <a:lstStyle/>
           <a:p>
             <a:r>
-              <a:rPr lang="en-US" dirty="0" err="1"/>
-              <a:t>RenderPipeline.Render</a:t>
-            </a:r>
-            <a:r>
-              <a:rPr lang="en-US" dirty="0"/>
-              <a:t>()</a:t>
-            </a:r>
-          </a:p>
-          <a:p>
-            <a:pPr lvl="1"/>
-            <a:r>
-              <a:rPr lang="en-US" dirty="0"/>
-              <a:t>Culling via helper classes. RP implementations may override or ignore this. </a:t>
-            </a:r>
-          </a:p>
-          <a:p>
-            <a:pPr lvl="1"/>
-            <a:r>
-              <a:rPr lang="en-US" dirty="0"/>
-              <a:t>Render objects</a:t>
-            </a:r>
-          </a:p>
-          <a:p>
-            <a:pPr lvl="2"/>
-            <a:r>
-              <a:rPr lang="en-US" dirty="0"/>
-              <a:t>Use </a:t>
-            </a:r>
-            <a:r>
-              <a:rPr lang="en-US" dirty="0" err="1"/>
-              <a:t>Context.Draw</a:t>
-            </a:r>
-            <a:r>
-              <a:rPr lang="en-US" dirty="0"/>
-              <a:t>…() for simple tasks</a:t>
-            </a:r>
-          </a:p>
-          <a:p>
-            <a:pPr lvl="2"/>
-            <a:r>
-              <a:rPr lang="en-US" dirty="0" err="1"/>
-              <a:t>CommandBuffer.Draw</a:t>
-            </a:r>
-            <a:r>
-              <a:rPr lang="en-US" dirty="0"/>
-              <a:t>*() for more granular control</a:t>
-            </a:r>
-          </a:p>
-          <a:p>
-            <a:pPr lvl="2"/>
-            <a:r>
-              <a:rPr lang="en-US" dirty="0" err="1"/>
-              <a:t>Context.ExecuteCommandBuffer</a:t>
-            </a:r>
-            <a:r>
-              <a:rPr lang="en-US" dirty="0"/>
-              <a:t>() or .</a:t>
-            </a:r>
-            <a:r>
-              <a:rPr lang="en-US" dirty="0" err="1"/>
-              <a:t>ExecuteCommandBufferAsync</a:t>
-            </a:r>
-            <a:r>
-              <a:rPr lang="en-US" dirty="0"/>
-              <a:t>()</a:t>
-            </a:r>
-          </a:p>
-          <a:p>
-            <a:pPr lvl="1"/>
-            <a:r>
-              <a:rPr lang="en-US" dirty="0" err="1"/>
-              <a:t>Context.Submit</a:t>
-            </a:r>
-            <a:r>
-              <a:rPr lang="en-US" dirty="0"/>
-              <a:t>()</a:t>
-            </a:r>
-          </a:p>
-          <a:p>
-            <a:pPr lvl="2"/>
-            <a:r>
-              <a:rPr lang="en-US" dirty="0"/>
-              <a:t>Submit all pending commands to Unity’s render command queue. </a:t>
+              <a:rPr lang="en-US" dirty="0"/>
+              <a:t>Simplest possible render pipeline system</a:t>
+            </a:r>
+          </a:p>
+          <a:p>
+            <a:r>
+              <a:rPr lang="en-US" dirty="0"/>
+              <a:t>Illustrates a higher-level view of HDRP that’s a little easier to parse</a:t>
+            </a:r>
+          </a:p>
+          <a:p>
+            <a:r>
+              <a:rPr lang="en-US" dirty="0"/>
+              <a:t>Basis for later HDRP-specific discussion (HDRP inherits from SRP)</a:t>
             </a:r>
           </a:p>
         </p:txBody>
@@ -13403,7 +13753,7 @@
     </p:spTree>
     <p:extLst>
       <p:ext uri="{BB962C8B-B14F-4D97-AF65-F5344CB8AC3E}">
-        <p14:creationId xmlns:p14="http://schemas.microsoft.com/office/powerpoint/2010/main" val="77811361"/>
+        <p14:creationId xmlns:p14="http://schemas.microsoft.com/office/powerpoint/2010/main" val="1337315614"/>
       </p:ext>
     </p:extLst>
   </p:cSld>
@@ -13524,7 +13874,7 @@
           <p:nvPr/>
         </p:nvPicPr>
         <p:blipFill>
-          <a:blip r:embed="rId2"/>
+          <a:blip r:embed="rId3"/>
           <a:stretch>
             <a:fillRect/>
           </a:stretch>
@@ -13554,7 +13904,7 @@
           <p:nvPr/>
         </p:nvPicPr>
         <p:blipFill>
-          <a:blip r:embed="rId3"/>
+          <a:blip r:embed="rId4"/>
           <a:stretch>
             <a:fillRect/>
           </a:stretch>
@@ -14275,7 +14625,7 @@
               <a:t>        </a:t>
             </a:r>
             <a:r>
-              <a:rPr lang="en-US" sz="1200" dirty="0" err="1">
+              <a:rPr lang="en-US" sz="1200" b="1" dirty="0" err="1">
                 <a:solidFill>
                   <a:srgbClr val="000000"/>
                 </a:solidFill>
@@ -14284,7 +14634,7 @@
               <a:t>context.DrawSkybox</a:t>
             </a:r>
             <a:r>
-              <a:rPr lang="en-US" sz="1200" dirty="0">
+              <a:rPr lang="en-US" sz="1200" b="1" dirty="0">
                 <a:solidFill>
                   <a:srgbClr val="000000"/>
                 </a:solidFill>
@@ -15813,6 +16163,12 @@
 </file>
 
 <file path=customXml/item1.xml><?xml version="1.0" encoding="utf-8"?>
+<p:properties xmlns:p="http://schemas.microsoft.com/office/2006/metadata/properties" xmlns:xsi="http://www.w3.org/2001/XMLSchema-instance" xmlns:pc="http://schemas.microsoft.com/office/infopath/2007/PartnerControls">
+  <documentManagement/>
+</p:properties>
+</file>
+
+<file path=customXml/item2.xml><?xml version="1.0" encoding="utf-8"?>
 <ct:contentTypeSchema xmlns:ct="http://schemas.microsoft.com/office/2006/metadata/contentType" xmlns:ma="http://schemas.microsoft.com/office/2006/metadata/properties/metaAttributes" ct:_="" ma:_="" ma:contentTypeName="Document" ma:contentTypeID="0x01010002BB17E93E562B43B37B810A10EF76A2" ma:contentTypeVersion="11" ma:contentTypeDescription="Create a new document." ma:contentTypeScope="" ma:versionID="7440b10a0812de547e4c42bac5850d69">
   <xsd:schema xmlns:xsd="http://www.w3.org/2001/XMLSchema" xmlns:xs="http://www.w3.org/2001/XMLSchema" xmlns:p="http://schemas.microsoft.com/office/2006/metadata/properties" xmlns:ns3="7691373a-f030-4374-98b9-64678e3b8f7d" xmlns:ns4="a0676a74-34ef-4ac2-a045-47e48388f74e" targetNamespace="http://schemas.microsoft.com/office/2006/metadata/properties" ma:root="true" ma:fieldsID="79683e72da74675e395a7afa6f4e9fc7" ns3:_="" ns4:_="">
     <xsd:import namespace="7691373a-f030-4374-98b9-64678e3b8f7d"/>
@@ -16021,12 +16377,6 @@
 </ct:contentTypeSchema>
 </file>
 
-<file path=customXml/item2.xml><?xml version="1.0" encoding="utf-8"?>
-<p:properties xmlns:p="http://schemas.microsoft.com/office/2006/metadata/properties" xmlns:xsi="http://www.w3.org/2001/XMLSchema-instance" xmlns:pc="http://schemas.microsoft.com/office/infopath/2007/PartnerControls">
-  <documentManagement/>
-</p:properties>
-</file>
-
 <file path=customXml/item3.xml><?xml version="1.0" encoding="utf-8"?>
 <?mso-contentType ?>
 <FormTemplates xmlns="http://schemas.microsoft.com/sharepoint/v3/contenttype/forms">
@@ -16037,6 +16387,23 @@
 </file>
 
 <file path=customXml/itemProps1.xml><?xml version="1.0" encoding="utf-8"?>
+<ds:datastoreItem xmlns:ds="http://schemas.openxmlformats.org/officeDocument/2006/customXml" ds:itemID="{E396BC82-30C7-491C-9E83-C9FC84CE0250}">
+  <ds:schemaRefs>
+    <ds:schemaRef ds:uri="http://purl.org/dc/dcmitype/"/>
+    <ds:schemaRef ds:uri="http://schemas.microsoft.com/office/2006/metadata/properties"/>
+    <ds:schemaRef ds:uri="http://purl.org/dc/terms/"/>
+    <ds:schemaRef ds:uri="http://purl.org/dc/elements/1.1/"/>
+    <ds:schemaRef ds:uri="http://www.w3.org/XML/1998/namespace"/>
+    <ds:schemaRef ds:uri="http://schemas.microsoft.com/office/infopath/2007/PartnerControls"/>
+    <ds:schemaRef ds:uri="http://schemas.openxmlformats.org/package/2006/metadata/core-properties"/>
+    <ds:schemaRef ds:uri="a0676a74-34ef-4ac2-a045-47e48388f74e"/>
+    <ds:schemaRef ds:uri="http://schemas.microsoft.com/office/2006/documentManagement/types"/>
+    <ds:schemaRef ds:uri="7691373a-f030-4374-98b9-64678e3b8f7d"/>
+  </ds:schemaRefs>
+</ds:datastoreItem>
+</file>
+
+<file path=customXml/itemProps2.xml><?xml version="1.0" encoding="utf-8"?>
 <ds:datastoreItem xmlns:ds="http://schemas.openxmlformats.org/officeDocument/2006/customXml" ds:itemID="{B51BFFB9-245F-443C-82B9-492AA4347493}">
   <ds:schemaRefs>
     <ds:schemaRef ds:uri="http://schemas.microsoft.com/office/2006/metadata/contentType"/>
@@ -16055,23 +16422,6 @@
 </ds:datastoreItem>
 </file>
 
-<file path=customXml/itemProps2.xml><?xml version="1.0" encoding="utf-8"?>
-<ds:datastoreItem xmlns:ds="http://schemas.openxmlformats.org/officeDocument/2006/customXml" ds:itemID="{E396BC82-30C7-491C-9E83-C9FC84CE0250}">
-  <ds:schemaRefs>
-    <ds:schemaRef ds:uri="http://purl.org/dc/dcmitype/"/>
-    <ds:schemaRef ds:uri="http://schemas.microsoft.com/office/2006/metadata/properties"/>
-    <ds:schemaRef ds:uri="http://purl.org/dc/terms/"/>
-    <ds:schemaRef ds:uri="http://purl.org/dc/elements/1.1/"/>
-    <ds:schemaRef ds:uri="http://www.w3.org/XML/1998/namespace"/>
-    <ds:schemaRef ds:uri="http://schemas.microsoft.com/office/infopath/2007/PartnerControls"/>
-    <ds:schemaRef ds:uri="http://schemas.openxmlformats.org/package/2006/metadata/core-properties"/>
-    <ds:schemaRef ds:uri="a0676a74-34ef-4ac2-a045-47e48388f74e"/>
-    <ds:schemaRef ds:uri="http://schemas.microsoft.com/office/2006/documentManagement/types"/>
-    <ds:schemaRef ds:uri="7691373a-f030-4374-98b9-64678e3b8f7d"/>
-  </ds:schemaRefs>
-</ds:datastoreItem>
-</file>
-
 <file path=customXml/itemProps3.xml><?xml version="1.0" encoding="utf-8"?>
 <ds:datastoreItem xmlns:ds="http://schemas.openxmlformats.org/officeDocument/2006/customXml" ds:itemID="{B855E1D5-2A74-43F1-8F2A-D6D26FB10819}">
   <ds:schemaRefs>
